--- a/doc/ppt/第二阶段/4.0 什么是反向代理.pptx
+++ b/doc/ppt/第二阶段/4.0 什么是反向代理.pptx
@@ -10,6 +10,13 @@
     <p:sldId id="258" r:id="rId4"/>
     <p:sldId id="259" r:id="rId5"/>
     <p:sldId id="260" r:id="rId6"/>
+    <p:sldId id="261" r:id="rId7"/>
+    <p:sldId id="265" r:id="rId8"/>
+    <p:sldId id="263" r:id="rId9"/>
+    <p:sldId id="266" r:id="rId10"/>
+    <p:sldId id="267" r:id="rId11"/>
+    <p:sldId id="268" r:id="rId12"/>
+    <p:sldId id="269" r:id="rId13"/>
   </p:sldIdLst>
   <p:sldSz cx="12192000" cy="6858000"/>
   <p:notesSz cx="6858000" cy="9144000"/>
@@ -108,6 +115,11 @@
       </a:defRPr>
     </a:lvl9pPr>
   </p:defaultTextStyle>
+  <p:extLst>
+    <p:ext uri="{EFAFB233-063F-42B5-8137-9DF3F51BA10A}">
+      <p15:sldGuideLst xmlns:p15="http://schemas.microsoft.com/office/powerpoint/2012/main"/>
+    </p:ext>
+  </p:extLst>
 </p:presentation>
 </file>
 
@@ -242,7 +254,7 @@
           <a:p>
             <a:fld id="{609A4BB2-C04C-429E-A720-56793DEE60CE}" type="datetimeFigureOut">
               <a:rPr lang="zh-CN" altLang="en-US" smtClean="0"/>
-              <a:t>2021/11/3</a:t>
+              <a:t>2021/11/5</a:t>
             </a:fld>
             <a:endParaRPr lang="zh-CN" altLang="en-US"/>
           </a:p>
@@ -412,7 +424,7 @@
           <a:p>
             <a:fld id="{609A4BB2-C04C-429E-A720-56793DEE60CE}" type="datetimeFigureOut">
               <a:rPr lang="zh-CN" altLang="en-US" smtClean="0"/>
-              <a:t>2021/11/3</a:t>
+              <a:t>2021/11/5</a:t>
             </a:fld>
             <a:endParaRPr lang="zh-CN" altLang="en-US"/>
           </a:p>
@@ -592,7 +604,7 @@
           <a:p>
             <a:fld id="{609A4BB2-C04C-429E-A720-56793DEE60CE}" type="datetimeFigureOut">
               <a:rPr lang="zh-CN" altLang="en-US" smtClean="0"/>
-              <a:t>2021/11/3</a:t>
+              <a:t>2021/11/5</a:t>
             </a:fld>
             <a:endParaRPr lang="zh-CN" altLang="en-US"/>
           </a:p>
@@ -762,7 +774,7 @@
           <a:p>
             <a:fld id="{609A4BB2-C04C-429E-A720-56793DEE60CE}" type="datetimeFigureOut">
               <a:rPr lang="zh-CN" altLang="en-US" smtClean="0"/>
-              <a:t>2021/11/3</a:t>
+              <a:t>2021/11/5</a:t>
             </a:fld>
             <a:endParaRPr lang="zh-CN" altLang="en-US"/>
           </a:p>
@@ -1008,7 +1020,7 @@
           <a:p>
             <a:fld id="{609A4BB2-C04C-429E-A720-56793DEE60CE}" type="datetimeFigureOut">
               <a:rPr lang="zh-CN" altLang="en-US" smtClean="0"/>
-              <a:t>2021/11/3</a:t>
+              <a:t>2021/11/5</a:t>
             </a:fld>
             <a:endParaRPr lang="zh-CN" altLang="en-US"/>
           </a:p>
@@ -1240,7 +1252,7 @@
           <a:p>
             <a:fld id="{609A4BB2-C04C-429E-A720-56793DEE60CE}" type="datetimeFigureOut">
               <a:rPr lang="zh-CN" altLang="en-US" smtClean="0"/>
-              <a:t>2021/11/3</a:t>
+              <a:t>2021/11/5</a:t>
             </a:fld>
             <a:endParaRPr lang="zh-CN" altLang="en-US"/>
           </a:p>
@@ -1607,7 +1619,7 @@
           <a:p>
             <a:fld id="{609A4BB2-C04C-429E-A720-56793DEE60CE}" type="datetimeFigureOut">
               <a:rPr lang="zh-CN" altLang="en-US" smtClean="0"/>
-              <a:t>2021/11/3</a:t>
+              <a:t>2021/11/5</a:t>
             </a:fld>
             <a:endParaRPr lang="zh-CN" altLang="en-US"/>
           </a:p>
@@ -1725,7 +1737,7 @@
           <a:p>
             <a:fld id="{609A4BB2-C04C-429E-A720-56793DEE60CE}" type="datetimeFigureOut">
               <a:rPr lang="zh-CN" altLang="en-US" smtClean="0"/>
-              <a:t>2021/11/3</a:t>
+              <a:t>2021/11/5</a:t>
             </a:fld>
             <a:endParaRPr lang="zh-CN" altLang="en-US"/>
           </a:p>
@@ -1820,7 +1832,7 @@
           <a:p>
             <a:fld id="{609A4BB2-C04C-429E-A720-56793DEE60CE}" type="datetimeFigureOut">
               <a:rPr lang="zh-CN" altLang="en-US" smtClean="0"/>
-              <a:t>2021/11/3</a:t>
+              <a:t>2021/11/5</a:t>
             </a:fld>
             <a:endParaRPr lang="zh-CN" altLang="en-US"/>
           </a:p>
@@ -2097,7 +2109,7 @@
           <a:p>
             <a:fld id="{609A4BB2-C04C-429E-A720-56793DEE60CE}" type="datetimeFigureOut">
               <a:rPr lang="zh-CN" altLang="en-US" smtClean="0"/>
-              <a:t>2021/11/3</a:t>
+              <a:t>2021/11/5</a:t>
             </a:fld>
             <a:endParaRPr lang="zh-CN" altLang="en-US"/>
           </a:p>
@@ -2350,7 +2362,7 @@
           <a:p>
             <a:fld id="{609A4BB2-C04C-429E-A720-56793DEE60CE}" type="datetimeFigureOut">
               <a:rPr lang="zh-CN" altLang="en-US" smtClean="0"/>
-              <a:t>2021/11/3</a:t>
+              <a:t>2021/11/5</a:t>
             </a:fld>
             <a:endParaRPr lang="zh-CN" altLang="en-US"/>
           </a:p>
@@ -2563,7 +2575,7 @@
           <a:p>
             <a:fld id="{609A4BB2-C04C-429E-A720-56793DEE60CE}" type="datetimeFigureOut">
               <a:rPr lang="zh-CN" altLang="en-US" smtClean="0"/>
-              <a:t>2021/11/3</a:t>
+              <a:t>2021/11/5</a:t>
             </a:fld>
             <a:endParaRPr lang="zh-CN" altLang="en-US"/>
           </a:p>
@@ -3005,6 +3017,3936 @@
 </p:sld>
 </file>
 
+<file path=ppt/slides/slide10.xml><?xml version="1.0" encoding="utf-8"?>
+<p:sld xmlns:a="http://schemas.openxmlformats.org/drawingml/2006/main" xmlns:r="http://schemas.openxmlformats.org/officeDocument/2006/relationships" xmlns:p="http://schemas.openxmlformats.org/presentationml/2006/main">
+  <p:cSld>
+    <p:spTree>
+      <p:nvGrpSpPr>
+        <p:cNvPr id="1" name=""/>
+        <p:cNvGrpSpPr/>
+        <p:nvPr/>
+      </p:nvGrpSpPr>
+      <p:grpSpPr>
+        <a:xfrm>
+          <a:off x="0" y="0"/>
+          <a:ext cx="0" cy="0"/>
+          <a:chOff x="0" y="0"/>
+          <a:chExt cx="0" cy="0"/>
+        </a:xfrm>
+      </p:grpSpPr>
+      <p:grpSp>
+        <p:nvGrpSpPr>
+          <p:cNvPr id="2" name="组合 1"/>
+          <p:cNvGrpSpPr/>
+          <p:nvPr/>
+        </p:nvGrpSpPr>
+        <p:grpSpPr>
+          <a:xfrm>
+            <a:off x="652308" y="771628"/>
+            <a:ext cx="10761959" cy="5090307"/>
+            <a:chOff x="652308" y="771628"/>
+            <a:chExt cx="10761959" cy="5090307"/>
+          </a:xfrm>
+        </p:grpSpPr>
+        <p:grpSp>
+          <p:nvGrpSpPr>
+            <p:cNvPr id="22" name="组合 21"/>
+            <p:cNvGrpSpPr/>
+            <p:nvPr/>
+          </p:nvGrpSpPr>
+          <p:grpSpPr>
+            <a:xfrm>
+              <a:off x="652308" y="877811"/>
+              <a:ext cx="6569695" cy="4984124"/>
+              <a:chOff x="1584100" y="1275008"/>
+              <a:chExt cx="7948592" cy="4728934"/>
+            </a:xfrm>
+          </p:grpSpPr>
+          <p:grpSp>
+            <p:nvGrpSpPr>
+              <p:cNvPr id="24" name="组合 23"/>
+              <p:cNvGrpSpPr/>
+              <p:nvPr/>
+            </p:nvGrpSpPr>
+            <p:grpSpPr>
+              <a:xfrm>
+                <a:off x="1584100" y="1275008"/>
+                <a:ext cx="7948592" cy="3846491"/>
+                <a:chOff x="1584100" y="1275008"/>
+                <a:chExt cx="7948592" cy="3846491"/>
+              </a:xfrm>
+            </p:grpSpPr>
+            <p:grpSp>
+              <p:nvGrpSpPr>
+                <p:cNvPr id="31" name="组合 30"/>
+                <p:cNvGrpSpPr/>
+                <p:nvPr/>
+              </p:nvGrpSpPr>
+              <p:grpSpPr>
+                <a:xfrm>
+                  <a:off x="1584100" y="1275008"/>
+                  <a:ext cx="7908661" cy="3846491"/>
+                  <a:chOff x="1584100" y="1275008"/>
+                  <a:chExt cx="7908661" cy="3846491"/>
+                </a:xfrm>
+              </p:grpSpPr>
+              <p:grpSp>
+                <p:nvGrpSpPr>
+                  <p:cNvPr id="40" name="组合 39"/>
+                  <p:cNvGrpSpPr/>
+                  <p:nvPr/>
+                </p:nvGrpSpPr>
+                <p:grpSpPr>
+                  <a:xfrm>
+                    <a:off x="1584100" y="1275008"/>
+                    <a:ext cx="7908661" cy="3846491"/>
+                    <a:chOff x="1094703" y="965915"/>
+                    <a:chExt cx="7908661" cy="3846491"/>
+                  </a:xfrm>
+                </p:grpSpPr>
+                <p:sp>
+                  <p:nvSpPr>
+                    <p:cNvPr id="46" name="圆角矩形 45"/>
+                    <p:cNvSpPr/>
+                    <p:nvPr/>
+                  </p:nvSpPr>
+                  <p:spPr>
+                    <a:xfrm>
+                      <a:off x="1094703" y="965915"/>
+                      <a:ext cx="1249251" cy="837127"/>
+                    </a:xfrm>
+                    <a:prstGeom prst="roundRect">
+                      <a:avLst/>
+                    </a:prstGeom>
+                  </p:spPr>
+                  <p:style>
+                    <a:lnRef idx="2">
+                      <a:schemeClr val="accent1">
+                        <a:shade val="50000"/>
+                      </a:schemeClr>
+                    </a:lnRef>
+                    <a:fillRef idx="1">
+                      <a:schemeClr val="accent1"/>
+                    </a:fillRef>
+                    <a:effectRef idx="0">
+                      <a:schemeClr val="accent1"/>
+                    </a:effectRef>
+                    <a:fontRef idx="minor">
+                      <a:schemeClr val="lt1"/>
+                    </a:fontRef>
+                  </p:style>
+                  <p:txBody>
+                    <a:bodyPr rtlCol="0" anchor="ctr"/>
+                    <a:lstStyle/>
+                    <a:p>
+                      <a:pPr algn="ctr"/>
+                      <a:r>
+                        <a:rPr lang="zh-CN" altLang="en-US" dirty="0" smtClean="0"/>
+                        <a:t>客户端</a:t>
+                      </a:r>
+                      <a:endParaRPr lang="zh-CN" altLang="en-US" dirty="0"/>
+                    </a:p>
+                  </p:txBody>
+                </p:sp>
+                <p:sp>
+                  <p:nvSpPr>
+                    <p:cNvPr id="47" name="圆角矩形 46"/>
+                    <p:cNvSpPr/>
+                    <p:nvPr/>
+                  </p:nvSpPr>
+                  <p:spPr>
+                    <a:xfrm>
+                      <a:off x="1094703" y="2470597"/>
+                      <a:ext cx="1249251" cy="837127"/>
+                    </a:xfrm>
+                    <a:prstGeom prst="roundRect">
+                      <a:avLst/>
+                    </a:prstGeom>
+                  </p:spPr>
+                  <p:style>
+                    <a:lnRef idx="2">
+                      <a:schemeClr val="accent1">
+                        <a:shade val="50000"/>
+                      </a:schemeClr>
+                    </a:lnRef>
+                    <a:fillRef idx="1">
+                      <a:schemeClr val="accent1"/>
+                    </a:fillRef>
+                    <a:effectRef idx="0">
+                      <a:schemeClr val="accent1"/>
+                    </a:effectRef>
+                    <a:fontRef idx="minor">
+                      <a:schemeClr val="lt1"/>
+                    </a:fontRef>
+                  </p:style>
+                  <p:txBody>
+                    <a:bodyPr rtlCol="0" anchor="ctr"/>
+                    <a:lstStyle/>
+                    <a:p>
+                      <a:pPr algn="ctr"/>
+                      <a:r>
+                        <a:rPr lang="zh-CN" altLang="en-US" dirty="0" smtClean="0"/>
+                        <a:t>客户端</a:t>
+                      </a:r>
+                      <a:endParaRPr lang="zh-CN" altLang="en-US" dirty="0"/>
+                    </a:p>
+                  </p:txBody>
+                </p:sp>
+                <p:sp>
+                  <p:nvSpPr>
+                    <p:cNvPr id="48" name="圆角矩形 47"/>
+                    <p:cNvSpPr/>
+                    <p:nvPr/>
+                  </p:nvSpPr>
+                  <p:spPr>
+                    <a:xfrm>
+                      <a:off x="1094703" y="3975279"/>
+                      <a:ext cx="1249251" cy="837127"/>
+                    </a:xfrm>
+                    <a:prstGeom prst="roundRect">
+                      <a:avLst/>
+                    </a:prstGeom>
+                  </p:spPr>
+                  <p:style>
+                    <a:lnRef idx="2">
+                      <a:schemeClr val="accent1">
+                        <a:shade val="50000"/>
+                      </a:schemeClr>
+                    </a:lnRef>
+                    <a:fillRef idx="1">
+                      <a:schemeClr val="accent1"/>
+                    </a:fillRef>
+                    <a:effectRef idx="0">
+                      <a:schemeClr val="accent1"/>
+                    </a:effectRef>
+                    <a:fontRef idx="minor">
+                      <a:schemeClr val="lt1"/>
+                    </a:fontRef>
+                  </p:style>
+                  <p:txBody>
+                    <a:bodyPr rtlCol="0" anchor="ctr"/>
+                    <a:lstStyle/>
+                    <a:p>
+                      <a:pPr algn="ctr"/>
+                      <a:r>
+                        <a:rPr lang="zh-CN" altLang="en-US" dirty="0" smtClean="0"/>
+                        <a:t>客户端</a:t>
+                      </a:r>
+                      <a:endParaRPr lang="zh-CN" altLang="en-US" dirty="0"/>
+                    </a:p>
+                  </p:txBody>
+                </p:sp>
+                <p:sp>
+                  <p:nvSpPr>
+                    <p:cNvPr id="49" name="圆角矩形 48"/>
+                    <p:cNvSpPr/>
+                    <p:nvPr/>
+                  </p:nvSpPr>
+                  <p:spPr>
+                    <a:xfrm>
+                      <a:off x="5049034" y="2518954"/>
+                      <a:ext cx="1249251" cy="837127"/>
+                    </a:xfrm>
+                    <a:prstGeom prst="roundRect">
+                      <a:avLst/>
+                    </a:prstGeom>
+                  </p:spPr>
+                  <p:style>
+                    <a:lnRef idx="2">
+                      <a:schemeClr val="accent1">
+                        <a:shade val="50000"/>
+                      </a:schemeClr>
+                    </a:lnRef>
+                    <a:fillRef idx="1">
+                      <a:schemeClr val="accent1"/>
+                    </a:fillRef>
+                    <a:effectRef idx="0">
+                      <a:schemeClr val="accent1"/>
+                    </a:effectRef>
+                    <a:fontRef idx="minor">
+                      <a:schemeClr val="lt1"/>
+                    </a:fontRef>
+                  </p:style>
+                  <p:txBody>
+                    <a:bodyPr rot="0" spcFirstLastPara="0" vert="horz" wrap="square" lIns="91440" tIns="45720" rIns="91440" bIns="45720" numCol="1" spcCol="0" rtlCol="0" fromWordArt="0" anchor="ctr" anchorCtr="0" forceAA="0" compatLnSpc="1">
+                      <a:prstTxWarp prst="textNoShape">
+                        <a:avLst/>
+                      </a:prstTxWarp>
+                      <a:noAutofit/>
+                    </a:bodyPr>
+                    <a:lstStyle>
+                      <a:defPPr>
+                        <a:defRPr lang="zh-CN"/>
+                      </a:defPPr>
+                      <a:lvl1pPr marL="0" algn="l" defTabSz="914400" rtl="0" eaLnBrk="1" latinLnBrk="0" hangingPunct="1">
+                        <a:defRPr sz="1800" kern="1200">
+                          <a:solidFill>
+                            <a:schemeClr val="lt1"/>
+                          </a:solidFill>
+                          <a:latin typeface="+mn-lt"/>
+                          <a:ea typeface="+mn-ea"/>
+                          <a:cs typeface="+mn-cs"/>
+                        </a:defRPr>
+                      </a:lvl1pPr>
+                      <a:lvl2pPr marL="457200" algn="l" defTabSz="914400" rtl="0" eaLnBrk="1" latinLnBrk="0" hangingPunct="1">
+                        <a:defRPr sz="1800" kern="1200">
+                          <a:solidFill>
+                            <a:schemeClr val="lt1"/>
+                          </a:solidFill>
+                          <a:latin typeface="+mn-lt"/>
+                          <a:ea typeface="+mn-ea"/>
+                          <a:cs typeface="+mn-cs"/>
+                        </a:defRPr>
+                      </a:lvl2pPr>
+                      <a:lvl3pPr marL="914400" algn="l" defTabSz="914400" rtl="0" eaLnBrk="1" latinLnBrk="0" hangingPunct="1">
+                        <a:defRPr sz="1800" kern="1200">
+                          <a:solidFill>
+                            <a:schemeClr val="lt1"/>
+                          </a:solidFill>
+                          <a:latin typeface="+mn-lt"/>
+                          <a:ea typeface="+mn-ea"/>
+                          <a:cs typeface="+mn-cs"/>
+                        </a:defRPr>
+                      </a:lvl3pPr>
+                      <a:lvl4pPr marL="1371600" algn="l" defTabSz="914400" rtl="0" eaLnBrk="1" latinLnBrk="0" hangingPunct="1">
+                        <a:defRPr sz="1800" kern="1200">
+                          <a:solidFill>
+                            <a:schemeClr val="lt1"/>
+                          </a:solidFill>
+                          <a:latin typeface="+mn-lt"/>
+                          <a:ea typeface="+mn-ea"/>
+                          <a:cs typeface="+mn-cs"/>
+                        </a:defRPr>
+                      </a:lvl4pPr>
+                      <a:lvl5pPr marL="1828800" algn="l" defTabSz="914400" rtl="0" eaLnBrk="1" latinLnBrk="0" hangingPunct="1">
+                        <a:defRPr sz="1800" kern="1200">
+                          <a:solidFill>
+                            <a:schemeClr val="lt1"/>
+                          </a:solidFill>
+                          <a:latin typeface="+mn-lt"/>
+                          <a:ea typeface="+mn-ea"/>
+                          <a:cs typeface="+mn-cs"/>
+                        </a:defRPr>
+                      </a:lvl5pPr>
+                      <a:lvl6pPr marL="2286000" algn="l" defTabSz="914400" rtl="0" eaLnBrk="1" latinLnBrk="0" hangingPunct="1">
+                        <a:defRPr sz="1800" kern="1200">
+                          <a:solidFill>
+                            <a:schemeClr val="lt1"/>
+                          </a:solidFill>
+                          <a:latin typeface="+mn-lt"/>
+                          <a:ea typeface="+mn-ea"/>
+                          <a:cs typeface="+mn-cs"/>
+                        </a:defRPr>
+                      </a:lvl6pPr>
+                      <a:lvl7pPr marL="2743200" algn="l" defTabSz="914400" rtl="0" eaLnBrk="1" latinLnBrk="0" hangingPunct="1">
+                        <a:defRPr sz="1800" kern="1200">
+                          <a:solidFill>
+                            <a:schemeClr val="lt1"/>
+                          </a:solidFill>
+                          <a:latin typeface="+mn-lt"/>
+                          <a:ea typeface="+mn-ea"/>
+                          <a:cs typeface="+mn-cs"/>
+                        </a:defRPr>
+                      </a:lvl7pPr>
+                      <a:lvl8pPr marL="3200400" algn="l" defTabSz="914400" rtl="0" eaLnBrk="1" latinLnBrk="0" hangingPunct="1">
+                        <a:defRPr sz="1800" kern="1200">
+                          <a:solidFill>
+                            <a:schemeClr val="lt1"/>
+                          </a:solidFill>
+                          <a:latin typeface="+mn-lt"/>
+                          <a:ea typeface="+mn-ea"/>
+                          <a:cs typeface="+mn-cs"/>
+                        </a:defRPr>
+                      </a:lvl8pPr>
+                      <a:lvl9pPr marL="3657600" algn="l" defTabSz="914400" rtl="0" eaLnBrk="1" latinLnBrk="0" hangingPunct="1">
+                        <a:defRPr sz="1800" kern="1200">
+                          <a:solidFill>
+                            <a:schemeClr val="lt1"/>
+                          </a:solidFill>
+                          <a:latin typeface="+mn-lt"/>
+                          <a:ea typeface="+mn-ea"/>
+                          <a:cs typeface="+mn-cs"/>
+                        </a:defRPr>
+                      </a:lvl9pPr>
+                    </a:lstStyle>
+                    <a:p>
+                      <a:pPr algn="ctr"/>
+                      <a:r>
+                        <a:rPr lang="zh-CN" altLang="en-US" dirty="0" smtClean="0"/>
+                        <a:t>对外主机</a:t>
+                      </a:r>
+                      <a:endParaRPr lang="zh-CN" altLang="en-US" dirty="0"/>
+                    </a:p>
+                  </p:txBody>
+                </p:sp>
+                <p:cxnSp>
+                  <p:nvCxnSpPr>
+                    <p:cNvPr id="51" name="直接箭头连接符 50"/>
+                    <p:cNvCxnSpPr/>
+                    <p:nvPr/>
+                  </p:nvCxnSpPr>
+                  <p:spPr>
+                    <a:xfrm flipV="1">
+                      <a:off x="2459864" y="3307723"/>
+                      <a:ext cx="2369713" cy="1035608"/>
+                    </a:xfrm>
+                    <a:prstGeom prst="straightConnector1">
+                      <a:avLst/>
+                    </a:prstGeom>
+                    <a:ln w="28575">
+                      <a:solidFill>
+                        <a:srgbClr val="FF0000"/>
+                      </a:solidFill>
+                      <a:tailEnd type="triangle"/>
+                    </a:ln>
+                  </p:spPr>
+                  <p:style>
+                    <a:lnRef idx="1">
+                      <a:schemeClr val="accent1"/>
+                    </a:lnRef>
+                    <a:fillRef idx="0">
+                      <a:schemeClr val="accent1"/>
+                    </a:fillRef>
+                    <a:effectRef idx="0">
+                      <a:schemeClr val="accent1"/>
+                    </a:effectRef>
+                    <a:fontRef idx="minor">
+                      <a:schemeClr val="tx1"/>
+                    </a:fontRef>
+                  </p:style>
+                </p:cxnSp>
+                <p:cxnSp>
+                  <p:nvCxnSpPr>
+                    <p:cNvPr id="52" name="直接箭头连接符 51"/>
+                    <p:cNvCxnSpPr/>
+                    <p:nvPr/>
+                  </p:nvCxnSpPr>
+                  <p:spPr>
+                    <a:xfrm>
+                      <a:off x="2524259" y="2912166"/>
+                      <a:ext cx="2189408" cy="53192"/>
+                    </a:xfrm>
+                    <a:prstGeom prst="straightConnector1">
+                      <a:avLst/>
+                    </a:prstGeom>
+                    <a:ln w="28575">
+                      <a:solidFill>
+                        <a:srgbClr val="FF0000"/>
+                      </a:solidFill>
+                      <a:tailEnd type="triangle"/>
+                    </a:ln>
+                  </p:spPr>
+                  <p:style>
+                    <a:lnRef idx="1">
+                      <a:schemeClr val="accent1"/>
+                    </a:lnRef>
+                    <a:fillRef idx="0">
+                      <a:schemeClr val="accent1"/>
+                    </a:fillRef>
+                    <a:effectRef idx="0">
+                      <a:schemeClr val="accent1"/>
+                    </a:effectRef>
+                    <a:fontRef idx="minor">
+                      <a:schemeClr val="tx1"/>
+                    </a:fontRef>
+                  </p:style>
+                </p:cxnSp>
+                <p:cxnSp>
+                  <p:nvCxnSpPr>
+                    <p:cNvPr id="53" name="直接箭头连接符 52"/>
+                    <p:cNvCxnSpPr/>
+                    <p:nvPr/>
+                  </p:nvCxnSpPr>
+                  <p:spPr>
+                    <a:xfrm>
+                      <a:off x="2524259" y="1493949"/>
+                      <a:ext cx="2215166" cy="1146219"/>
+                    </a:xfrm>
+                    <a:prstGeom prst="straightConnector1">
+                      <a:avLst/>
+                    </a:prstGeom>
+                    <a:ln w="28575">
+                      <a:solidFill>
+                        <a:srgbClr val="FF0000"/>
+                      </a:solidFill>
+                      <a:tailEnd type="triangle"/>
+                    </a:ln>
+                  </p:spPr>
+                  <p:style>
+                    <a:lnRef idx="1">
+                      <a:schemeClr val="accent1"/>
+                    </a:lnRef>
+                    <a:fillRef idx="0">
+                      <a:schemeClr val="accent1"/>
+                    </a:fillRef>
+                    <a:effectRef idx="0">
+                      <a:schemeClr val="accent1"/>
+                    </a:effectRef>
+                    <a:fontRef idx="minor">
+                      <a:schemeClr val="tx1"/>
+                    </a:fontRef>
+                  </p:style>
+                </p:cxnSp>
+                <p:cxnSp>
+                  <p:nvCxnSpPr>
+                    <p:cNvPr id="54" name="直接箭头连接符 53"/>
+                    <p:cNvCxnSpPr/>
+                    <p:nvPr/>
+                  </p:nvCxnSpPr>
+                  <p:spPr>
+                    <a:xfrm flipV="1">
+                      <a:off x="6633651" y="2901100"/>
+                      <a:ext cx="2369713" cy="17242"/>
+                    </a:xfrm>
+                    <a:prstGeom prst="straightConnector1">
+                      <a:avLst/>
+                    </a:prstGeom>
+                    <a:ln w="28575">
+                      <a:solidFill>
+                        <a:srgbClr val="FF0000"/>
+                      </a:solidFill>
+                      <a:tailEnd type="triangle"/>
+                    </a:ln>
+                  </p:spPr>
+                  <p:style>
+                    <a:lnRef idx="1">
+                      <a:schemeClr val="accent1"/>
+                    </a:lnRef>
+                    <a:fillRef idx="0">
+                      <a:schemeClr val="accent1"/>
+                    </a:fillRef>
+                    <a:effectRef idx="0">
+                      <a:schemeClr val="accent1"/>
+                    </a:effectRef>
+                    <a:fontRef idx="minor">
+                      <a:schemeClr val="tx1"/>
+                    </a:fontRef>
+                  </p:style>
+                </p:cxnSp>
+              </p:grpSp>
+              <p:sp>
+                <p:nvSpPr>
+                  <p:cNvPr id="41" name="文本框 40"/>
+                  <p:cNvSpPr txBox="1"/>
+                  <p:nvPr/>
+                </p:nvSpPr>
+                <p:spPr>
+                  <a:xfrm>
+                    <a:off x="3157107" y="1478015"/>
+                    <a:ext cx="646331" cy="369332"/>
+                  </a:xfrm>
+                  <a:prstGeom prst="rect">
+                    <a:avLst/>
+                  </a:prstGeom>
+                  <a:noFill/>
+                </p:spPr>
+                <p:txBody>
+                  <a:bodyPr wrap="none" rtlCol="0">
+                    <a:spAutoFit/>
+                  </a:bodyPr>
+                  <a:lstStyle/>
+                  <a:p>
+                    <a:r>
+                      <a:rPr lang="zh-CN" altLang="en-US" dirty="0" smtClean="0"/>
+                      <a:t>请求</a:t>
+                    </a:r>
+                    <a:endParaRPr lang="zh-CN" altLang="en-US" dirty="0"/>
+                  </a:p>
+                </p:txBody>
+              </p:sp>
+              <p:sp>
+                <p:nvSpPr>
+                  <p:cNvPr id="42" name="文本框 41"/>
+                  <p:cNvSpPr txBox="1"/>
+                  <p:nvPr/>
+                </p:nvSpPr>
+                <p:spPr>
+                  <a:xfrm>
+                    <a:off x="2993800" y="4009414"/>
+                    <a:ext cx="646331" cy="369332"/>
+                  </a:xfrm>
+                  <a:prstGeom prst="rect">
+                    <a:avLst/>
+                  </a:prstGeom>
+                  <a:noFill/>
+                </p:spPr>
+                <p:txBody>
+                  <a:bodyPr wrap="none" rtlCol="0">
+                    <a:spAutoFit/>
+                  </a:bodyPr>
+                  <a:lstStyle/>
+                  <a:p>
+                    <a:r>
+                      <a:rPr lang="zh-CN" altLang="en-US" dirty="0" smtClean="0"/>
+                      <a:t>请求</a:t>
+                    </a:r>
+                    <a:endParaRPr lang="zh-CN" altLang="en-US" dirty="0"/>
+                  </a:p>
+                </p:txBody>
+              </p:sp>
+              <p:sp>
+                <p:nvSpPr>
+                  <p:cNvPr id="43" name="文本框 42"/>
+                  <p:cNvSpPr txBox="1"/>
+                  <p:nvPr/>
+                </p:nvSpPr>
+                <p:spPr>
+                  <a:xfrm>
+                    <a:off x="3010074" y="2804167"/>
+                    <a:ext cx="646331" cy="369332"/>
+                  </a:xfrm>
+                  <a:prstGeom prst="rect">
+                    <a:avLst/>
+                  </a:prstGeom>
+                  <a:noFill/>
+                </p:spPr>
+                <p:txBody>
+                  <a:bodyPr wrap="none" rtlCol="0">
+                    <a:spAutoFit/>
+                  </a:bodyPr>
+                  <a:lstStyle/>
+                  <a:p>
+                    <a:r>
+                      <a:rPr lang="zh-CN" altLang="en-US" dirty="0" smtClean="0"/>
+                      <a:t>请求</a:t>
+                    </a:r>
+                    <a:endParaRPr lang="zh-CN" altLang="en-US" dirty="0"/>
+                  </a:p>
+                </p:txBody>
+              </p:sp>
+              <p:sp>
+                <p:nvSpPr>
+                  <p:cNvPr id="44" name="文本框 43"/>
+                  <p:cNvSpPr txBox="1"/>
+                  <p:nvPr/>
+                </p:nvSpPr>
+                <p:spPr>
+                  <a:xfrm>
+                    <a:off x="7013070" y="2792007"/>
+                    <a:ext cx="1107996" cy="369332"/>
+                  </a:xfrm>
+                  <a:prstGeom prst="rect">
+                    <a:avLst/>
+                  </a:prstGeom>
+                  <a:noFill/>
+                </p:spPr>
+                <p:txBody>
+                  <a:bodyPr wrap="none" rtlCol="0">
+                    <a:spAutoFit/>
+                  </a:bodyPr>
+                  <a:lstStyle/>
+                  <a:p>
+                    <a:r>
+                      <a:rPr lang="zh-CN" altLang="en-US" dirty="0" smtClean="0"/>
+                      <a:t>转发请求</a:t>
+                    </a:r>
+                    <a:endParaRPr lang="zh-CN" altLang="en-US" dirty="0"/>
+                  </a:p>
+                </p:txBody>
+              </p:sp>
+              <p:sp>
+                <p:nvSpPr>
+                  <p:cNvPr id="45" name="文本框 44"/>
+                  <p:cNvSpPr txBox="1"/>
+                  <p:nvPr/>
+                </p:nvSpPr>
+                <p:spPr>
+                  <a:xfrm>
+                    <a:off x="5330415" y="3828172"/>
+                    <a:ext cx="1800493" cy="369332"/>
+                  </a:xfrm>
+                  <a:prstGeom prst="rect">
+                    <a:avLst/>
+                  </a:prstGeom>
+                  <a:noFill/>
+                </p:spPr>
+                <p:txBody>
+                  <a:bodyPr wrap="none" rtlCol="0">
+                    <a:spAutoFit/>
+                  </a:bodyPr>
+                  <a:lstStyle/>
+                  <a:p>
+                    <a:r>
+                      <a:rPr lang="zh-CN" altLang="en-US" dirty="0" smtClean="0"/>
+                      <a:t>正向代理服务器</a:t>
+                    </a:r>
+                    <a:endParaRPr lang="zh-CN" altLang="en-US" dirty="0"/>
+                  </a:p>
+                </p:txBody>
+              </p:sp>
+            </p:grpSp>
+            <p:cxnSp>
+              <p:nvCxnSpPr>
+                <p:cNvPr id="32" name="直接箭头连接符 31"/>
+                <p:cNvCxnSpPr/>
+                <p:nvPr/>
+              </p:nvCxnSpPr>
+              <p:spPr>
+                <a:xfrm flipH="1" flipV="1">
+                  <a:off x="2973945" y="1927469"/>
+                  <a:ext cx="2164724" cy="1118041"/>
+                </a:xfrm>
+                <a:prstGeom prst="straightConnector1">
+                  <a:avLst/>
+                </a:prstGeom>
+                <a:ln w="28575">
+                  <a:solidFill>
+                    <a:srgbClr val="00B050"/>
+                  </a:solidFill>
+                  <a:tailEnd type="triangle"/>
+                </a:ln>
+              </p:spPr>
+              <p:style>
+                <a:lnRef idx="1">
+                  <a:schemeClr val="accent1"/>
+                </a:lnRef>
+                <a:fillRef idx="0">
+                  <a:schemeClr val="accent1"/>
+                </a:fillRef>
+                <a:effectRef idx="0">
+                  <a:schemeClr val="accent1"/>
+                </a:effectRef>
+                <a:fontRef idx="minor">
+                  <a:schemeClr val="tx1"/>
+                </a:fontRef>
+              </p:style>
+            </p:cxnSp>
+            <p:cxnSp>
+              <p:nvCxnSpPr>
+                <p:cNvPr id="33" name="直接箭头连接符 32"/>
+                <p:cNvCxnSpPr/>
+                <p:nvPr/>
+              </p:nvCxnSpPr>
+              <p:spPr>
+                <a:xfrm flipH="1">
+                  <a:off x="3025097" y="3785176"/>
+                  <a:ext cx="2305318" cy="1041180"/>
+                </a:xfrm>
+                <a:prstGeom prst="straightConnector1">
+                  <a:avLst/>
+                </a:prstGeom>
+                <a:ln w="28575">
+                  <a:solidFill>
+                    <a:srgbClr val="00B050"/>
+                  </a:solidFill>
+                  <a:tailEnd type="triangle"/>
+                </a:ln>
+              </p:spPr>
+              <p:style>
+                <a:lnRef idx="1">
+                  <a:schemeClr val="accent1"/>
+                </a:lnRef>
+                <a:fillRef idx="0">
+                  <a:schemeClr val="accent1"/>
+                </a:fillRef>
+                <a:effectRef idx="0">
+                  <a:schemeClr val="accent1"/>
+                </a:effectRef>
+                <a:fontRef idx="minor">
+                  <a:schemeClr val="tx1"/>
+                </a:fontRef>
+              </p:style>
+            </p:cxnSp>
+            <p:cxnSp>
+              <p:nvCxnSpPr>
+                <p:cNvPr id="34" name="直接箭头连接符 33"/>
+                <p:cNvCxnSpPr/>
+                <p:nvPr/>
+              </p:nvCxnSpPr>
+              <p:spPr>
+                <a:xfrm flipH="1">
+                  <a:off x="7124879" y="3418269"/>
+                  <a:ext cx="2407813" cy="10197"/>
+                </a:xfrm>
+                <a:prstGeom prst="straightConnector1">
+                  <a:avLst/>
+                </a:prstGeom>
+                <a:ln w="28575">
+                  <a:solidFill>
+                    <a:srgbClr val="00B050"/>
+                  </a:solidFill>
+                  <a:tailEnd type="triangle"/>
+                </a:ln>
+              </p:spPr>
+              <p:style>
+                <a:lnRef idx="1">
+                  <a:schemeClr val="accent1"/>
+                </a:lnRef>
+                <a:fillRef idx="0">
+                  <a:schemeClr val="accent1"/>
+                </a:fillRef>
+                <a:effectRef idx="0">
+                  <a:schemeClr val="accent1"/>
+                </a:effectRef>
+                <a:fontRef idx="minor">
+                  <a:schemeClr val="tx1"/>
+                </a:fontRef>
+              </p:style>
+            </p:cxnSp>
+            <p:cxnSp>
+              <p:nvCxnSpPr>
+                <p:cNvPr id="35" name="直接箭头连接符 34"/>
+                <p:cNvCxnSpPr/>
+                <p:nvPr/>
+              </p:nvCxnSpPr>
+              <p:spPr>
+                <a:xfrm flipH="1" flipV="1">
+                  <a:off x="2993800" y="3426851"/>
+                  <a:ext cx="2209264" cy="20395"/>
+                </a:xfrm>
+                <a:prstGeom prst="straightConnector1">
+                  <a:avLst/>
+                </a:prstGeom>
+                <a:ln w="28575">
+                  <a:solidFill>
+                    <a:srgbClr val="00B050"/>
+                  </a:solidFill>
+                  <a:tailEnd type="triangle"/>
+                </a:ln>
+              </p:spPr>
+              <p:style>
+                <a:lnRef idx="1">
+                  <a:schemeClr val="accent1"/>
+                </a:lnRef>
+                <a:fillRef idx="0">
+                  <a:schemeClr val="accent1"/>
+                </a:fillRef>
+                <a:effectRef idx="0">
+                  <a:schemeClr val="accent1"/>
+                </a:effectRef>
+                <a:fontRef idx="minor">
+                  <a:schemeClr val="tx1"/>
+                </a:fontRef>
+              </p:style>
+            </p:cxnSp>
+            <p:sp>
+              <p:nvSpPr>
+                <p:cNvPr id="36" name="文本框 35"/>
+                <p:cNvSpPr txBox="1"/>
+                <p:nvPr/>
+              </p:nvSpPr>
+              <p:spPr>
+                <a:xfrm>
+                  <a:off x="4273039" y="3437048"/>
+                  <a:ext cx="646331" cy="369332"/>
+                </a:xfrm>
+                <a:prstGeom prst="rect">
+                  <a:avLst/>
+                </a:prstGeom>
+                <a:noFill/>
+              </p:spPr>
+              <p:txBody>
+                <a:bodyPr wrap="none" rtlCol="0">
+                  <a:spAutoFit/>
+                </a:bodyPr>
+                <a:lstStyle/>
+                <a:p>
+                  <a:r>
+                    <a:rPr lang="zh-CN" altLang="en-US" dirty="0" smtClean="0"/>
+                    <a:t>响应</a:t>
+                  </a:r>
+                  <a:endParaRPr lang="zh-CN" altLang="en-US" dirty="0"/>
+                </a:p>
+              </p:txBody>
+            </p:sp>
+            <p:sp>
+              <p:nvSpPr>
+                <p:cNvPr id="37" name="文本框 36"/>
+                <p:cNvSpPr txBox="1"/>
+                <p:nvPr/>
+              </p:nvSpPr>
+              <p:spPr>
+                <a:xfrm>
+                  <a:off x="8572795" y="3479580"/>
+                  <a:ext cx="646331" cy="369332"/>
+                </a:xfrm>
+                <a:prstGeom prst="rect">
+                  <a:avLst/>
+                </a:prstGeom>
+                <a:noFill/>
+              </p:spPr>
+              <p:txBody>
+                <a:bodyPr wrap="none" rtlCol="0">
+                  <a:spAutoFit/>
+                </a:bodyPr>
+                <a:lstStyle/>
+                <a:p>
+                  <a:r>
+                    <a:rPr lang="zh-CN" altLang="en-US" dirty="0" smtClean="0"/>
+                    <a:t>响应</a:t>
+                  </a:r>
+                  <a:endParaRPr lang="zh-CN" altLang="en-US" dirty="0"/>
+                </a:p>
+              </p:txBody>
+            </p:sp>
+            <p:sp>
+              <p:nvSpPr>
+                <p:cNvPr id="38" name="文本框 37"/>
+                <p:cNvSpPr txBox="1"/>
+                <p:nvPr/>
+              </p:nvSpPr>
+              <p:spPr>
+                <a:xfrm>
+                  <a:off x="4259325" y="2828047"/>
+                  <a:ext cx="646331" cy="369332"/>
+                </a:xfrm>
+                <a:prstGeom prst="rect">
+                  <a:avLst/>
+                </a:prstGeom>
+                <a:noFill/>
+              </p:spPr>
+              <p:txBody>
+                <a:bodyPr wrap="none" rtlCol="0">
+                  <a:spAutoFit/>
+                </a:bodyPr>
+                <a:lstStyle/>
+                <a:p>
+                  <a:r>
+                    <a:rPr lang="zh-CN" altLang="en-US" dirty="0" smtClean="0"/>
+                    <a:t>响应</a:t>
+                  </a:r>
+                  <a:endParaRPr lang="zh-CN" altLang="en-US" dirty="0"/>
+                </a:p>
+              </p:txBody>
+            </p:sp>
+            <p:sp>
+              <p:nvSpPr>
+                <p:cNvPr id="39" name="文本框 38"/>
+                <p:cNvSpPr txBox="1"/>
+                <p:nvPr/>
+              </p:nvSpPr>
+              <p:spPr>
+                <a:xfrm>
+                  <a:off x="4582491" y="4028689"/>
+                  <a:ext cx="646331" cy="369332"/>
+                </a:xfrm>
+                <a:prstGeom prst="rect">
+                  <a:avLst/>
+                </a:prstGeom>
+                <a:noFill/>
+              </p:spPr>
+              <p:txBody>
+                <a:bodyPr wrap="none" rtlCol="0">
+                  <a:spAutoFit/>
+                </a:bodyPr>
+                <a:lstStyle/>
+                <a:p>
+                  <a:r>
+                    <a:rPr lang="zh-CN" altLang="en-US" dirty="0" smtClean="0"/>
+                    <a:t>响应</a:t>
+                  </a:r>
+                  <a:endParaRPr lang="zh-CN" altLang="en-US" dirty="0"/>
+                </a:p>
+              </p:txBody>
+            </p:sp>
+          </p:grpSp>
+          <p:sp>
+            <p:nvSpPr>
+              <p:cNvPr id="30" name="文本框 29"/>
+              <p:cNvSpPr txBox="1"/>
+              <p:nvPr/>
+            </p:nvSpPr>
+            <p:spPr>
+              <a:xfrm>
+                <a:off x="1741289" y="5357611"/>
+                <a:ext cx="934871" cy="646331"/>
+              </a:xfrm>
+              <a:prstGeom prst="rect">
+                <a:avLst/>
+              </a:prstGeom>
+              <a:noFill/>
+            </p:spPr>
+            <p:txBody>
+              <a:bodyPr wrap="none" rtlCol="0">
+                <a:spAutoFit/>
+              </a:bodyPr>
+              <a:lstStyle/>
+              <a:p>
+                <a:r>
+                  <a:rPr lang="en-US" altLang="zh-CN" sz="3600" b="1" dirty="0" smtClean="0"/>
+                  <a:t>……</a:t>
+                </a:r>
+                <a:endParaRPr lang="zh-CN" altLang="en-US" sz="3600" b="1" dirty="0"/>
+              </a:p>
+            </p:txBody>
+          </p:sp>
+        </p:grpSp>
+        <p:grpSp>
+          <p:nvGrpSpPr>
+            <p:cNvPr id="55" name="组合 54"/>
+            <p:cNvGrpSpPr/>
+            <p:nvPr/>
+          </p:nvGrpSpPr>
+          <p:grpSpPr>
+            <a:xfrm>
+              <a:off x="7158702" y="771628"/>
+              <a:ext cx="4255565" cy="4427043"/>
+              <a:chOff x="4445088" y="1250253"/>
+              <a:chExt cx="7081503" cy="3846491"/>
+            </a:xfrm>
+          </p:grpSpPr>
+          <p:grpSp>
+            <p:nvGrpSpPr>
+              <p:cNvPr id="56" name="组合 55"/>
+              <p:cNvGrpSpPr/>
+              <p:nvPr/>
+            </p:nvGrpSpPr>
+            <p:grpSpPr>
+              <a:xfrm>
+                <a:off x="10277340" y="1250253"/>
+                <a:ext cx="1249251" cy="3846491"/>
+                <a:chOff x="1584100" y="1275008"/>
+                <a:chExt cx="1249251" cy="3846491"/>
+              </a:xfrm>
+            </p:grpSpPr>
+            <p:sp>
+              <p:nvSpPr>
+                <p:cNvPr id="70" name="圆角矩形 69"/>
+                <p:cNvSpPr/>
+                <p:nvPr/>
+              </p:nvSpPr>
+              <p:spPr>
+                <a:xfrm>
+                  <a:off x="1584100" y="1275008"/>
+                  <a:ext cx="1249251" cy="837127"/>
+                </a:xfrm>
+                <a:prstGeom prst="roundRect">
+                  <a:avLst/>
+                </a:prstGeom>
+              </p:spPr>
+              <p:style>
+                <a:lnRef idx="2">
+                  <a:schemeClr val="accent1">
+                    <a:shade val="50000"/>
+                  </a:schemeClr>
+                </a:lnRef>
+                <a:fillRef idx="1">
+                  <a:schemeClr val="accent1"/>
+                </a:fillRef>
+                <a:effectRef idx="0">
+                  <a:schemeClr val="accent1"/>
+                </a:effectRef>
+                <a:fontRef idx="minor">
+                  <a:schemeClr val="lt1"/>
+                </a:fontRef>
+              </p:style>
+              <p:txBody>
+                <a:bodyPr rtlCol="0" anchor="ctr"/>
+                <a:lstStyle/>
+                <a:p>
+                  <a:pPr algn="ctr"/>
+                  <a:r>
+                    <a:rPr lang="zh-CN" altLang="en-US" dirty="0" smtClean="0"/>
+                    <a:t>目标服务器</a:t>
+                  </a:r>
+                  <a:endParaRPr lang="zh-CN" altLang="en-US" dirty="0"/>
+                </a:p>
+              </p:txBody>
+            </p:sp>
+            <p:sp>
+              <p:nvSpPr>
+                <p:cNvPr id="71" name="圆角矩形 70"/>
+                <p:cNvSpPr/>
+                <p:nvPr/>
+              </p:nvSpPr>
+              <p:spPr>
+                <a:xfrm>
+                  <a:off x="1584100" y="2779690"/>
+                  <a:ext cx="1249251" cy="837127"/>
+                </a:xfrm>
+                <a:prstGeom prst="roundRect">
+                  <a:avLst/>
+                </a:prstGeom>
+              </p:spPr>
+              <p:style>
+                <a:lnRef idx="2">
+                  <a:schemeClr val="accent1">
+                    <a:shade val="50000"/>
+                  </a:schemeClr>
+                </a:lnRef>
+                <a:fillRef idx="1">
+                  <a:schemeClr val="accent1"/>
+                </a:fillRef>
+                <a:effectRef idx="0">
+                  <a:schemeClr val="accent1"/>
+                </a:effectRef>
+                <a:fontRef idx="minor">
+                  <a:schemeClr val="lt1"/>
+                </a:fontRef>
+              </p:style>
+              <p:txBody>
+                <a:bodyPr rtlCol="0" anchor="ctr"/>
+                <a:lstStyle/>
+                <a:p>
+                  <a:pPr algn="ctr"/>
+                  <a:r>
+                    <a:rPr lang="zh-CN" altLang="en-US" dirty="0"/>
+                    <a:t>目标服务器</a:t>
+                  </a:r>
+                  <a:endParaRPr lang="zh-CN" altLang="en-US" dirty="0"/>
+                </a:p>
+              </p:txBody>
+            </p:sp>
+            <p:sp>
+              <p:nvSpPr>
+                <p:cNvPr id="72" name="圆角矩形 71"/>
+                <p:cNvSpPr/>
+                <p:nvPr/>
+              </p:nvSpPr>
+              <p:spPr>
+                <a:xfrm>
+                  <a:off x="1584100" y="4284372"/>
+                  <a:ext cx="1249251" cy="837127"/>
+                </a:xfrm>
+                <a:prstGeom prst="roundRect">
+                  <a:avLst/>
+                </a:prstGeom>
+              </p:spPr>
+              <p:style>
+                <a:lnRef idx="2">
+                  <a:schemeClr val="accent1">
+                    <a:shade val="50000"/>
+                  </a:schemeClr>
+                </a:lnRef>
+                <a:fillRef idx="1">
+                  <a:schemeClr val="accent1"/>
+                </a:fillRef>
+                <a:effectRef idx="0">
+                  <a:schemeClr val="accent1"/>
+                </a:effectRef>
+                <a:fontRef idx="minor">
+                  <a:schemeClr val="lt1"/>
+                </a:fontRef>
+              </p:style>
+              <p:txBody>
+                <a:bodyPr rtlCol="0" anchor="ctr"/>
+                <a:lstStyle/>
+                <a:p>
+                  <a:pPr algn="ctr"/>
+                  <a:r>
+                    <a:rPr lang="zh-CN" altLang="en-US" dirty="0"/>
+                    <a:t>目标服务器</a:t>
+                  </a:r>
+                  <a:endParaRPr lang="zh-CN" altLang="en-US" dirty="0"/>
+                </a:p>
+              </p:txBody>
+            </p:sp>
+          </p:grpSp>
+          <p:sp>
+            <p:nvSpPr>
+              <p:cNvPr id="57" name="圆角矩形 56"/>
+              <p:cNvSpPr/>
+              <p:nvPr/>
+            </p:nvSpPr>
+            <p:spPr>
+              <a:xfrm>
+                <a:off x="4996576" y="2801001"/>
+                <a:ext cx="1620307" cy="837127"/>
+              </a:xfrm>
+              <a:prstGeom prst="roundRect">
+                <a:avLst/>
+              </a:prstGeom>
+            </p:spPr>
+            <p:style>
+              <a:lnRef idx="2">
+                <a:schemeClr val="accent1">
+                  <a:shade val="50000"/>
+                </a:schemeClr>
+              </a:lnRef>
+              <a:fillRef idx="1">
+                <a:schemeClr val="accent1"/>
+              </a:fillRef>
+              <a:effectRef idx="0">
+                <a:schemeClr val="accent1"/>
+              </a:effectRef>
+              <a:fontRef idx="minor">
+                <a:schemeClr val="lt1"/>
+              </a:fontRef>
+            </p:style>
+            <p:txBody>
+              <a:bodyPr rot="0" spcFirstLastPara="0" vert="horz" wrap="square" lIns="91440" tIns="45720" rIns="91440" bIns="45720" numCol="1" spcCol="0" rtlCol="0" fromWordArt="0" anchor="ctr" anchorCtr="0" forceAA="0" compatLnSpc="1">
+                <a:prstTxWarp prst="textNoShape">
+                  <a:avLst/>
+                </a:prstTxWarp>
+                <a:noAutofit/>
+              </a:bodyPr>
+              <a:lstStyle>
+                <a:defPPr>
+                  <a:defRPr lang="zh-CN"/>
+                </a:defPPr>
+                <a:lvl1pPr marL="0" algn="l" defTabSz="914400" rtl="0" eaLnBrk="1" latinLnBrk="0" hangingPunct="1">
+                  <a:defRPr sz="1800" kern="1200">
+                    <a:solidFill>
+                      <a:schemeClr val="lt1"/>
+                    </a:solidFill>
+                    <a:latin typeface="+mn-lt"/>
+                    <a:ea typeface="+mn-ea"/>
+                    <a:cs typeface="+mn-cs"/>
+                  </a:defRPr>
+                </a:lvl1pPr>
+                <a:lvl2pPr marL="457200" algn="l" defTabSz="914400" rtl="0" eaLnBrk="1" latinLnBrk="0" hangingPunct="1">
+                  <a:defRPr sz="1800" kern="1200">
+                    <a:solidFill>
+                      <a:schemeClr val="lt1"/>
+                    </a:solidFill>
+                    <a:latin typeface="+mn-lt"/>
+                    <a:ea typeface="+mn-ea"/>
+                    <a:cs typeface="+mn-cs"/>
+                  </a:defRPr>
+                </a:lvl2pPr>
+                <a:lvl3pPr marL="914400" algn="l" defTabSz="914400" rtl="0" eaLnBrk="1" latinLnBrk="0" hangingPunct="1">
+                  <a:defRPr sz="1800" kern="1200">
+                    <a:solidFill>
+                      <a:schemeClr val="lt1"/>
+                    </a:solidFill>
+                    <a:latin typeface="+mn-lt"/>
+                    <a:ea typeface="+mn-ea"/>
+                    <a:cs typeface="+mn-cs"/>
+                  </a:defRPr>
+                </a:lvl3pPr>
+                <a:lvl4pPr marL="1371600" algn="l" defTabSz="914400" rtl="0" eaLnBrk="1" latinLnBrk="0" hangingPunct="1">
+                  <a:defRPr sz="1800" kern="1200">
+                    <a:solidFill>
+                      <a:schemeClr val="lt1"/>
+                    </a:solidFill>
+                    <a:latin typeface="+mn-lt"/>
+                    <a:ea typeface="+mn-ea"/>
+                    <a:cs typeface="+mn-cs"/>
+                  </a:defRPr>
+                </a:lvl4pPr>
+                <a:lvl5pPr marL="1828800" algn="l" defTabSz="914400" rtl="0" eaLnBrk="1" latinLnBrk="0" hangingPunct="1">
+                  <a:defRPr sz="1800" kern="1200">
+                    <a:solidFill>
+                      <a:schemeClr val="lt1"/>
+                    </a:solidFill>
+                    <a:latin typeface="+mn-lt"/>
+                    <a:ea typeface="+mn-ea"/>
+                    <a:cs typeface="+mn-cs"/>
+                  </a:defRPr>
+                </a:lvl5pPr>
+                <a:lvl6pPr marL="2286000" algn="l" defTabSz="914400" rtl="0" eaLnBrk="1" latinLnBrk="0" hangingPunct="1">
+                  <a:defRPr sz="1800" kern="1200">
+                    <a:solidFill>
+                      <a:schemeClr val="lt1"/>
+                    </a:solidFill>
+                    <a:latin typeface="+mn-lt"/>
+                    <a:ea typeface="+mn-ea"/>
+                    <a:cs typeface="+mn-cs"/>
+                  </a:defRPr>
+                </a:lvl6pPr>
+                <a:lvl7pPr marL="2743200" algn="l" defTabSz="914400" rtl="0" eaLnBrk="1" latinLnBrk="0" hangingPunct="1">
+                  <a:defRPr sz="1800" kern="1200">
+                    <a:solidFill>
+                      <a:schemeClr val="lt1"/>
+                    </a:solidFill>
+                    <a:latin typeface="+mn-lt"/>
+                    <a:ea typeface="+mn-ea"/>
+                    <a:cs typeface="+mn-cs"/>
+                  </a:defRPr>
+                </a:lvl7pPr>
+                <a:lvl8pPr marL="3200400" algn="l" defTabSz="914400" rtl="0" eaLnBrk="1" latinLnBrk="0" hangingPunct="1">
+                  <a:defRPr sz="1800" kern="1200">
+                    <a:solidFill>
+                      <a:schemeClr val="lt1"/>
+                    </a:solidFill>
+                    <a:latin typeface="+mn-lt"/>
+                    <a:ea typeface="+mn-ea"/>
+                    <a:cs typeface="+mn-cs"/>
+                  </a:defRPr>
+                </a:lvl8pPr>
+                <a:lvl9pPr marL="3657600" algn="l" defTabSz="914400" rtl="0" eaLnBrk="1" latinLnBrk="0" hangingPunct="1">
+                  <a:defRPr sz="1800" kern="1200">
+                    <a:solidFill>
+                      <a:schemeClr val="lt1"/>
+                    </a:solidFill>
+                    <a:latin typeface="+mn-lt"/>
+                    <a:ea typeface="+mn-ea"/>
+                    <a:cs typeface="+mn-cs"/>
+                  </a:defRPr>
+                </a:lvl9pPr>
+              </a:lstStyle>
+              <a:p>
+                <a:pPr algn="ctr"/>
+                <a:r>
+                  <a:rPr lang="en-US" altLang="zh-CN" dirty="0" smtClean="0"/>
+                  <a:t>Nginx</a:t>
+                </a:r>
+                <a:endParaRPr lang="zh-CN" altLang="en-US" dirty="0"/>
+              </a:p>
+            </p:txBody>
+          </p:sp>
+          <p:sp>
+            <p:nvSpPr>
+              <p:cNvPr id="59" name="文本框 58"/>
+              <p:cNvSpPr txBox="1"/>
+              <p:nvPr/>
+            </p:nvSpPr>
+            <p:spPr>
+              <a:xfrm>
+                <a:off x="4445088" y="3854485"/>
+                <a:ext cx="1800493" cy="369332"/>
+              </a:xfrm>
+              <a:prstGeom prst="rect">
+                <a:avLst/>
+              </a:prstGeom>
+              <a:noFill/>
+            </p:spPr>
+            <p:txBody>
+              <a:bodyPr wrap="none" rtlCol="0">
+                <a:spAutoFit/>
+              </a:bodyPr>
+              <a:lstStyle/>
+              <a:p>
+                <a:r>
+                  <a:rPr lang="zh-CN" altLang="en-US" dirty="0" smtClean="0"/>
+                  <a:t>反向代理服务器</a:t>
+                </a:r>
+                <a:endParaRPr lang="zh-CN" altLang="en-US" dirty="0"/>
+              </a:p>
+            </p:txBody>
+          </p:sp>
+          <p:cxnSp>
+            <p:nvCxnSpPr>
+              <p:cNvPr id="61" name="直接箭头连接符 60"/>
+              <p:cNvCxnSpPr/>
+              <p:nvPr/>
+            </p:nvCxnSpPr>
+            <p:spPr>
+              <a:xfrm>
+                <a:off x="6864439" y="3527856"/>
+                <a:ext cx="3129567" cy="1031265"/>
+              </a:xfrm>
+              <a:prstGeom prst="straightConnector1">
+                <a:avLst/>
+              </a:prstGeom>
+              <a:ln w="28575">
+                <a:solidFill>
+                  <a:srgbClr val="FF0000"/>
+                </a:solidFill>
+                <a:tailEnd type="triangle"/>
+              </a:ln>
+            </p:spPr>
+            <p:style>
+              <a:lnRef idx="1">
+                <a:schemeClr val="accent1"/>
+              </a:lnRef>
+              <a:fillRef idx="0">
+                <a:schemeClr val="accent1"/>
+              </a:fillRef>
+              <a:effectRef idx="0">
+                <a:schemeClr val="accent1"/>
+              </a:effectRef>
+              <a:fontRef idx="minor">
+                <a:schemeClr val="tx1"/>
+              </a:fontRef>
+            </p:style>
+          </p:cxnSp>
+          <p:cxnSp>
+            <p:nvCxnSpPr>
+              <p:cNvPr id="62" name="直接箭头连接符 61"/>
+              <p:cNvCxnSpPr/>
+              <p:nvPr/>
+            </p:nvCxnSpPr>
+            <p:spPr>
+              <a:xfrm>
+                <a:off x="6864439" y="3309870"/>
+                <a:ext cx="3129567" cy="0"/>
+              </a:xfrm>
+              <a:prstGeom prst="straightConnector1">
+                <a:avLst/>
+              </a:prstGeom>
+              <a:ln w="28575">
+                <a:solidFill>
+                  <a:srgbClr val="FF0000"/>
+                </a:solidFill>
+                <a:tailEnd type="triangle"/>
+              </a:ln>
+            </p:spPr>
+            <p:style>
+              <a:lnRef idx="1">
+                <a:schemeClr val="accent1"/>
+              </a:lnRef>
+              <a:fillRef idx="0">
+                <a:schemeClr val="accent1"/>
+              </a:fillRef>
+              <a:effectRef idx="0">
+                <a:schemeClr val="accent1"/>
+              </a:effectRef>
+              <a:fontRef idx="minor">
+                <a:schemeClr val="tx1"/>
+              </a:fontRef>
+            </p:style>
+          </p:cxnSp>
+          <p:cxnSp>
+            <p:nvCxnSpPr>
+              <p:cNvPr id="63" name="直接箭头连接符 62"/>
+              <p:cNvCxnSpPr/>
+              <p:nvPr/>
+            </p:nvCxnSpPr>
+            <p:spPr>
+              <a:xfrm flipV="1">
+                <a:off x="6840956" y="1708747"/>
+                <a:ext cx="3050019" cy="1064785"/>
+              </a:xfrm>
+              <a:prstGeom prst="straightConnector1">
+                <a:avLst/>
+              </a:prstGeom>
+              <a:ln w="28575">
+                <a:solidFill>
+                  <a:srgbClr val="FF0000"/>
+                </a:solidFill>
+                <a:tailEnd type="triangle"/>
+              </a:ln>
+            </p:spPr>
+            <p:style>
+              <a:lnRef idx="1">
+                <a:schemeClr val="accent1"/>
+              </a:lnRef>
+              <a:fillRef idx="0">
+                <a:schemeClr val="accent1"/>
+              </a:fillRef>
+              <a:effectRef idx="0">
+                <a:schemeClr val="accent1"/>
+              </a:effectRef>
+              <a:fontRef idx="minor">
+                <a:schemeClr val="tx1"/>
+              </a:fontRef>
+            </p:style>
+          </p:cxnSp>
+          <p:sp>
+            <p:nvSpPr>
+              <p:cNvPr id="64" name="文本框 63"/>
+              <p:cNvSpPr txBox="1"/>
+              <p:nvPr/>
+            </p:nvSpPr>
+            <p:spPr>
+              <a:xfrm>
+                <a:off x="7510348" y="1678113"/>
+                <a:ext cx="1107996" cy="369332"/>
+              </a:xfrm>
+              <a:prstGeom prst="rect">
+                <a:avLst/>
+              </a:prstGeom>
+              <a:noFill/>
+            </p:spPr>
+            <p:txBody>
+              <a:bodyPr wrap="none" rtlCol="0">
+                <a:spAutoFit/>
+              </a:bodyPr>
+              <a:lstStyle/>
+              <a:p>
+                <a:r>
+                  <a:rPr lang="zh-CN" altLang="en-US" dirty="0" smtClean="0"/>
+                  <a:t>分发请求</a:t>
+                </a:r>
+                <a:endParaRPr lang="zh-CN" altLang="en-US" dirty="0"/>
+              </a:p>
+            </p:txBody>
+          </p:sp>
+          <p:sp>
+            <p:nvSpPr>
+              <p:cNvPr id="65" name="文本框 64"/>
+              <p:cNvSpPr txBox="1"/>
+              <p:nvPr/>
+            </p:nvSpPr>
+            <p:spPr>
+              <a:xfrm>
+                <a:off x="7510348" y="4146578"/>
+                <a:ext cx="1107996" cy="369332"/>
+              </a:xfrm>
+              <a:prstGeom prst="rect">
+                <a:avLst/>
+              </a:prstGeom>
+              <a:noFill/>
+            </p:spPr>
+            <p:txBody>
+              <a:bodyPr wrap="none" rtlCol="0">
+                <a:spAutoFit/>
+              </a:bodyPr>
+              <a:lstStyle/>
+              <a:p>
+                <a:r>
+                  <a:rPr lang="zh-CN" altLang="en-US" dirty="0" smtClean="0"/>
+                  <a:t>分发请求</a:t>
+                </a:r>
+                <a:endParaRPr lang="zh-CN" altLang="en-US" dirty="0"/>
+              </a:p>
+            </p:txBody>
+          </p:sp>
+          <p:sp>
+            <p:nvSpPr>
+              <p:cNvPr id="66" name="文本框 65"/>
+              <p:cNvSpPr txBox="1"/>
+              <p:nvPr/>
+            </p:nvSpPr>
+            <p:spPr>
+              <a:xfrm>
+                <a:off x="7510348" y="2804166"/>
+                <a:ext cx="1107996" cy="369332"/>
+              </a:xfrm>
+              <a:prstGeom prst="rect">
+                <a:avLst/>
+              </a:prstGeom>
+              <a:noFill/>
+            </p:spPr>
+            <p:txBody>
+              <a:bodyPr wrap="none" rtlCol="0">
+                <a:spAutoFit/>
+              </a:bodyPr>
+              <a:lstStyle/>
+              <a:p>
+                <a:r>
+                  <a:rPr lang="zh-CN" altLang="en-US" dirty="0" smtClean="0"/>
+                  <a:t>分发请求</a:t>
+                </a:r>
+                <a:endParaRPr lang="zh-CN" altLang="en-US" dirty="0"/>
+              </a:p>
+            </p:txBody>
+          </p:sp>
+        </p:grpSp>
+      </p:grpSp>
+    </p:spTree>
+    <p:extLst>
+      <p:ext uri="{BB962C8B-B14F-4D97-AF65-F5344CB8AC3E}">
+        <p14:creationId xmlns:p14="http://schemas.microsoft.com/office/powerpoint/2010/main" val="429478949"/>
+      </p:ext>
+    </p:extLst>
+  </p:cSld>
+  <p:clrMapOvr>
+    <a:masterClrMapping/>
+  </p:clrMapOvr>
+</p:sld>
+</file>
+
+<file path=ppt/slides/slide11.xml><?xml version="1.0" encoding="utf-8"?>
+<p:sld xmlns:a="http://schemas.openxmlformats.org/drawingml/2006/main" xmlns:r="http://schemas.openxmlformats.org/officeDocument/2006/relationships" xmlns:p="http://schemas.openxmlformats.org/presentationml/2006/main">
+  <p:cSld>
+    <p:spTree>
+      <p:nvGrpSpPr>
+        <p:cNvPr id="1" name=""/>
+        <p:cNvGrpSpPr/>
+        <p:nvPr/>
+      </p:nvGrpSpPr>
+      <p:grpSpPr>
+        <a:xfrm>
+          <a:off x="0" y="0"/>
+          <a:ext cx="0" cy="0"/>
+          <a:chOff x="0" y="0"/>
+          <a:chExt cx="0" cy="0"/>
+        </a:xfrm>
+      </p:grpSpPr>
+      <p:grpSp>
+        <p:nvGrpSpPr>
+          <p:cNvPr id="3" name="组合 2"/>
+          <p:cNvGrpSpPr/>
+          <p:nvPr/>
+        </p:nvGrpSpPr>
+        <p:grpSpPr>
+          <a:xfrm>
+            <a:off x="279760" y="564154"/>
+            <a:ext cx="11761986" cy="5563673"/>
+            <a:chOff x="279760" y="564154"/>
+            <a:chExt cx="11761986" cy="5563673"/>
+          </a:xfrm>
+        </p:grpSpPr>
+        <p:sp>
+          <p:nvSpPr>
+            <p:cNvPr id="50" name="圆角矩形 49"/>
+            <p:cNvSpPr/>
+            <p:nvPr/>
+          </p:nvSpPr>
+          <p:spPr>
+            <a:xfrm>
+              <a:off x="279760" y="564154"/>
+              <a:ext cx="5962918" cy="5563673"/>
+            </a:xfrm>
+            <a:prstGeom prst="roundRect">
+              <a:avLst/>
+            </a:prstGeom>
+            <a:solidFill>
+              <a:srgbClr val="FF0000">
+                <a:alpha val="10196"/>
+              </a:srgbClr>
+            </a:solidFill>
+          </p:spPr>
+          <p:style>
+            <a:lnRef idx="2">
+              <a:schemeClr val="accent1">
+                <a:shade val="50000"/>
+              </a:schemeClr>
+            </a:lnRef>
+            <a:fillRef idx="1">
+              <a:schemeClr val="accent1"/>
+            </a:fillRef>
+            <a:effectRef idx="0">
+              <a:schemeClr val="accent1"/>
+            </a:effectRef>
+            <a:fontRef idx="minor">
+              <a:schemeClr val="lt1"/>
+            </a:fontRef>
+          </p:style>
+          <p:txBody>
+            <a:bodyPr rtlCol="0" anchor="ctr"/>
+            <a:lstStyle/>
+            <a:p>
+              <a:pPr algn="ctr"/>
+              <a:endParaRPr lang="zh-CN" altLang="en-US"/>
+            </a:p>
+          </p:txBody>
+        </p:sp>
+        <p:grpSp>
+          <p:nvGrpSpPr>
+            <p:cNvPr id="2" name="组合 1"/>
+            <p:cNvGrpSpPr/>
+            <p:nvPr/>
+          </p:nvGrpSpPr>
+          <p:grpSpPr>
+            <a:xfrm>
+              <a:off x="652308" y="564154"/>
+              <a:ext cx="11389438" cy="5563673"/>
+              <a:chOff x="652308" y="564154"/>
+              <a:chExt cx="11389438" cy="5563673"/>
+            </a:xfrm>
+          </p:grpSpPr>
+          <p:grpSp>
+            <p:nvGrpSpPr>
+              <p:cNvPr id="22" name="组合 21"/>
+              <p:cNvGrpSpPr/>
+              <p:nvPr/>
+            </p:nvGrpSpPr>
+            <p:grpSpPr>
+              <a:xfrm>
+                <a:off x="652308" y="877811"/>
+                <a:ext cx="6569695" cy="4984124"/>
+                <a:chOff x="1584100" y="1275008"/>
+                <a:chExt cx="7948592" cy="4728934"/>
+              </a:xfrm>
+            </p:grpSpPr>
+            <p:grpSp>
+              <p:nvGrpSpPr>
+                <p:cNvPr id="24" name="组合 23"/>
+                <p:cNvGrpSpPr/>
+                <p:nvPr/>
+              </p:nvGrpSpPr>
+              <p:grpSpPr>
+                <a:xfrm>
+                  <a:off x="1584100" y="1275008"/>
+                  <a:ext cx="7948592" cy="3846491"/>
+                  <a:chOff x="1584100" y="1275008"/>
+                  <a:chExt cx="7948592" cy="3846491"/>
+                </a:xfrm>
+              </p:grpSpPr>
+              <p:grpSp>
+                <p:nvGrpSpPr>
+                  <p:cNvPr id="31" name="组合 30"/>
+                  <p:cNvGrpSpPr/>
+                  <p:nvPr/>
+                </p:nvGrpSpPr>
+                <p:grpSpPr>
+                  <a:xfrm>
+                    <a:off x="1584100" y="1275008"/>
+                    <a:ext cx="7908661" cy="3846491"/>
+                    <a:chOff x="1584100" y="1275008"/>
+                    <a:chExt cx="7908661" cy="3846491"/>
+                  </a:xfrm>
+                </p:grpSpPr>
+                <p:grpSp>
+                  <p:nvGrpSpPr>
+                    <p:cNvPr id="40" name="组合 39"/>
+                    <p:cNvGrpSpPr/>
+                    <p:nvPr/>
+                  </p:nvGrpSpPr>
+                  <p:grpSpPr>
+                    <a:xfrm>
+                      <a:off x="1584100" y="1275008"/>
+                      <a:ext cx="7908661" cy="3846491"/>
+                      <a:chOff x="1094703" y="965915"/>
+                      <a:chExt cx="7908661" cy="3846491"/>
+                    </a:xfrm>
+                  </p:grpSpPr>
+                  <p:sp>
+                    <p:nvSpPr>
+                      <p:cNvPr id="46" name="圆角矩形 45"/>
+                      <p:cNvSpPr/>
+                      <p:nvPr/>
+                    </p:nvSpPr>
+                    <p:spPr>
+                      <a:xfrm>
+                        <a:off x="1094703" y="965915"/>
+                        <a:ext cx="1249251" cy="837127"/>
+                      </a:xfrm>
+                      <a:prstGeom prst="roundRect">
+                        <a:avLst/>
+                      </a:prstGeom>
+                    </p:spPr>
+                    <p:style>
+                      <a:lnRef idx="2">
+                        <a:schemeClr val="accent1">
+                          <a:shade val="50000"/>
+                        </a:schemeClr>
+                      </a:lnRef>
+                      <a:fillRef idx="1">
+                        <a:schemeClr val="accent1"/>
+                      </a:fillRef>
+                      <a:effectRef idx="0">
+                        <a:schemeClr val="accent1"/>
+                      </a:effectRef>
+                      <a:fontRef idx="minor">
+                        <a:schemeClr val="lt1"/>
+                      </a:fontRef>
+                    </p:style>
+                    <p:txBody>
+                      <a:bodyPr rtlCol="0" anchor="ctr"/>
+                      <a:lstStyle/>
+                      <a:p>
+                        <a:pPr algn="ctr"/>
+                        <a:r>
+                          <a:rPr lang="zh-CN" altLang="en-US" dirty="0" smtClean="0"/>
+                          <a:t>客户端</a:t>
+                        </a:r>
+                        <a:endParaRPr lang="zh-CN" altLang="en-US" dirty="0"/>
+                      </a:p>
+                    </p:txBody>
+                  </p:sp>
+                  <p:sp>
+                    <p:nvSpPr>
+                      <p:cNvPr id="47" name="圆角矩形 46"/>
+                      <p:cNvSpPr/>
+                      <p:nvPr/>
+                    </p:nvSpPr>
+                    <p:spPr>
+                      <a:xfrm>
+                        <a:off x="1094703" y="2470597"/>
+                        <a:ext cx="1249251" cy="837127"/>
+                      </a:xfrm>
+                      <a:prstGeom prst="roundRect">
+                        <a:avLst/>
+                      </a:prstGeom>
+                    </p:spPr>
+                    <p:style>
+                      <a:lnRef idx="2">
+                        <a:schemeClr val="accent1">
+                          <a:shade val="50000"/>
+                        </a:schemeClr>
+                      </a:lnRef>
+                      <a:fillRef idx="1">
+                        <a:schemeClr val="accent1"/>
+                      </a:fillRef>
+                      <a:effectRef idx="0">
+                        <a:schemeClr val="accent1"/>
+                      </a:effectRef>
+                      <a:fontRef idx="minor">
+                        <a:schemeClr val="lt1"/>
+                      </a:fontRef>
+                    </p:style>
+                    <p:txBody>
+                      <a:bodyPr rtlCol="0" anchor="ctr"/>
+                      <a:lstStyle/>
+                      <a:p>
+                        <a:pPr algn="ctr"/>
+                        <a:r>
+                          <a:rPr lang="zh-CN" altLang="en-US" dirty="0" smtClean="0"/>
+                          <a:t>客户端</a:t>
+                        </a:r>
+                        <a:endParaRPr lang="zh-CN" altLang="en-US" dirty="0"/>
+                      </a:p>
+                    </p:txBody>
+                  </p:sp>
+                  <p:sp>
+                    <p:nvSpPr>
+                      <p:cNvPr id="48" name="圆角矩形 47"/>
+                      <p:cNvSpPr/>
+                      <p:nvPr/>
+                    </p:nvSpPr>
+                    <p:spPr>
+                      <a:xfrm>
+                        <a:off x="1094703" y="3975279"/>
+                        <a:ext cx="1249251" cy="837127"/>
+                      </a:xfrm>
+                      <a:prstGeom prst="roundRect">
+                        <a:avLst/>
+                      </a:prstGeom>
+                    </p:spPr>
+                    <p:style>
+                      <a:lnRef idx="2">
+                        <a:schemeClr val="accent1">
+                          <a:shade val="50000"/>
+                        </a:schemeClr>
+                      </a:lnRef>
+                      <a:fillRef idx="1">
+                        <a:schemeClr val="accent1"/>
+                      </a:fillRef>
+                      <a:effectRef idx="0">
+                        <a:schemeClr val="accent1"/>
+                      </a:effectRef>
+                      <a:fontRef idx="minor">
+                        <a:schemeClr val="lt1"/>
+                      </a:fontRef>
+                    </p:style>
+                    <p:txBody>
+                      <a:bodyPr rtlCol="0" anchor="ctr"/>
+                      <a:lstStyle/>
+                      <a:p>
+                        <a:pPr algn="ctr"/>
+                        <a:r>
+                          <a:rPr lang="zh-CN" altLang="en-US" dirty="0" smtClean="0"/>
+                          <a:t>客户端</a:t>
+                        </a:r>
+                        <a:endParaRPr lang="zh-CN" altLang="en-US" dirty="0"/>
+                      </a:p>
+                    </p:txBody>
+                  </p:sp>
+                  <p:sp>
+                    <p:nvSpPr>
+                      <p:cNvPr id="49" name="圆角矩形 48"/>
+                      <p:cNvSpPr/>
+                      <p:nvPr/>
+                    </p:nvSpPr>
+                    <p:spPr>
+                      <a:xfrm>
+                        <a:off x="5049034" y="2518954"/>
+                        <a:ext cx="1249251" cy="837127"/>
+                      </a:xfrm>
+                      <a:prstGeom prst="roundRect">
+                        <a:avLst/>
+                      </a:prstGeom>
+                    </p:spPr>
+                    <p:style>
+                      <a:lnRef idx="2">
+                        <a:schemeClr val="accent1">
+                          <a:shade val="50000"/>
+                        </a:schemeClr>
+                      </a:lnRef>
+                      <a:fillRef idx="1">
+                        <a:schemeClr val="accent1"/>
+                      </a:fillRef>
+                      <a:effectRef idx="0">
+                        <a:schemeClr val="accent1"/>
+                      </a:effectRef>
+                      <a:fontRef idx="minor">
+                        <a:schemeClr val="lt1"/>
+                      </a:fontRef>
+                    </p:style>
+                    <p:txBody>
+                      <a:bodyPr rot="0" spcFirstLastPara="0" vert="horz" wrap="square" lIns="91440" tIns="45720" rIns="91440" bIns="45720" numCol="1" spcCol="0" rtlCol="0" fromWordArt="0" anchor="ctr" anchorCtr="0" forceAA="0" compatLnSpc="1">
+                        <a:prstTxWarp prst="textNoShape">
+                          <a:avLst/>
+                        </a:prstTxWarp>
+                        <a:noAutofit/>
+                      </a:bodyPr>
+                      <a:lstStyle>
+                        <a:defPPr>
+                          <a:defRPr lang="zh-CN"/>
+                        </a:defPPr>
+                        <a:lvl1pPr marL="0" algn="l" defTabSz="914400" rtl="0" eaLnBrk="1" latinLnBrk="0" hangingPunct="1">
+                          <a:defRPr sz="1800" kern="1200">
+                            <a:solidFill>
+                              <a:schemeClr val="lt1"/>
+                            </a:solidFill>
+                            <a:latin typeface="+mn-lt"/>
+                            <a:ea typeface="+mn-ea"/>
+                            <a:cs typeface="+mn-cs"/>
+                          </a:defRPr>
+                        </a:lvl1pPr>
+                        <a:lvl2pPr marL="457200" algn="l" defTabSz="914400" rtl="0" eaLnBrk="1" latinLnBrk="0" hangingPunct="1">
+                          <a:defRPr sz="1800" kern="1200">
+                            <a:solidFill>
+                              <a:schemeClr val="lt1"/>
+                            </a:solidFill>
+                            <a:latin typeface="+mn-lt"/>
+                            <a:ea typeface="+mn-ea"/>
+                            <a:cs typeface="+mn-cs"/>
+                          </a:defRPr>
+                        </a:lvl2pPr>
+                        <a:lvl3pPr marL="914400" algn="l" defTabSz="914400" rtl="0" eaLnBrk="1" latinLnBrk="0" hangingPunct="1">
+                          <a:defRPr sz="1800" kern="1200">
+                            <a:solidFill>
+                              <a:schemeClr val="lt1"/>
+                            </a:solidFill>
+                            <a:latin typeface="+mn-lt"/>
+                            <a:ea typeface="+mn-ea"/>
+                            <a:cs typeface="+mn-cs"/>
+                          </a:defRPr>
+                        </a:lvl3pPr>
+                        <a:lvl4pPr marL="1371600" algn="l" defTabSz="914400" rtl="0" eaLnBrk="1" latinLnBrk="0" hangingPunct="1">
+                          <a:defRPr sz="1800" kern="1200">
+                            <a:solidFill>
+                              <a:schemeClr val="lt1"/>
+                            </a:solidFill>
+                            <a:latin typeface="+mn-lt"/>
+                            <a:ea typeface="+mn-ea"/>
+                            <a:cs typeface="+mn-cs"/>
+                          </a:defRPr>
+                        </a:lvl4pPr>
+                        <a:lvl5pPr marL="1828800" algn="l" defTabSz="914400" rtl="0" eaLnBrk="1" latinLnBrk="0" hangingPunct="1">
+                          <a:defRPr sz="1800" kern="1200">
+                            <a:solidFill>
+                              <a:schemeClr val="lt1"/>
+                            </a:solidFill>
+                            <a:latin typeface="+mn-lt"/>
+                            <a:ea typeface="+mn-ea"/>
+                            <a:cs typeface="+mn-cs"/>
+                          </a:defRPr>
+                        </a:lvl5pPr>
+                        <a:lvl6pPr marL="2286000" algn="l" defTabSz="914400" rtl="0" eaLnBrk="1" latinLnBrk="0" hangingPunct="1">
+                          <a:defRPr sz="1800" kern="1200">
+                            <a:solidFill>
+                              <a:schemeClr val="lt1"/>
+                            </a:solidFill>
+                            <a:latin typeface="+mn-lt"/>
+                            <a:ea typeface="+mn-ea"/>
+                            <a:cs typeface="+mn-cs"/>
+                          </a:defRPr>
+                        </a:lvl6pPr>
+                        <a:lvl7pPr marL="2743200" algn="l" defTabSz="914400" rtl="0" eaLnBrk="1" latinLnBrk="0" hangingPunct="1">
+                          <a:defRPr sz="1800" kern="1200">
+                            <a:solidFill>
+                              <a:schemeClr val="lt1"/>
+                            </a:solidFill>
+                            <a:latin typeface="+mn-lt"/>
+                            <a:ea typeface="+mn-ea"/>
+                            <a:cs typeface="+mn-cs"/>
+                          </a:defRPr>
+                        </a:lvl7pPr>
+                        <a:lvl8pPr marL="3200400" algn="l" defTabSz="914400" rtl="0" eaLnBrk="1" latinLnBrk="0" hangingPunct="1">
+                          <a:defRPr sz="1800" kern="1200">
+                            <a:solidFill>
+                              <a:schemeClr val="lt1"/>
+                            </a:solidFill>
+                            <a:latin typeface="+mn-lt"/>
+                            <a:ea typeface="+mn-ea"/>
+                            <a:cs typeface="+mn-cs"/>
+                          </a:defRPr>
+                        </a:lvl8pPr>
+                        <a:lvl9pPr marL="3657600" algn="l" defTabSz="914400" rtl="0" eaLnBrk="1" latinLnBrk="0" hangingPunct="1">
+                          <a:defRPr sz="1800" kern="1200">
+                            <a:solidFill>
+                              <a:schemeClr val="lt1"/>
+                            </a:solidFill>
+                            <a:latin typeface="+mn-lt"/>
+                            <a:ea typeface="+mn-ea"/>
+                            <a:cs typeface="+mn-cs"/>
+                          </a:defRPr>
+                        </a:lvl9pPr>
+                      </a:lstStyle>
+                      <a:p>
+                        <a:pPr algn="ctr"/>
+                        <a:r>
+                          <a:rPr lang="zh-CN" altLang="en-US" dirty="0" smtClean="0"/>
+                          <a:t>对外主机</a:t>
+                        </a:r>
+                        <a:endParaRPr lang="zh-CN" altLang="en-US" dirty="0"/>
+                      </a:p>
+                    </p:txBody>
+                  </p:sp>
+                  <p:cxnSp>
+                    <p:nvCxnSpPr>
+                      <p:cNvPr id="51" name="直接箭头连接符 50"/>
+                      <p:cNvCxnSpPr/>
+                      <p:nvPr/>
+                    </p:nvCxnSpPr>
+                    <p:spPr>
+                      <a:xfrm flipV="1">
+                        <a:off x="2459864" y="3307723"/>
+                        <a:ext cx="2369713" cy="1035608"/>
+                      </a:xfrm>
+                      <a:prstGeom prst="straightConnector1">
+                        <a:avLst/>
+                      </a:prstGeom>
+                      <a:ln w="28575">
+                        <a:solidFill>
+                          <a:srgbClr val="FF0000"/>
+                        </a:solidFill>
+                        <a:tailEnd type="triangle"/>
+                      </a:ln>
+                    </p:spPr>
+                    <p:style>
+                      <a:lnRef idx="1">
+                        <a:schemeClr val="accent1"/>
+                      </a:lnRef>
+                      <a:fillRef idx="0">
+                        <a:schemeClr val="accent1"/>
+                      </a:fillRef>
+                      <a:effectRef idx="0">
+                        <a:schemeClr val="accent1"/>
+                      </a:effectRef>
+                      <a:fontRef idx="minor">
+                        <a:schemeClr val="tx1"/>
+                      </a:fontRef>
+                    </p:style>
+                  </p:cxnSp>
+                  <p:cxnSp>
+                    <p:nvCxnSpPr>
+                      <p:cNvPr id="52" name="直接箭头连接符 51"/>
+                      <p:cNvCxnSpPr/>
+                      <p:nvPr/>
+                    </p:nvCxnSpPr>
+                    <p:spPr>
+                      <a:xfrm>
+                        <a:off x="2524259" y="2912166"/>
+                        <a:ext cx="2189408" cy="53192"/>
+                      </a:xfrm>
+                      <a:prstGeom prst="straightConnector1">
+                        <a:avLst/>
+                      </a:prstGeom>
+                      <a:ln w="28575">
+                        <a:solidFill>
+                          <a:srgbClr val="FF0000"/>
+                        </a:solidFill>
+                        <a:tailEnd type="triangle"/>
+                      </a:ln>
+                    </p:spPr>
+                    <p:style>
+                      <a:lnRef idx="1">
+                        <a:schemeClr val="accent1"/>
+                      </a:lnRef>
+                      <a:fillRef idx="0">
+                        <a:schemeClr val="accent1"/>
+                      </a:fillRef>
+                      <a:effectRef idx="0">
+                        <a:schemeClr val="accent1"/>
+                      </a:effectRef>
+                      <a:fontRef idx="minor">
+                        <a:schemeClr val="tx1"/>
+                      </a:fontRef>
+                    </p:style>
+                  </p:cxnSp>
+                  <p:cxnSp>
+                    <p:nvCxnSpPr>
+                      <p:cNvPr id="53" name="直接箭头连接符 52"/>
+                      <p:cNvCxnSpPr/>
+                      <p:nvPr/>
+                    </p:nvCxnSpPr>
+                    <p:spPr>
+                      <a:xfrm>
+                        <a:off x="2524259" y="1493949"/>
+                        <a:ext cx="2215166" cy="1146219"/>
+                      </a:xfrm>
+                      <a:prstGeom prst="straightConnector1">
+                        <a:avLst/>
+                      </a:prstGeom>
+                      <a:ln w="28575">
+                        <a:solidFill>
+                          <a:srgbClr val="FF0000"/>
+                        </a:solidFill>
+                        <a:tailEnd type="triangle"/>
+                      </a:ln>
+                    </p:spPr>
+                    <p:style>
+                      <a:lnRef idx="1">
+                        <a:schemeClr val="accent1"/>
+                      </a:lnRef>
+                      <a:fillRef idx="0">
+                        <a:schemeClr val="accent1"/>
+                      </a:fillRef>
+                      <a:effectRef idx="0">
+                        <a:schemeClr val="accent1"/>
+                      </a:effectRef>
+                      <a:fontRef idx="minor">
+                        <a:schemeClr val="tx1"/>
+                      </a:fontRef>
+                    </p:style>
+                  </p:cxnSp>
+                  <p:cxnSp>
+                    <p:nvCxnSpPr>
+                      <p:cNvPr id="54" name="直接箭头连接符 53"/>
+                      <p:cNvCxnSpPr/>
+                      <p:nvPr/>
+                    </p:nvCxnSpPr>
+                    <p:spPr>
+                      <a:xfrm flipV="1">
+                        <a:off x="6633651" y="2901100"/>
+                        <a:ext cx="2369713" cy="17242"/>
+                      </a:xfrm>
+                      <a:prstGeom prst="straightConnector1">
+                        <a:avLst/>
+                      </a:prstGeom>
+                      <a:ln w="28575">
+                        <a:solidFill>
+                          <a:srgbClr val="FF0000"/>
+                        </a:solidFill>
+                        <a:tailEnd type="triangle"/>
+                      </a:ln>
+                    </p:spPr>
+                    <p:style>
+                      <a:lnRef idx="1">
+                        <a:schemeClr val="accent1"/>
+                      </a:lnRef>
+                      <a:fillRef idx="0">
+                        <a:schemeClr val="accent1"/>
+                      </a:fillRef>
+                      <a:effectRef idx="0">
+                        <a:schemeClr val="accent1"/>
+                      </a:effectRef>
+                      <a:fontRef idx="minor">
+                        <a:schemeClr val="tx1"/>
+                      </a:fontRef>
+                    </p:style>
+                  </p:cxnSp>
+                </p:grpSp>
+                <p:sp>
+                  <p:nvSpPr>
+                    <p:cNvPr id="41" name="文本框 40"/>
+                    <p:cNvSpPr txBox="1"/>
+                    <p:nvPr/>
+                  </p:nvSpPr>
+                  <p:spPr>
+                    <a:xfrm>
+                      <a:off x="3157107" y="1478015"/>
+                      <a:ext cx="646331" cy="369332"/>
+                    </a:xfrm>
+                    <a:prstGeom prst="rect">
+                      <a:avLst/>
+                    </a:prstGeom>
+                    <a:noFill/>
+                  </p:spPr>
+                  <p:txBody>
+                    <a:bodyPr wrap="none" rtlCol="0">
+                      <a:spAutoFit/>
+                    </a:bodyPr>
+                    <a:lstStyle/>
+                    <a:p>
+                      <a:r>
+                        <a:rPr lang="zh-CN" altLang="en-US" dirty="0" smtClean="0"/>
+                        <a:t>请求</a:t>
+                      </a:r>
+                      <a:endParaRPr lang="zh-CN" altLang="en-US" dirty="0"/>
+                    </a:p>
+                  </p:txBody>
+                </p:sp>
+                <p:sp>
+                  <p:nvSpPr>
+                    <p:cNvPr id="42" name="文本框 41"/>
+                    <p:cNvSpPr txBox="1"/>
+                    <p:nvPr/>
+                  </p:nvSpPr>
+                  <p:spPr>
+                    <a:xfrm>
+                      <a:off x="2993800" y="4009414"/>
+                      <a:ext cx="646331" cy="369332"/>
+                    </a:xfrm>
+                    <a:prstGeom prst="rect">
+                      <a:avLst/>
+                    </a:prstGeom>
+                    <a:noFill/>
+                  </p:spPr>
+                  <p:txBody>
+                    <a:bodyPr wrap="none" rtlCol="0">
+                      <a:spAutoFit/>
+                    </a:bodyPr>
+                    <a:lstStyle/>
+                    <a:p>
+                      <a:r>
+                        <a:rPr lang="zh-CN" altLang="en-US" dirty="0" smtClean="0"/>
+                        <a:t>请求</a:t>
+                      </a:r>
+                      <a:endParaRPr lang="zh-CN" altLang="en-US" dirty="0"/>
+                    </a:p>
+                  </p:txBody>
+                </p:sp>
+                <p:sp>
+                  <p:nvSpPr>
+                    <p:cNvPr id="43" name="文本框 42"/>
+                    <p:cNvSpPr txBox="1"/>
+                    <p:nvPr/>
+                  </p:nvSpPr>
+                  <p:spPr>
+                    <a:xfrm>
+                      <a:off x="3010074" y="2804167"/>
+                      <a:ext cx="646331" cy="369332"/>
+                    </a:xfrm>
+                    <a:prstGeom prst="rect">
+                      <a:avLst/>
+                    </a:prstGeom>
+                    <a:noFill/>
+                  </p:spPr>
+                  <p:txBody>
+                    <a:bodyPr wrap="none" rtlCol="0">
+                      <a:spAutoFit/>
+                    </a:bodyPr>
+                    <a:lstStyle/>
+                    <a:p>
+                      <a:r>
+                        <a:rPr lang="zh-CN" altLang="en-US" dirty="0" smtClean="0"/>
+                        <a:t>请求</a:t>
+                      </a:r>
+                      <a:endParaRPr lang="zh-CN" altLang="en-US" dirty="0"/>
+                    </a:p>
+                  </p:txBody>
+                </p:sp>
+                <p:sp>
+                  <p:nvSpPr>
+                    <p:cNvPr id="44" name="文本框 43"/>
+                    <p:cNvSpPr txBox="1"/>
+                    <p:nvPr/>
+                  </p:nvSpPr>
+                  <p:spPr>
+                    <a:xfrm>
+                      <a:off x="7013070" y="2792007"/>
+                      <a:ext cx="1107996" cy="369332"/>
+                    </a:xfrm>
+                    <a:prstGeom prst="rect">
+                      <a:avLst/>
+                    </a:prstGeom>
+                    <a:noFill/>
+                  </p:spPr>
+                  <p:txBody>
+                    <a:bodyPr wrap="none" rtlCol="0">
+                      <a:spAutoFit/>
+                    </a:bodyPr>
+                    <a:lstStyle/>
+                    <a:p>
+                      <a:r>
+                        <a:rPr lang="zh-CN" altLang="en-US" dirty="0" smtClean="0"/>
+                        <a:t>转发请求</a:t>
+                      </a:r>
+                      <a:endParaRPr lang="zh-CN" altLang="en-US" dirty="0"/>
+                    </a:p>
+                  </p:txBody>
+                </p:sp>
+                <p:sp>
+                  <p:nvSpPr>
+                    <p:cNvPr id="45" name="文本框 44"/>
+                    <p:cNvSpPr txBox="1"/>
+                    <p:nvPr/>
+                  </p:nvSpPr>
+                  <p:spPr>
+                    <a:xfrm>
+                      <a:off x="5330415" y="3828172"/>
+                      <a:ext cx="1800493" cy="369332"/>
+                    </a:xfrm>
+                    <a:prstGeom prst="rect">
+                      <a:avLst/>
+                    </a:prstGeom>
+                    <a:noFill/>
+                  </p:spPr>
+                  <p:txBody>
+                    <a:bodyPr wrap="none" rtlCol="0">
+                      <a:spAutoFit/>
+                    </a:bodyPr>
+                    <a:lstStyle/>
+                    <a:p>
+                      <a:r>
+                        <a:rPr lang="zh-CN" altLang="en-US" dirty="0" smtClean="0"/>
+                        <a:t>正向代理服务器</a:t>
+                      </a:r>
+                      <a:endParaRPr lang="zh-CN" altLang="en-US" dirty="0"/>
+                    </a:p>
+                  </p:txBody>
+                </p:sp>
+              </p:grpSp>
+              <p:cxnSp>
+                <p:nvCxnSpPr>
+                  <p:cNvPr id="32" name="直接箭头连接符 31"/>
+                  <p:cNvCxnSpPr/>
+                  <p:nvPr/>
+                </p:nvCxnSpPr>
+                <p:spPr>
+                  <a:xfrm flipH="1" flipV="1">
+                    <a:off x="2973945" y="1927469"/>
+                    <a:ext cx="2164724" cy="1118041"/>
+                  </a:xfrm>
+                  <a:prstGeom prst="straightConnector1">
+                    <a:avLst/>
+                  </a:prstGeom>
+                  <a:ln w="28575">
+                    <a:solidFill>
+                      <a:srgbClr val="00B050"/>
+                    </a:solidFill>
+                    <a:tailEnd type="triangle"/>
+                  </a:ln>
+                </p:spPr>
+                <p:style>
+                  <a:lnRef idx="1">
+                    <a:schemeClr val="accent1"/>
+                  </a:lnRef>
+                  <a:fillRef idx="0">
+                    <a:schemeClr val="accent1"/>
+                  </a:fillRef>
+                  <a:effectRef idx="0">
+                    <a:schemeClr val="accent1"/>
+                  </a:effectRef>
+                  <a:fontRef idx="minor">
+                    <a:schemeClr val="tx1"/>
+                  </a:fontRef>
+                </p:style>
+              </p:cxnSp>
+              <p:cxnSp>
+                <p:nvCxnSpPr>
+                  <p:cNvPr id="33" name="直接箭头连接符 32"/>
+                  <p:cNvCxnSpPr/>
+                  <p:nvPr/>
+                </p:nvCxnSpPr>
+                <p:spPr>
+                  <a:xfrm flipH="1">
+                    <a:off x="3025097" y="3785176"/>
+                    <a:ext cx="2305318" cy="1041180"/>
+                  </a:xfrm>
+                  <a:prstGeom prst="straightConnector1">
+                    <a:avLst/>
+                  </a:prstGeom>
+                  <a:ln w="28575">
+                    <a:solidFill>
+                      <a:srgbClr val="00B050"/>
+                    </a:solidFill>
+                    <a:tailEnd type="triangle"/>
+                  </a:ln>
+                </p:spPr>
+                <p:style>
+                  <a:lnRef idx="1">
+                    <a:schemeClr val="accent1"/>
+                  </a:lnRef>
+                  <a:fillRef idx="0">
+                    <a:schemeClr val="accent1"/>
+                  </a:fillRef>
+                  <a:effectRef idx="0">
+                    <a:schemeClr val="accent1"/>
+                  </a:effectRef>
+                  <a:fontRef idx="minor">
+                    <a:schemeClr val="tx1"/>
+                  </a:fontRef>
+                </p:style>
+              </p:cxnSp>
+              <p:cxnSp>
+                <p:nvCxnSpPr>
+                  <p:cNvPr id="34" name="直接箭头连接符 33"/>
+                  <p:cNvCxnSpPr/>
+                  <p:nvPr/>
+                </p:nvCxnSpPr>
+                <p:spPr>
+                  <a:xfrm flipH="1">
+                    <a:off x="7124879" y="3418269"/>
+                    <a:ext cx="2407813" cy="10197"/>
+                  </a:xfrm>
+                  <a:prstGeom prst="straightConnector1">
+                    <a:avLst/>
+                  </a:prstGeom>
+                  <a:ln w="28575">
+                    <a:solidFill>
+                      <a:srgbClr val="00B050"/>
+                    </a:solidFill>
+                    <a:tailEnd type="triangle"/>
+                  </a:ln>
+                </p:spPr>
+                <p:style>
+                  <a:lnRef idx="1">
+                    <a:schemeClr val="accent1"/>
+                  </a:lnRef>
+                  <a:fillRef idx="0">
+                    <a:schemeClr val="accent1"/>
+                  </a:fillRef>
+                  <a:effectRef idx="0">
+                    <a:schemeClr val="accent1"/>
+                  </a:effectRef>
+                  <a:fontRef idx="minor">
+                    <a:schemeClr val="tx1"/>
+                  </a:fontRef>
+                </p:style>
+              </p:cxnSp>
+              <p:cxnSp>
+                <p:nvCxnSpPr>
+                  <p:cNvPr id="35" name="直接箭头连接符 34"/>
+                  <p:cNvCxnSpPr/>
+                  <p:nvPr/>
+                </p:nvCxnSpPr>
+                <p:spPr>
+                  <a:xfrm flipH="1" flipV="1">
+                    <a:off x="2993800" y="3426851"/>
+                    <a:ext cx="2209264" cy="20395"/>
+                  </a:xfrm>
+                  <a:prstGeom prst="straightConnector1">
+                    <a:avLst/>
+                  </a:prstGeom>
+                  <a:ln w="28575">
+                    <a:solidFill>
+                      <a:srgbClr val="00B050"/>
+                    </a:solidFill>
+                    <a:tailEnd type="triangle"/>
+                  </a:ln>
+                </p:spPr>
+                <p:style>
+                  <a:lnRef idx="1">
+                    <a:schemeClr val="accent1"/>
+                  </a:lnRef>
+                  <a:fillRef idx="0">
+                    <a:schemeClr val="accent1"/>
+                  </a:fillRef>
+                  <a:effectRef idx="0">
+                    <a:schemeClr val="accent1"/>
+                  </a:effectRef>
+                  <a:fontRef idx="minor">
+                    <a:schemeClr val="tx1"/>
+                  </a:fontRef>
+                </p:style>
+              </p:cxnSp>
+              <p:sp>
+                <p:nvSpPr>
+                  <p:cNvPr id="36" name="文本框 35"/>
+                  <p:cNvSpPr txBox="1"/>
+                  <p:nvPr/>
+                </p:nvSpPr>
+                <p:spPr>
+                  <a:xfrm>
+                    <a:off x="4273039" y="3437048"/>
+                    <a:ext cx="646331" cy="369332"/>
+                  </a:xfrm>
+                  <a:prstGeom prst="rect">
+                    <a:avLst/>
+                  </a:prstGeom>
+                  <a:noFill/>
+                </p:spPr>
+                <p:txBody>
+                  <a:bodyPr wrap="none" rtlCol="0">
+                    <a:spAutoFit/>
+                  </a:bodyPr>
+                  <a:lstStyle/>
+                  <a:p>
+                    <a:r>
+                      <a:rPr lang="zh-CN" altLang="en-US" dirty="0" smtClean="0"/>
+                      <a:t>响应</a:t>
+                    </a:r>
+                    <a:endParaRPr lang="zh-CN" altLang="en-US" dirty="0"/>
+                  </a:p>
+                </p:txBody>
+              </p:sp>
+              <p:sp>
+                <p:nvSpPr>
+                  <p:cNvPr id="37" name="文本框 36"/>
+                  <p:cNvSpPr txBox="1"/>
+                  <p:nvPr/>
+                </p:nvSpPr>
+                <p:spPr>
+                  <a:xfrm>
+                    <a:off x="8572795" y="3479580"/>
+                    <a:ext cx="646331" cy="369332"/>
+                  </a:xfrm>
+                  <a:prstGeom prst="rect">
+                    <a:avLst/>
+                  </a:prstGeom>
+                  <a:noFill/>
+                </p:spPr>
+                <p:txBody>
+                  <a:bodyPr wrap="none" rtlCol="0">
+                    <a:spAutoFit/>
+                  </a:bodyPr>
+                  <a:lstStyle/>
+                  <a:p>
+                    <a:r>
+                      <a:rPr lang="zh-CN" altLang="en-US" dirty="0" smtClean="0"/>
+                      <a:t>响应</a:t>
+                    </a:r>
+                    <a:endParaRPr lang="zh-CN" altLang="en-US" dirty="0"/>
+                  </a:p>
+                </p:txBody>
+              </p:sp>
+              <p:sp>
+                <p:nvSpPr>
+                  <p:cNvPr id="38" name="文本框 37"/>
+                  <p:cNvSpPr txBox="1"/>
+                  <p:nvPr/>
+                </p:nvSpPr>
+                <p:spPr>
+                  <a:xfrm>
+                    <a:off x="4259325" y="2828047"/>
+                    <a:ext cx="646331" cy="369332"/>
+                  </a:xfrm>
+                  <a:prstGeom prst="rect">
+                    <a:avLst/>
+                  </a:prstGeom>
+                  <a:noFill/>
+                </p:spPr>
+                <p:txBody>
+                  <a:bodyPr wrap="none" rtlCol="0">
+                    <a:spAutoFit/>
+                  </a:bodyPr>
+                  <a:lstStyle/>
+                  <a:p>
+                    <a:r>
+                      <a:rPr lang="zh-CN" altLang="en-US" dirty="0" smtClean="0"/>
+                      <a:t>响应</a:t>
+                    </a:r>
+                    <a:endParaRPr lang="zh-CN" altLang="en-US" dirty="0"/>
+                  </a:p>
+                </p:txBody>
+              </p:sp>
+              <p:sp>
+                <p:nvSpPr>
+                  <p:cNvPr id="39" name="文本框 38"/>
+                  <p:cNvSpPr txBox="1"/>
+                  <p:nvPr/>
+                </p:nvSpPr>
+                <p:spPr>
+                  <a:xfrm>
+                    <a:off x="4582491" y="4028689"/>
+                    <a:ext cx="646331" cy="369332"/>
+                  </a:xfrm>
+                  <a:prstGeom prst="rect">
+                    <a:avLst/>
+                  </a:prstGeom>
+                  <a:noFill/>
+                </p:spPr>
+                <p:txBody>
+                  <a:bodyPr wrap="none" rtlCol="0">
+                    <a:spAutoFit/>
+                  </a:bodyPr>
+                  <a:lstStyle/>
+                  <a:p>
+                    <a:r>
+                      <a:rPr lang="zh-CN" altLang="en-US" dirty="0" smtClean="0"/>
+                      <a:t>响应</a:t>
+                    </a:r>
+                    <a:endParaRPr lang="zh-CN" altLang="en-US" dirty="0"/>
+                  </a:p>
+                </p:txBody>
+              </p:sp>
+            </p:grpSp>
+            <p:sp>
+              <p:nvSpPr>
+                <p:cNvPr id="30" name="文本框 29"/>
+                <p:cNvSpPr txBox="1"/>
+                <p:nvPr/>
+              </p:nvSpPr>
+              <p:spPr>
+                <a:xfrm>
+                  <a:off x="1741289" y="5357611"/>
+                  <a:ext cx="934871" cy="646331"/>
+                </a:xfrm>
+                <a:prstGeom prst="rect">
+                  <a:avLst/>
+                </a:prstGeom>
+                <a:noFill/>
+              </p:spPr>
+              <p:txBody>
+                <a:bodyPr wrap="none" rtlCol="0">
+                  <a:spAutoFit/>
+                </a:bodyPr>
+                <a:lstStyle/>
+                <a:p>
+                  <a:r>
+                    <a:rPr lang="en-US" altLang="zh-CN" sz="3600" b="1" dirty="0" smtClean="0"/>
+                    <a:t>……</a:t>
+                  </a:r>
+                  <a:endParaRPr lang="zh-CN" altLang="en-US" sz="3600" b="1" dirty="0"/>
+                </a:p>
+              </p:txBody>
+            </p:sp>
+          </p:grpSp>
+          <p:grpSp>
+            <p:nvGrpSpPr>
+              <p:cNvPr id="55" name="组合 54"/>
+              <p:cNvGrpSpPr/>
+              <p:nvPr/>
+            </p:nvGrpSpPr>
+            <p:grpSpPr>
+              <a:xfrm>
+                <a:off x="7158702" y="771628"/>
+                <a:ext cx="4255565" cy="4427043"/>
+                <a:chOff x="4445088" y="1250253"/>
+                <a:chExt cx="7081503" cy="3846491"/>
+              </a:xfrm>
+            </p:grpSpPr>
+            <p:grpSp>
+              <p:nvGrpSpPr>
+                <p:cNvPr id="56" name="组合 55"/>
+                <p:cNvGrpSpPr/>
+                <p:nvPr/>
+              </p:nvGrpSpPr>
+              <p:grpSpPr>
+                <a:xfrm>
+                  <a:off x="10277340" y="1250253"/>
+                  <a:ext cx="1249251" cy="3846491"/>
+                  <a:chOff x="1584100" y="1275008"/>
+                  <a:chExt cx="1249251" cy="3846491"/>
+                </a:xfrm>
+              </p:grpSpPr>
+              <p:sp>
+                <p:nvSpPr>
+                  <p:cNvPr id="70" name="圆角矩形 69"/>
+                  <p:cNvSpPr/>
+                  <p:nvPr/>
+                </p:nvSpPr>
+                <p:spPr>
+                  <a:xfrm>
+                    <a:off x="1584100" y="1275008"/>
+                    <a:ext cx="1249251" cy="837127"/>
+                  </a:xfrm>
+                  <a:prstGeom prst="roundRect">
+                    <a:avLst/>
+                  </a:prstGeom>
+                </p:spPr>
+                <p:style>
+                  <a:lnRef idx="2">
+                    <a:schemeClr val="accent1">
+                      <a:shade val="50000"/>
+                    </a:schemeClr>
+                  </a:lnRef>
+                  <a:fillRef idx="1">
+                    <a:schemeClr val="accent1"/>
+                  </a:fillRef>
+                  <a:effectRef idx="0">
+                    <a:schemeClr val="accent1"/>
+                  </a:effectRef>
+                  <a:fontRef idx="minor">
+                    <a:schemeClr val="lt1"/>
+                  </a:fontRef>
+                </p:style>
+                <p:txBody>
+                  <a:bodyPr rtlCol="0" anchor="ctr"/>
+                  <a:lstStyle/>
+                  <a:p>
+                    <a:pPr algn="ctr"/>
+                    <a:r>
+                      <a:rPr lang="zh-CN" altLang="en-US" dirty="0" smtClean="0"/>
+                      <a:t>目标服务器</a:t>
+                    </a:r>
+                    <a:endParaRPr lang="zh-CN" altLang="en-US" dirty="0"/>
+                  </a:p>
+                </p:txBody>
+              </p:sp>
+              <p:sp>
+                <p:nvSpPr>
+                  <p:cNvPr id="71" name="圆角矩形 70"/>
+                  <p:cNvSpPr/>
+                  <p:nvPr/>
+                </p:nvSpPr>
+                <p:spPr>
+                  <a:xfrm>
+                    <a:off x="1584100" y="2779690"/>
+                    <a:ext cx="1249251" cy="837127"/>
+                  </a:xfrm>
+                  <a:prstGeom prst="roundRect">
+                    <a:avLst/>
+                  </a:prstGeom>
+                </p:spPr>
+                <p:style>
+                  <a:lnRef idx="2">
+                    <a:schemeClr val="accent1">
+                      <a:shade val="50000"/>
+                    </a:schemeClr>
+                  </a:lnRef>
+                  <a:fillRef idx="1">
+                    <a:schemeClr val="accent1"/>
+                  </a:fillRef>
+                  <a:effectRef idx="0">
+                    <a:schemeClr val="accent1"/>
+                  </a:effectRef>
+                  <a:fontRef idx="minor">
+                    <a:schemeClr val="lt1"/>
+                  </a:fontRef>
+                </p:style>
+                <p:txBody>
+                  <a:bodyPr rtlCol="0" anchor="ctr"/>
+                  <a:lstStyle/>
+                  <a:p>
+                    <a:pPr algn="ctr"/>
+                    <a:r>
+                      <a:rPr lang="zh-CN" altLang="en-US" dirty="0"/>
+                      <a:t>目标服务器</a:t>
+                    </a:r>
+                    <a:endParaRPr lang="zh-CN" altLang="en-US" dirty="0"/>
+                  </a:p>
+                </p:txBody>
+              </p:sp>
+              <p:sp>
+                <p:nvSpPr>
+                  <p:cNvPr id="72" name="圆角矩形 71"/>
+                  <p:cNvSpPr/>
+                  <p:nvPr/>
+                </p:nvSpPr>
+                <p:spPr>
+                  <a:xfrm>
+                    <a:off x="1584100" y="4284372"/>
+                    <a:ext cx="1249251" cy="837127"/>
+                  </a:xfrm>
+                  <a:prstGeom prst="roundRect">
+                    <a:avLst/>
+                  </a:prstGeom>
+                </p:spPr>
+                <p:style>
+                  <a:lnRef idx="2">
+                    <a:schemeClr val="accent1">
+                      <a:shade val="50000"/>
+                    </a:schemeClr>
+                  </a:lnRef>
+                  <a:fillRef idx="1">
+                    <a:schemeClr val="accent1"/>
+                  </a:fillRef>
+                  <a:effectRef idx="0">
+                    <a:schemeClr val="accent1"/>
+                  </a:effectRef>
+                  <a:fontRef idx="minor">
+                    <a:schemeClr val="lt1"/>
+                  </a:fontRef>
+                </p:style>
+                <p:txBody>
+                  <a:bodyPr rtlCol="0" anchor="ctr"/>
+                  <a:lstStyle/>
+                  <a:p>
+                    <a:pPr algn="ctr"/>
+                    <a:r>
+                      <a:rPr lang="zh-CN" altLang="en-US" dirty="0"/>
+                      <a:t>目标服务器</a:t>
+                    </a:r>
+                    <a:endParaRPr lang="zh-CN" altLang="en-US" dirty="0"/>
+                  </a:p>
+                </p:txBody>
+              </p:sp>
+            </p:grpSp>
+            <p:sp>
+              <p:nvSpPr>
+                <p:cNvPr id="57" name="圆角矩形 56"/>
+                <p:cNvSpPr/>
+                <p:nvPr/>
+              </p:nvSpPr>
+              <p:spPr>
+                <a:xfrm>
+                  <a:off x="4996576" y="2801001"/>
+                  <a:ext cx="1620307" cy="837127"/>
+                </a:xfrm>
+                <a:prstGeom prst="roundRect">
+                  <a:avLst/>
+                </a:prstGeom>
+              </p:spPr>
+              <p:style>
+                <a:lnRef idx="2">
+                  <a:schemeClr val="accent1">
+                    <a:shade val="50000"/>
+                  </a:schemeClr>
+                </a:lnRef>
+                <a:fillRef idx="1">
+                  <a:schemeClr val="accent1"/>
+                </a:fillRef>
+                <a:effectRef idx="0">
+                  <a:schemeClr val="accent1"/>
+                </a:effectRef>
+                <a:fontRef idx="minor">
+                  <a:schemeClr val="lt1"/>
+                </a:fontRef>
+              </p:style>
+              <p:txBody>
+                <a:bodyPr rot="0" spcFirstLastPara="0" vert="horz" wrap="square" lIns="91440" tIns="45720" rIns="91440" bIns="45720" numCol="1" spcCol="0" rtlCol="0" fromWordArt="0" anchor="ctr" anchorCtr="0" forceAA="0" compatLnSpc="1">
+                  <a:prstTxWarp prst="textNoShape">
+                    <a:avLst/>
+                  </a:prstTxWarp>
+                  <a:noAutofit/>
+                </a:bodyPr>
+                <a:lstStyle>
+                  <a:defPPr>
+                    <a:defRPr lang="zh-CN"/>
+                  </a:defPPr>
+                  <a:lvl1pPr marL="0" algn="l" defTabSz="914400" rtl="0" eaLnBrk="1" latinLnBrk="0" hangingPunct="1">
+                    <a:defRPr sz="1800" kern="1200">
+                      <a:solidFill>
+                        <a:schemeClr val="lt1"/>
+                      </a:solidFill>
+                      <a:latin typeface="+mn-lt"/>
+                      <a:ea typeface="+mn-ea"/>
+                      <a:cs typeface="+mn-cs"/>
+                    </a:defRPr>
+                  </a:lvl1pPr>
+                  <a:lvl2pPr marL="457200" algn="l" defTabSz="914400" rtl="0" eaLnBrk="1" latinLnBrk="0" hangingPunct="1">
+                    <a:defRPr sz="1800" kern="1200">
+                      <a:solidFill>
+                        <a:schemeClr val="lt1"/>
+                      </a:solidFill>
+                      <a:latin typeface="+mn-lt"/>
+                      <a:ea typeface="+mn-ea"/>
+                      <a:cs typeface="+mn-cs"/>
+                    </a:defRPr>
+                  </a:lvl2pPr>
+                  <a:lvl3pPr marL="914400" algn="l" defTabSz="914400" rtl="0" eaLnBrk="1" latinLnBrk="0" hangingPunct="1">
+                    <a:defRPr sz="1800" kern="1200">
+                      <a:solidFill>
+                        <a:schemeClr val="lt1"/>
+                      </a:solidFill>
+                      <a:latin typeface="+mn-lt"/>
+                      <a:ea typeface="+mn-ea"/>
+                      <a:cs typeface="+mn-cs"/>
+                    </a:defRPr>
+                  </a:lvl3pPr>
+                  <a:lvl4pPr marL="1371600" algn="l" defTabSz="914400" rtl="0" eaLnBrk="1" latinLnBrk="0" hangingPunct="1">
+                    <a:defRPr sz="1800" kern="1200">
+                      <a:solidFill>
+                        <a:schemeClr val="lt1"/>
+                      </a:solidFill>
+                      <a:latin typeface="+mn-lt"/>
+                      <a:ea typeface="+mn-ea"/>
+                      <a:cs typeface="+mn-cs"/>
+                    </a:defRPr>
+                  </a:lvl4pPr>
+                  <a:lvl5pPr marL="1828800" algn="l" defTabSz="914400" rtl="0" eaLnBrk="1" latinLnBrk="0" hangingPunct="1">
+                    <a:defRPr sz="1800" kern="1200">
+                      <a:solidFill>
+                        <a:schemeClr val="lt1"/>
+                      </a:solidFill>
+                      <a:latin typeface="+mn-lt"/>
+                      <a:ea typeface="+mn-ea"/>
+                      <a:cs typeface="+mn-cs"/>
+                    </a:defRPr>
+                  </a:lvl5pPr>
+                  <a:lvl6pPr marL="2286000" algn="l" defTabSz="914400" rtl="0" eaLnBrk="1" latinLnBrk="0" hangingPunct="1">
+                    <a:defRPr sz="1800" kern="1200">
+                      <a:solidFill>
+                        <a:schemeClr val="lt1"/>
+                      </a:solidFill>
+                      <a:latin typeface="+mn-lt"/>
+                      <a:ea typeface="+mn-ea"/>
+                      <a:cs typeface="+mn-cs"/>
+                    </a:defRPr>
+                  </a:lvl6pPr>
+                  <a:lvl7pPr marL="2743200" algn="l" defTabSz="914400" rtl="0" eaLnBrk="1" latinLnBrk="0" hangingPunct="1">
+                    <a:defRPr sz="1800" kern="1200">
+                      <a:solidFill>
+                        <a:schemeClr val="lt1"/>
+                      </a:solidFill>
+                      <a:latin typeface="+mn-lt"/>
+                      <a:ea typeface="+mn-ea"/>
+                      <a:cs typeface="+mn-cs"/>
+                    </a:defRPr>
+                  </a:lvl7pPr>
+                  <a:lvl8pPr marL="3200400" algn="l" defTabSz="914400" rtl="0" eaLnBrk="1" latinLnBrk="0" hangingPunct="1">
+                    <a:defRPr sz="1800" kern="1200">
+                      <a:solidFill>
+                        <a:schemeClr val="lt1"/>
+                      </a:solidFill>
+                      <a:latin typeface="+mn-lt"/>
+                      <a:ea typeface="+mn-ea"/>
+                      <a:cs typeface="+mn-cs"/>
+                    </a:defRPr>
+                  </a:lvl8pPr>
+                  <a:lvl9pPr marL="3657600" algn="l" defTabSz="914400" rtl="0" eaLnBrk="1" latinLnBrk="0" hangingPunct="1">
+                    <a:defRPr sz="1800" kern="1200">
+                      <a:solidFill>
+                        <a:schemeClr val="lt1"/>
+                      </a:solidFill>
+                      <a:latin typeface="+mn-lt"/>
+                      <a:ea typeface="+mn-ea"/>
+                      <a:cs typeface="+mn-cs"/>
+                    </a:defRPr>
+                  </a:lvl9pPr>
+                </a:lstStyle>
+                <a:p>
+                  <a:pPr algn="ctr"/>
+                  <a:r>
+                    <a:rPr lang="en-US" altLang="zh-CN" dirty="0" smtClean="0"/>
+                    <a:t>Nginx</a:t>
+                  </a:r>
+                  <a:endParaRPr lang="zh-CN" altLang="en-US" dirty="0"/>
+                </a:p>
+              </p:txBody>
+            </p:sp>
+            <p:sp>
+              <p:nvSpPr>
+                <p:cNvPr id="59" name="文本框 58"/>
+                <p:cNvSpPr txBox="1"/>
+                <p:nvPr/>
+              </p:nvSpPr>
+              <p:spPr>
+                <a:xfrm>
+                  <a:off x="4445088" y="3854485"/>
+                  <a:ext cx="1800493" cy="369332"/>
+                </a:xfrm>
+                <a:prstGeom prst="rect">
+                  <a:avLst/>
+                </a:prstGeom>
+                <a:noFill/>
+              </p:spPr>
+              <p:txBody>
+                <a:bodyPr wrap="none" rtlCol="0">
+                  <a:spAutoFit/>
+                </a:bodyPr>
+                <a:lstStyle/>
+                <a:p>
+                  <a:r>
+                    <a:rPr lang="zh-CN" altLang="en-US" dirty="0" smtClean="0"/>
+                    <a:t>反向代理服务器</a:t>
+                  </a:r>
+                  <a:endParaRPr lang="zh-CN" altLang="en-US" dirty="0"/>
+                </a:p>
+              </p:txBody>
+            </p:sp>
+            <p:cxnSp>
+              <p:nvCxnSpPr>
+                <p:cNvPr id="61" name="直接箭头连接符 60"/>
+                <p:cNvCxnSpPr/>
+                <p:nvPr/>
+              </p:nvCxnSpPr>
+              <p:spPr>
+                <a:xfrm>
+                  <a:off x="6864439" y="3527856"/>
+                  <a:ext cx="3129567" cy="1031265"/>
+                </a:xfrm>
+                <a:prstGeom prst="straightConnector1">
+                  <a:avLst/>
+                </a:prstGeom>
+                <a:ln w="28575">
+                  <a:solidFill>
+                    <a:srgbClr val="FF0000"/>
+                  </a:solidFill>
+                  <a:tailEnd type="triangle"/>
+                </a:ln>
+              </p:spPr>
+              <p:style>
+                <a:lnRef idx="1">
+                  <a:schemeClr val="accent1"/>
+                </a:lnRef>
+                <a:fillRef idx="0">
+                  <a:schemeClr val="accent1"/>
+                </a:fillRef>
+                <a:effectRef idx="0">
+                  <a:schemeClr val="accent1"/>
+                </a:effectRef>
+                <a:fontRef idx="minor">
+                  <a:schemeClr val="tx1"/>
+                </a:fontRef>
+              </p:style>
+            </p:cxnSp>
+            <p:cxnSp>
+              <p:nvCxnSpPr>
+                <p:cNvPr id="62" name="直接箭头连接符 61"/>
+                <p:cNvCxnSpPr/>
+                <p:nvPr/>
+              </p:nvCxnSpPr>
+              <p:spPr>
+                <a:xfrm>
+                  <a:off x="6864439" y="3309870"/>
+                  <a:ext cx="3129567" cy="0"/>
+                </a:xfrm>
+                <a:prstGeom prst="straightConnector1">
+                  <a:avLst/>
+                </a:prstGeom>
+                <a:ln w="28575">
+                  <a:solidFill>
+                    <a:srgbClr val="FF0000"/>
+                  </a:solidFill>
+                  <a:tailEnd type="triangle"/>
+                </a:ln>
+              </p:spPr>
+              <p:style>
+                <a:lnRef idx="1">
+                  <a:schemeClr val="accent1"/>
+                </a:lnRef>
+                <a:fillRef idx="0">
+                  <a:schemeClr val="accent1"/>
+                </a:fillRef>
+                <a:effectRef idx="0">
+                  <a:schemeClr val="accent1"/>
+                </a:effectRef>
+                <a:fontRef idx="minor">
+                  <a:schemeClr val="tx1"/>
+                </a:fontRef>
+              </p:style>
+            </p:cxnSp>
+            <p:cxnSp>
+              <p:nvCxnSpPr>
+                <p:cNvPr id="63" name="直接箭头连接符 62"/>
+                <p:cNvCxnSpPr/>
+                <p:nvPr/>
+              </p:nvCxnSpPr>
+              <p:spPr>
+                <a:xfrm flipV="1">
+                  <a:off x="6840956" y="1708747"/>
+                  <a:ext cx="3050019" cy="1064785"/>
+                </a:xfrm>
+                <a:prstGeom prst="straightConnector1">
+                  <a:avLst/>
+                </a:prstGeom>
+                <a:ln w="28575">
+                  <a:solidFill>
+                    <a:srgbClr val="FF0000"/>
+                  </a:solidFill>
+                  <a:tailEnd type="triangle"/>
+                </a:ln>
+              </p:spPr>
+              <p:style>
+                <a:lnRef idx="1">
+                  <a:schemeClr val="accent1"/>
+                </a:lnRef>
+                <a:fillRef idx="0">
+                  <a:schemeClr val="accent1"/>
+                </a:fillRef>
+                <a:effectRef idx="0">
+                  <a:schemeClr val="accent1"/>
+                </a:effectRef>
+                <a:fontRef idx="minor">
+                  <a:schemeClr val="tx1"/>
+                </a:fontRef>
+              </p:style>
+            </p:cxnSp>
+            <p:sp>
+              <p:nvSpPr>
+                <p:cNvPr id="64" name="文本框 63"/>
+                <p:cNvSpPr txBox="1"/>
+                <p:nvPr/>
+              </p:nvSpPr>
+              <p:spPr>
+                <a:xfrm>
+                  <a:off x="7510348" y="1678113"/>
+                  <a:ext cx="1107996" cy="369332"/>
+                </a:xfrm>
+                <a:prstGeom prst="rect">
+                  <a:avLst/>
+                </a:prstGeom>
+                <a:noFill/>
+              </p:spPr>
+              <p:txBody>
+                <a:bodyPr wrap="none" rtlCol="0">
+                  <a:spAutoFit/>
+                </a:bodyPr>
+                <a:lstStyle/>
+                <a:p>
+                  <a:r>
+                    <a:rPr lang="zh-CN" altLang="en-US" dirty="0" smtClean="0"/>
+                    <a:t>分发请求</a:t>
+                  </a:r>
+                  <a:endParaRPr lang="zh-CN" altLang="en-US" dirty="0"/>
+                </a:p>
+              </p:txBody>
+            </p:sp>
+            <p:sp>
+              <p:nvSpPr>
+                <p:cNvPr id="65" name="文本框 64"/>
+                <p:cNvSpPr txBox="1"/>
+                <p:nvPr/>
+              </p:nvSpPr>
+              <p:spPr>
+                <a:xfrm>
+                  <a:off x="7510348" y="4146578"/>
+                  <a:ext cx="1107996" cy="369332"/>
+                </a:xfrm>
+                <a:prstGeom prst="rect">
+                  <a:avLst/>
+                </a:prstGeom>
+                <a:noFill/>
+              </p:spPr>
+              <p:txBody>
+                <a:bodyPr wrap="none" rtlCol="0">
+                  <a:spAutoFit/>
+                </a:bodyPr>
+                <a:lstStyle/>
+                <a:p>
+                  <a:r>
+                    <a:rPr lang="zh-CN" altLang="en-US" dirty="0" smtClean="0"/>
+                    <a:t>分发请求</a:t>
+                  </a:r>
+                  <a:endParaRPr lang="zh-CN" altLang="en-US" dirty="0"/>
+                </a:p>
+              </p:txBody>
+            </p:sp>
+            <p:sp>
+              <p:nvSpPr>
+                <p:cNvPr id="66" name="文本框 65"/>
+                <p:cNvSpPr txBox="1"/>
+                <p:nvPr/>
+              </p:nvSpPr>
+              <p:spPr>
+                <a:xfrm>
+                  <a:off x="7510348" y="2804166"/>
+                  <a:ext cx="1107996" cy="369332"/>
+                </a:xfrm>
+                <a:prstGeom prst="rect">
+                  <a:avLst/>
+                </a:prstGeom>
+                <a:noFill/>
+              </p:spPr>
+              <p:txBody>
+                <a:bodyPr wrap="none" rtlCol="0">
+                  <a:spAutoFit/>
+                </a:bodyPr>
+                <a:lstStyle/>
+                <a:p>
+                  <a:r>
+                    <a:rPr lang="zh-CN" altLang="en-US" dirty="0" smtClean="0"/>
+                    <a:t>分发请求</a:t>
+                  </a:r>
+                  <a:endParaRPr lang="zh-CN" altLang="en-US" dirty="0"/>
+                </a:p>
+              </p:txBody>
+            </p:sp>
+          </p:grpSp>
+          <p:sp>
+            <p:nvSpPr>
+              <p:cNvPr id="58" name="圆角矩形 57"/>
+              <p:cNvSpPr/>
+              <p:nvPr/>
+            </p:nvSpPr>
+            <p:spPr>
+              <a:xfrm>
+                <a:off x="6385222" y="564154"/>
+                <a:ext cx="5656524" cy="5563673"/>
+              </a:xfrm>
+              <a:prstGeom prst="roundRect">
+                <a:avLst/>
+              </a:prstGeom>
+              <a:solidFill>
+                <a:srgbClr val="92D050">
+                  <a:alpha val="10196"/>
+                </a:srgbClr>
+              </a:solidFill>
+            </p:spPr>
+            <p:style>
+              <a:lnRef idx="2">
+                <a:schemeClr val="accent1">
+                  <a:shade val="50000"/>
+                </a:schemeClr>
+              </a:lnRef>
+              <a:fillRef idx="1">
+                <a:schemeClr val="accent1"/>
+              </a:fillRef>
+              <a:effectRef idx="0">
+                <a:schemeClr val="accent1"/>
+              </a:effectRef>
+              <a:fontRef idx="minor">
+                <a:schemeClr val="lt1"/>
+              </a:fontRef>
+            </p:style>
+            <p:txBody>
+              <a:bodyPr rtlCol="0" anchor="ctr"/>
+              <a:lstStyle/>
+              <a:p>
+                <a:pPr algn="ctr"/>
+                <a:endParaRPr lang="zh-CN" altLang="en-US"/>
+              </a:p>
+            </p:txBody>
+          </p:sp>
+        </p:grpSp>
+      </p:grpSp>
+    </p:spTree>
+    <p:extLst>
+      <p:ext uri="{BB962C8B-B14F-4D97-AF65-F5344CB8AC3E}">
+        <p14:creationId xmlns:p14="http://schemas.microsoft.com/office/powerpoint/2010/main" val="514404201"/>
+      </p:ext>
+    </p:extLst>
+  </p:cSld>
+  <p:clrMapOvr>
+    <a:masterClrMapping/>
+  </p:clrMapOvr>
+</p:sld>
+</file>
+
+<file path=ppt/slides/slide12.xml><?xml version="1.0" encoding="utf-8"?>
+<p:sld xmlns:a="http://schemas.openxmlformats.org/drawingml/2006/main" xmlns:r="http://schemas.openxmlformats.org/officeDocument/2006/relationships" xmlns:p="http://schemas.openxmlformats.org/presentationml/2006/main">
+  <p:cSld>
+    <p:spTree>
+      <p:nvGrpSpPr>
+        <p:cNvPr id="1" name=""/>
+        <p:cNvGrpSpPr/>
+        <p:nvPr/>
+      </p:nvGrpSpPr>
+      <p:grpSpPr>
+        <a:xfrm>
+          <a:off x="0" y="0"/>
+          <a:ext cx="0" cy="0"/>
+          <a:chOff x="0" y="0"/>
+          <a:chExt cx="0" cy="0"/>
+        </a:xfrm>
+      </p:grpSpPr>
+      <p:grpSp>
+        <p:nvGrpSpPr>
+          <p:cNvPr id="33" name="组合 32"/>
+          <p:cNvGrpSpPr/>
+          <p:nvPr/>
+        </p:nvGrpSpPr>
+        <p:grpSpPr>
+          <a:xfrm>
+            <a:off x="914400" y="1081824"/>
+            <a:ext cx="10353631" cy="4911009"/>
+            <a:chOff x="386366" y="1416675"/>
+            <a:chExt cx="10353631" cy="4911009"/>
+          </a:xfrm>
+        </p:grpSpPr>
+        <p:sp>
+          <p:nvSpPr>
+            <p:cNvPr id="2" name="圆角矩形 1"/>
+            <p:cNvSpPr/>
+            <p:nvPr/>
+          </p:nvSpPr>
+          <p:spPr>
+            <a:xfrm>
+              <a:off x="386366" y="2189408"/>
+              <a:ext cx="2150772" cy="2524260"/>
+            </a:xfrm>
+            <a:prstGeom prst="roundRect">
+              <a:avLst/>
+            </a:prstGeom>
+            <a:solidFill>
+              <a:schemeClr val="bg2"/>
+            </a:solidFill>
+          </p:spPr>
+          <p:style>
+            <a:lnRef idx="2">
+              <a:schemeClr val="accent1">
+                <a:shade val="50000"/>
+              </a:schemeClr>
+            </a:lnRef>
+            <a:fillRef idx="1">
+              <a:schemeClr val="accent1"/>
+            </a:fillRef>
+            <a:effectRef idx="0">
+              <a:schemeClr val="accent1"/>
+            </a:effectRef>
+            <a:fontRef idx="minor">
+              <a:schemeClr val="lt1"/>
+            </a:fontRef>
+          </p:style>
+          <p:txBody>
+            <a:bodyPr rtlCol="0" anchor="ctr"/>
+            <a:lstStyle/>
+            <a:p>
+              <a:pPr algn="ctr"/>
+              <a:endParaRPr lang="zh-CN" altLang="en-US" dirty="0"/>
+            </a:p>
+          </p:txBody>
+        </p:sp>
+        <p:sp>
+          <p:nvSpPr>
+            <p:cNvPr id="3" name="文本框 2"/>
+            <p:cNvSpPr txBox="1"/>
+            <p:nvPr/>
+          </p:nvSpPr>
+          <p:spPr>
+            <a:xfrm>
+              <a:off x="499789" y="2989873"/>
+              <a:ext cx="1923925" cy="923330"/>
+            </a:xfrm>
+            <a:prstGeom prst="rect">
+              <a:avLst/>
+            </a:prstGeom>
+            <a:noFill/>
+          </p:spPr>
+          <p:txBody>
+            <a:bodyPr wrap="none" rtlCol="0">
+              <a:spAutoFit/>
+            </a:bodyPr>
+            <a:lstStyle/>
+            <a:p>
+              <a:r>
+                <a:rPr lang="en-US" altLang="zh-CN" b="1" dirty="0" smtClean="0"/>
+                <a:t>www.baidu.com</a:t>
+              </a:r>
+            </a:p>
+            <a:p>
+              <a:r>
+                <a:rPr lang="en-US" altLang="zh-CN" b="1" dirty="0" smtClean="0"/>
+                <a:t>www.imooc.com</a:t>
+              </a:r>
+            </a:p>
+            <a:p>
+              <a:r>
+                <a:rPr lang="en-US" altLang="zh-CN" b="1" dirty="0" smtClean="0"/>
+                <a:t>www.tmall.com</a:t>
+              </a:r>
+              <a:endParaRPr lang="zh-CN" altLang="en-US" b="1" dirty="0"/>
+            </a:p>
+          </p:txBody>
+        </p:sp>
+        <p:grpSp>
+          <p:nvGrpSpPr>
+            <p:cNvPr id="8" name="组合 7"/>
+            <p:cNvGrpSpPr/>
+            <p:nvPr/>
+          </p:nvGrpSpPr>
+          <p:grpSpPr>
+            <a:xfrm>
+              <a:off x="4572000" y="3065171"/>
+              <a:ext cx="2004568" cy="772733"/>
+              <a:chOff x="4572000" y="3065171"/>
+              <a:chExt cx="2004568" cy="772733"/>
+            </a:xfrm>
+          </p:grpSpPr>
+          <p:sp>
+            <p:nvSpPr>
+              <p:cNvPr id="4" name="圆角矩形 3"/>
+              <p:cNvSpPr/>
+              <p:nvPr/>
+            </p:nvSpPr>
+            <p:spPr>
+              <a:xfrm>
+                <a:off x="4572000" y="3065171"/>
+                <a:ext cx="2004568" cy="772733"/>
+              </a:xfrm>
+              <a:prstGeom prst="roundRect">
+                <a:avLst/>
+              </a:prstGeom>
+              <a:solidFill>
+                <a:schemeClr val="bg2"/>
+              </a:solidFill>
+            </p:spPr>
+            <p:style>
+              <a:lnRef idx="2">
+                <a:schemeClr val="accent1">
+                  <a:shade val="50000"/>
+                </a:schemeClr>
+              </a:lnRef>
+              <a:fillRef idx="1">
+                <a:schemeClr val="accent1"/>
+              </a:fillRef>
+              <a:effectRef idx="0">
+                <a:schemeClr val="accent1"/>
+              </a:effectRef>
+              <a:fontRef idx="minor">
+                <a:schemeClr val="lt1"/>
+              </a:fontRef>
+            </p:style>
+            <p:txBody>
+              <a:bodyPr rtlCol="0" anchor="ctr"/>
+              <a:lstStyle/>
+              <a:p>
+                <a:pPr algn="ctr"/>
+                <a:endParaRPr lang="zh-CN" altLang="en-US" dirty="0"/>
+              </a:p>
+            </p:txBody>
+          </p:sp>
+          <p:sp>
+            <p:nvSpPr>
+              <p:cNvPr id="5" name="文本框 4"/>
+              <p:cNvSpPr txBox="1"/>
+              <p:nvPr/>
+            </p:nvSpPr>
+            <p:spPr>
+              <a:xfrm>
+                <a:off x="4790255" y="3266871"/>
+                <a:ext cx="1568058" cy="369332"/>
+              </a:xfrm>
+              <a:prstGeom prst="rect">
+                <a:avLst/>
+              </a:prstGeom>
+              <a:noFill/>
+            </p:spPr>
+            <p:txBody>
+              <a:bodyPr wrap="none" rtlCol="0">
+                <a:spAutoFit/>
+              </a:bodyPr>
+              <a:lstStyle/>
+              <a:p>
+                <a:r>
+                  <a:rPr lang="en-US" altLang="zh-CN" b="1" dirty="0" smtClean="0"/>
+                  <a:t>Nginx </a:t>
+                </a:r>
+                <a:r>
+                  <a:rPr lang="zh-CN" altLang="en-US" b="1" dirty="0" smtClean="0"/>
+                  <a:t>服务器</a:t>
+                </a:r>
+                <a:endParaRPr lang="zh-CN" altLang="en-US" b="1" dirty="0"/>
+              </a:p>
+            </p:txBody>
+          </p:sp>
+        </p:grpSp>
+        <p:grpSp>
+          <p:nvGrpSpPr>
+            <p:cNvPr id="9" name="组合 8"/>
+            <p:cNvGrpSpPr/>
+            <p:nvPr/>
+          </p:nvGrpSpPr>
+          <p:grpSpPr>
+            <a:xfrm>
+              <a:off x="8678214" y="1416675"/>
+              <a:ext cx="2061783" cy="772733"/>
+              <a:chOff x="4572000" y="3065171"/>
+              <a:chExt cx="2061783" cy="772733"/>
+            </a:xfrm>
+          </p:grpSpPr>
+          <p:sp>
+            <p:nvSpPr>
+              <p:cNvPr id="10" name="圆角矩形 9"/>
+              <p:cNvSpPr/>
+              <p:nvPr/>
+            </p:nvSpPr>
+            <p:spPr>
+              <a:xfrm>
+                <a:off x="4572000" y="3065171"/>
+                <a:ext cx="2004568" cy="772733"/>
+              </a:xfrm>
+              <a:prstGeom prst="roundRect">
+                <a:avLst/>
+              </a:prstGeom>
+              <a:solidFill>
+                <a:schemeClr val="bg2"/>
+              </a:solidFill>
+            </p:spPr>
+            <p:style>
+              <a:lnRef idx="2">
+                <a:schemeClr val="accent1">
+                  <a:shade val="50000"/>
+                </a:schemeClr>
+              </a:lnRef>
+              <a:fillRef idx="1">
+                <a:schemeClr val="accent1"/>
+              </a:fillRef>
+              <a:effectRef idx="0">
+                <a:schemeClr val="accent1"/>
+              </a:effectRef>
+              <a:fontRef idx="minor">
+                <a:schemeClr val="lt1"/>
+              </a:fontRef>
+            </p:style>
+            <p:txBody>
+              <a:bodyPr rtlCol="0" anchor="ctr"/>
+              <a:lstStyle/>
+              <a:p>
+                <a:pPr algn="ctr"/>
+                <a:endParaRPr lang="zh-CN" altLang="en-US" dirty="0"/>
+              </a:p>
+            </p:txBody>
+          </p:sp>
+          <p:sp>
+            <p:nvSpPr>
+              <p:cNvPr id="11" name="文本框 10"/>
+              <p:cNvSpPr txBox="1"/>
+              <p:nvPr/>
+            </p:nvSpPr>
+            <p:spPr>
+              <a:xfrm>
+                <a:off x="4572000" y="3266871"/>
+                <a:ext cx="2061783" cy="369332"/>
+              </a:xfrm>
+              <a:prstGeom prst="rect">
+                <a:avLst/>
+              </a:prstGeom>
+              <a:noFill/>
+            </p:spPr>
+            <p:txBody>
+              <a:bodyPr wrap="none" rtlCol="0">
+                <a:spAutoFit/>
+              </a:bodyPr>
+              <a:lstStyle/>
+              <a:p>
+                <a:r>
+                  <a:rPr lang="en-US" altLang="zh-CN" b="1" dirty="0" smtClean="0"/>
+                  <a:t>Baidu </a:t>
+                </a:r>
+                <a:r>
+                  <a:rPr lang="zh-CN" altLang="en-US" b="1" dirty="0" smtClean="0"/>
+                  <a:t>目标服务器</a:t>
+                </a:r>
+                <a:endParaRPr lang="zh-CN" altLang="en-US" b="1" dirty="0"/>
+              </a:p>
+            </p:txBody>
+          </p:sp>
+        </p:grpSp>
+        <p:grpSp>
+          <p:nvGrpSpPr>
+            <p:cNvPr id="12" name="组合 11"/>
+            <p:cNvGrpSpPr/>
+            <p:nvPr/>
+          </p:nvGrpSpPr>
+          <p:grpSpPr>
+            <a:xfrm>
+              <a:off x="8678214" y="2989873"/>
+              <a:ext cx="2061783" cy="772733"/>
+              <a:chOff x="4572000" y="3065171"/>
+              <a:chExt cx="2061783" cy="772733"/>
+            </a:xfrm>
+          </p:grpSpPr>
+          <p:sp>
+            <p:nvSpPr>
+              <p:cNvPr id="13" name="圆角矩形 12"/>
+              <p:cNvSpPr/>
+              <p:nvPr/>
+            </p:nvSpPr>
+            <p:spPr>
+              <a:xfrm>
+                <a:off x="4572000" y="3065171"/>
+                <a:ext cx="2004568" cy="772733"/>
+              </a:xfrm>
+              <a:prstGeom prst="roundRect">
+                <a:avLst/>
+              </a:prstGeom>
+              <a:solidFill>
+                <a:schemeClr val="bg2"/>
+              </a:solidFill>
+            </p:spPr>
+            <p:style>
+              <a:lnRef idx="2">
+                <a:schemeClr val="accent1">
+                  <a:shade val="50000"/>
+                </a:schemeClr>
+              </a:lnRef>
+              <a:fillRef idx="1">
+                <a:schemeClr val="accent1"/>
+              </a:fillRef>
+              <a:effectRef idx="0">
+                <a:schemeClr val="accent1"/>
+              </a:effectRef>
+              <a:fontRef idx="minor">
+                <a:schemeClr val="lt1"/>
+              </a:fontRef>
+            </p:style>
+            <p:txBody>
+              <a:bodyPr rtlCol="0" anchor="ctr"/>
+              <a:lstStyle/>
+              <a:p>
+                <a:pPr algn="ctr"/>
+                <a:endParaRPr lang="zh-CN" altLang="en-US" dirty="0"/>
+              </a:p>
+            </p:txBody>
+          </p:sp>
+          <p:sp>
+            <p:nvSpPr>
+              <p:cNvPr id="14" name="文本框 13"/>
+              <p:cNvSpPr txBox="1"/>
+              <p:nvPr/>
+            </p:nvSpPr>
+            <p:spPr>
+              <a:xfrm>
+                <a:off x="4580016" y="3266871"/>
+                <a:ext cx="2053767" cy="369332"/>
+              </a:xfrm>
+              <a:prstGeom prst="rect">
+                <a:avLst/>
+              </a:prstGeom>
+              <a:noFill/>
+            </p:spPr>
+            <p:txBody>
+              <a:bodyPr wrap="none" rtlCol="0">
+                <a:spAutoFit/>
+              </a:bodyPr>
+              <a:lstStyle/>
+              <a:p>
+                <a:r>
+                  <a:rPr lang="en-US" altLang="zh-CN" b="1" dirty="0" smtClean="0"/>
+                  <a:t>imooc </a:t>
+                </a:r>
+                <a:r>
+                  <a:rPr lang="zh-CN" altLang="en-US" b="1" dirty="0" smtClean="0"/>
+                  <a:t>目标服务器</a:t>
+                </a:r>
+                <a:endParaRPr lang="zh-CN" altLang="en-US" b="1" dirty="0"/>
+              </a:p>
+            </p:txBody>
+          </p:sp>
+        </p:grpSp>
+        <p:grpSp>
+          <p:nvGrpSpPr>
+            <p:cNvPr id="15" name="组合 14"/>
+            <p:cNvGrpSpPr/>
+            <p:nvPr/>
+          </p:nvGrpSpPr>
+          <p:grpSpPr>
+            <a:xfrm>
+              <a:off x="8678214" y="4713668"/>
+              <a:ext cx="2004568" cy="772733"/>
+              <a:chOff x="4572000" y="3065171"/>
+              <a:chExt cx="2004568" cy="772733"/>
+            </a:xfrm>
+          </p:grpSpPr>
+          <p:sp>
+            <p:nvSpPr>
+              <p:cNvPr id="16" name="圆角矩形 15"/>
+              <p:cNvSpPr/>
+              <p:nvPr/>
+            </p:nvSpPr>
+            <p:spPr>
+              <a:xfrm>
+                <a:off x="4572000" y="3065171"/>
+                <a:ext cx="2004568" cy="772733"/>
+              </a:xfrm>
+              <a:prstGeom prst="roundRect">
+                <a:avLst/>
+              </a:prstGeom>
+              <a:solidFill>
+                <a:schemeClr val="bg2"/>
+              </a:solidFill>
+            </p:spPr>
+            <p:style>
+              <a:lnRef idx="2">
+                <a:schemeClr val="accent1">
+                  <a:shade val="50000"/>
+                </a:schemeClr>
+              </a:lnRef>
+              <a:fillRef idx="1">
+                <a:schemeClr val="accent1"/>
+              </a:fillRef>
+              <a:effectRef idx="0">
+                <a:schemeClr val="accent1"/>
+              </a:effectRef>
+              <a:fontRef idx="minor">
+                <a:schemeClr val="lt1"/>
+              </a:fontRef>
+            </p:style>
+            <p:txBody>
+              <a:bodyPr rtlCol="0" anchor="ctr"/>
+              <a:lstStyle/>
+              <a:p>
+                <a:pPr algn="ctr"/>
+                <a:endParaRPr lang="zh-CN" altLang="en-US" dirty="0"/>
+              </a:p>
+            </p:txBody>
+          </p:sp>
+          <p:sp>
+            <p:nvSpPr>
+              <p:cNvPr id="17" name="文本框 16"/>
+              <p:cNvSpPr txBox="1"/>
+              <p:nvPr/>
+            </p:nvSpPr>
+            <p:spPr>
+              <a:xfrm>
+                <a:off x="4636119" y="3266871"/>
+                <a:ext cx="1933543" cy="369332"/>
+              </a:xfrm>
+              <a:prstGeom prst="rect">
+                <a:avLst/>
+              </a:prstGeom>
+              <a:noFill/>
+            </p:spPr>
+            <p:txBody>
+              <a:bodyPr wrap="none" rtlCol="0">
+                <a:spAutoFit/>
+              </a:bodyPr>
+              <a:lstStyle/>
+              <a:p>
+                <a:r>
+                  <a:rPr lang="en-US" altLang="zh-CN" b="1" dirty="0" smtClean="0"/>
+                  <a:t>tmall </a:t>
+                </a:r>
+                <a:r>
+                  <a:rPr lang="zh-CN" altLang="en-US" b="1" dirty="0" smtClean="0"/>
+                  <a:t>目标服务器</a:t>
+                </a:r>
+                <a:endParaRPr lang="zh-CN" altLang="en-US" b="1" dirty="0"/>
+              </a:p>
+            </p:txBody>
+          </p:sp>
+        </p:grpSp>
+        <p:cxnSp>
+          <p:nvCxnSpPr>
+            <p:cNvPr id="19" name="直接箭头连接符 18"/>
+            <p:cNvCxnSpPr/>
+            <p:nvPr/>
+          </p:nvCxnSpPr>
+          <p:spPr>
+            <a:xfrm flipV="1">
+              <a:off x="2617170" y="3451537"/>
+              <a:ext cx="1841406" cy="15111"/>
+            </a:xfrm>
+            <a:prstGeom prst="straightConnector1">
+              <a:avLst/>
+            </a:prstGeom>
+            <a:ln w="38100">
+              <a:solidFill>
+                <a:schemeClr val="bg2">
+                  <a:lumMod val="75000"/>
+                </a:schemeClr>
+              </a:solidFill>
+              <a:tailEnd type="triangle"/>
+            </a:ln>
+          </p:spPr>
+          <p:style>
+            <a:lnRef idx="1">
+              <a:schemeClr val="accent1"/>
+            </a:lnRef>
+            <a:fillRef idx="0">
+              <a:schemeClr val="accent1"/>
+            </a:fillRef>
+            <a:effectRef idx="0">
+              <a:schemeClr val="accent1"/>
+            </a:effectRef>
+            <a:fontRef idx="minor">
+              <a:schemeClr val="tx1"/>
+            </a:fontRef>
+          </p:style>
+        </p:cxnSp>
+        <p:cxnSp>
+          <p:nvCxnSpPr>
+            <p:cNvPr id="22" name="直接箭头连接符 21"/>
+            <p:cNvCxnSpPr/>
+            <p:nvPr/>
+          </p:nvCxnSpPr>
+          <p:spPr>
+            <a:xfrm flipV="1">
+              <a:off x="6680565" y="3436426"/>
+              <a:ext cx="1841406" cy="15111"/>
+            </a:xfrm>
+            <a:prstGeom prst="straightConnector1">
+              <a:avLst/>
+            </a:prstGeom>
+            <a:ln w="38100">
+              <a:solidFill>
+                <a:schemeClr val="bg2">
+                  <a:lumMod val="75000"/>
+                </a:schemeClr>
+              </a:solidFill>
+              <a:tailEnd type="triangle"/>
+            </a:ln>
+          </p:spPr>
+          <p:style>
+            <a:lnRef idx="1">
+              <a:schemeClr val="accent1"/>
+            </a:lnRef>
+            <a:fillRef idx="0">
+              <a:schemeClr val="accent1"/>
+            </a:fillRef>
+            <a:effectRef idx="0">
+              <a:schemeClr val="accent1"/>
+            </a:effectRef>
+            <a:fontRef idx="minor">
+              <a:schemeClr val="tx1"/>
+            </a:fontRef>
+          </p:style>
+        </p:cxnSp>
+        <p:cxnSp>
+          <p:nvCxnSpPr>
+            <p:cNvPr id="23" name="直接箭头连接符 22"/>
+            <p:cNvCxnSpPr/>
+            <p:nvPr/>
+          </p:nvCxnSpPr>
+          <p:spPr>
+            <a:xfrm flipV="1">
+              <a:off x="6680565" y="1803041"/>
+              <a:ext cx="1841406" cy="1186833"/>
+            </a:xfrm>
+            <a:prstGeom prst="straightConnector1">
+              <a:avLst/>
+            </a:prstGeom>
+            <a:ln w="38100">
+              <a:solidFill>
+                <a:schemeClr val="bg2">
+                  <a:lumMod val="75000"/>
+                </a:schemeClr>
+              </a:solidFill>
+              <a:tailEnd type="triangle"/>
+            </a:ln>
+          </p:spPr>
+          <p:style>
+            <a:lnRef idx="1">
+              <a:schemeClr val="accent1"/>
+            </a:lnRef>
+            <a:fillRef idx="0">
+              <a:schemeClr val="accent1"/>
+            </a:fillRef>
+            <a:effectRef idx="0">
+              <a:schemeClr val="accent1"/>
+            </a:effectRef>
+            <a:fontRef idx="minor">
+              <a:schemeClr val="tx1"/>
+            </a:fontRef>
+          </p:style>
+        </p:cxnSp>
+        <p:cxnSp>
+          <p:nvCxnSpPr>
+            <p:cNvPr id="24" name="直接箭头连接符 23"/>
+            <p:cNvCxnSpPr/>
+            <p:nvPr/>
+          </p:nvCxnSpPr>
+          <p:spPr>
+            <a:xfrm>
+              <a:off x="6680565" y="3945555"/>
+              <a:ext cx="1841406" cy="969813"/>
+            </a:xfrm>
+            <a:prstGeom prst="straightConnector1">
+              <a:avLst/>
+            </a:prstGeom>
+            <a:ln w="38100">
+              <a:solidFill>
+                <a:schemeClr val="bg2">
+                  <a:lumMod val="75000"/>
+                </a:schemeClr>
+              </a:solidFill>
+              <a:tailEnd type="triangle"/>
+            </a:ln>
+          </p:spPr>
+          <p:style>
+            <a:lnRef idx="1">
+              <a:schemeClr val="accent1"/>
+            </a:lnRef>
+            <a:fillRef idx="0">
+              <a:schemeClr val="accent1"/>
+            </a:fillRef>
+            <a:effectRef idx="0">
+              <a:schemeClr val="accent1"/>
+            </a:effectRef>
+            <a:fontRef idx="minor">
+              <a:schemeClr val="tx1"/>
+            </a:fontRef>
+          </p:style>
+        </p:cxnSp>
+        <p:sp>
+          <p:nvSpPr>
+            <p:cNvPr id="27" name="文本框 26"/>
+            <p:cNvSpPr txBox="1"/>
+            <p:nvPr/>
+          </p:nvSpPr>
+          <p:spPr>
+            <a:xfrm>
+              <a:off x="3198012" y="2989873"/>
+              <a:ext cx="646331" cy="369332"/>
+            </a:xfrm>
+            <a:prstGeom prst="rect">
+              <a:avLst/>
+            </a:prstGeom>
+            <a:noFill/>
+          </p:spPr>
+          <p:txBody>
+            <a:bodyPr wrap="none" rtlCol="0">
+              <a:spAutoFit/>
+            </a:bodyPr>
+            <a:lstStyle/>
+            <a:p>
+              <a:r>
+                <a:rPr lang="zh-CN" altLang="en-US" b="1" dirty="0" smtClean="0"/>
+                <a:t>请求</a:t>
+              </a:r>
+              <a:endParaRPr lang="zh-CN" altLang="en-US" b="1" dirty="0"/>
+            </a:p>
+          </p:txBody>
+        </p:sp>
+        <p:sp>
+          <p:nvSpPr>
+            <p:cNvPr id="28" name="文本框 27"/>
+            <p:cNvSpPr txBox="1"/>
+            <p:nvPr/>
+          </p:nvSpPr>
+          <p:spPr>
+            <a:xfrm>
+              <a:off x="2338289" y="5681353"/>
+              <a:ext cx="5262979" cy="646331"/>
+            </a:xfrm>
+            <a:prstGeom prst="rect">
+              <a:avLst/>
+            </a:prstGeom>
+            <a:noFill/>
+          </p:spPr>
+          <p:txBody>
+            <a:bodyPr wrap="none" rtlCol="0">
+              <a:spAutoFit/>
+            </a:bodyPr>
+            <a:lstStyle/>
+            <a:p>
+              <a:r>
+                <a:rPr lang="zh-CN" altLang="en-US" b="1" dirty="0" smtClean="0">
+                  <a:solidFill>
+                    <a:srgbClr val="FF0000"/>
+                  </a:solidFill>
+                </a:rPr>
+                <a:t>反向代理服务器，根据请求的域名决定到底将这个</a:t>
+              </a:r>
+              <a:endParaRPr lang="en-US" altLang="zh-CN" b="1" dirty="0" smtClean="0">
+                <a:solidFill>
+                  <a:srgbClr val="FF0000"/>
+                </a:solidFill>
+              </a:endParaRPr>
+            </a:p>
+            <a:p>
+              <a:r>
+                <a:rPr lang="zh-CN" altLang="en-US" b="1" dirty="0" smtClean="0">
+                  <a:solidFill>
+                    <a:srgbClr val="FF0000"/>
+                  </a:solidFill>
+                </a:rPr>
+                <a:t>请求转发给哪台服务器处理</a:t>
+              </a:r>
+              <a:endParaRPr lang="zh-CN" altLang="en-US" b="1" dirty="0">
+                <a:solidFill>
+                  <a:srgbClr val="FF0000"/>
+                </a:solidFill>
+              </a:endParaRPr>
+            </a:p>
+          </p:txBody>
+        </p:sp>
+        <p:sp>
+          <p:nvSpPr>
+            <p:cNvPr id="29" name="文本框 28"/>
+            <p:cNvSpPr txBox="1"/>
+            <p:nvPr/>
+          </p:nvSpPr>
+          <p:spPr>
+            <a:xfrm>
+              <a:off x="6217577" y="1897245"/>
+              <a:ext cx="1569660" cy="369332"/>
+            </a:xfrm>
+            <a:prstGeom prst="rect">
+              <a:avLst/>
+            </a:prstGeom>
+            <a:noFill/>
+          </p:spPr>
+          <p:txBody>
+            <a:bodyPr wrap="none" rtlCol="0">
+              <a:spAutoFit/>
+            </a:bodyPr>
+            <a:lstStyle/>
+            <a:p>
+              <a:r>
+                <a:rPr lang="zh-CN" altLang="en-US" b="1" dirty="0" smtClean="0"/>
+                <a:t>对百度的请求</a:t>
+              </a:r>
+              <a:endParaRPr lang="zh-CN" altLang="en-US" b="1" dirty="0"/>
+            </a:p>
+          </p:txBody>
+        </p:sp>
+        <p:sp>
+          <p:nvSpPr>
+            <p:cNvPr id="31" name="文本框 30"/>
+            <p:cNvSpPr txBox="1"/>
+            <p:nvPr/>
+          </p:nvSpPr>
+          <p:spPr>
+            <a:xfrm>
+              <a:off x="6791123" y="2972634"/>
+              <a:ext cx="1569660" cy="369332"/>
+            </a:xfrm>
+            <a:prstGeom prst="rect">
+              <a:avLst/>
+            </a:prstGeom>
+            <a:noFill/>
+          </p:spPr>
+          <p:txBody>
+            <a:bodyPr wrap="none" rtlCol="0">
+              <a:spAutoFit/>
+            </a:bodyPr>
+            <a:lstStyle/>
+            <a:p>
+              <a:r>
+                <a:rPr lang="zh-CN" altLang="en-US" b="1" dirty="0" smtClean="0"/>
+                <a:t>对慕课的请求</a:t>
+              </a:r>
+              <a:endParaRPr lang="zh-CN" altLang="en-US" b="1" dirty="0"/>
+            </a:p>
+          </p:txBody>
+        </p:sp>
+        <p:sp>
+          <p:nvSpPr>
+            <p:cNvPr id="32" name="文本框 31"/>
+            <p:cNvSpPr txBox="1"/>
+            <p:nvPr/>
+          </p:nvSpPr>
+          <p:spPr>
+            <a:xfrm>
+              <a:off x="6217577" y="4402190"/>
+              <a:ext cx="1569660" cy="369332"/>
+            </a:xfrm>
+            <a:prstGeom prst="rect">
+              <a:avLst/>
+            </a:prstGeom>
+            <a:noFill/>
+          </p:spPr>
+          <p:txBody>
+            <a:bodyPr wrap="none" rtlCol="0">
+              <a:spAutoFit/>
+            </a:bodyPr>
+            <a:lstStyle/>
+            <a:p>
+              <a:r>
+                <a:rPr lang="zh-CN" altLang="en-US" b="1" dirty="0" smtClean="0"/>
+                <a:t>对天猫的请求</a:t>
+              </a:r>
+              <a:endParaRPr lang="zh-CN" altLang="en-US" b="1" dirty="0"/>
+            </a:p>
+          </p:txBody>
+        </p:sp>
+      </p:grpSp>
+    </p:spTree>
+    <p:extLst>
+      <p:ext uri="{BB962C8B-B14F-4D97-AF65-F5344CB8AC3E}">
+        <p14:creationId xmlns:p14="http://schemas.microsoft.com/office/powerpoint/2010/main" val="1818079340"/>
+      </p:ext>
+    </p:extLst>
+  </p:cSld>
+  <p:clrMapOvr>
+    <a:masterClrMapping/>
+  </p:clrMapOvr>
+</p:sld>
+</file>
+
 <file path=ppt/slides/slide2.xml><?xml version="1.0" encoding="utf-8"?>
 <p:sld xmlns:a="http://schemas.openxmlformats.org/drawingml/2006/main" xmlns:r="http://schemas.openxmlformats.org/officeDocument/2006/relationships" xmlns:p="http://schemas.openxmlformats.org/presentationml/2006/main">
   <p:cSld>
@@ -3411,6 +7353,3580 @@
 </p:sld>
 </file>
 
+<file path=ppt/slides/slide6.xml><?xml version="1.0" encoding="utf-8"?>
+<p:sld xmlns:a="http://schemas.openxmlformats.org/drawingml/2006/main" xmlns:r="http://schemas.openxmlformats.org/officeDocument/2006/relationships" xmlns:p="http://schemas.openxmlformats.org/presentationml/2006/main">
+  <p:cSld>
+    <p:spTree>
+      <p:nvGrpSpPr>
+        <p:cNvPr id="1" name=""/>
+        <p:cNvGrpSpPr/>
+        <p:nvPr/>
+      </p:nvGrpSpPr>
+      <p:grpSpPr>
+        <a:xfrm>
+          <a:off x="0" y="0"/>
+          <a:ext cx="0" cy="0"/>
+          <a:chOff x="0" y="0"/>
+          <a:chExt cx="0" cy="0"/>
+        </a:xfrm>
+      </p:grpSpPr>
+      <p:grpSp>
+        <p:nvGrpSpPr>
+          <p:cNvPr id="55" name="组合 54"/>
+          <p:cNvGrpSpPr/>
+          <p:nvPr/>
+        </p:nvGrpSpPr>
+        <p:grpSpPr>
+          <a:xfrm>
+            <a:off x="1584100" y="1210614"/>
+            <a:ext cx="9000187" cy="4728934"/>
+            <a:chOff x="1584100" y="1275008"/>
+            <a:chExt cx="9000187" cy="4728934"/>
+          </a:xfrm>
+        </p:grpSpPr>
+        <p:grpSp>
+          <p:nvGrpSpPr>
+            <p:cNvPr id="53" name="组合 52"/>
+            <p:cNvGrpSpPr/>
+            <p:nvPr/>
+          </p:nvGrpSpPr>
+          <p:grpSpPr>
+            <a:xfrm>
+              <a:off x="1584100" y="1275008"/>
+              <a:ext cx="9000187" cy="3846491"/>
+              <a:chOff x="1584100" y="1275008"/>
+              <a:chExt cx="9000187" cy="3846491"/>
+            </a:xfrm>
+          </p:grpSpPr>
+          <p:grpSp>
+            <p:nvGrpSpPr>
+              <p:cNvPr id="30" name="组合 29"/>
+              <p:cNvGrpSpPr/>
+              <p:nvPr/>
+            </p:nvGrpSpPr>
+            <p:grpSpPr>
+              <a:xfrm>
+                <a:off x="1584100" y="1275008"/>
+                <a:ext cx="9000187" cy="3846491"/>
+                <a:chOff x="1584100" y="1275008"/>
+                <a:chExt cx="9000187" cy="3846491"/>
+              </a:xfrm>
+            </p:grpSpPr>
+            <p:grpSp>
+              <p:nvGrpSpPr>
+                <p:cNvPr id="24" name="组合 23"/>
+                <p:cNvGrpSpPr/>
+                <p:nvPr/>
+              </p:nvGrpSpPr>
+              <p:grpSpPr>
+                <a:xfrm>
+                  <a:off x="1584100" y="1275008"/>
+                  <a:ext cx="9000187" cy="3846491"/>
+                  <a:chOff x="1094703" y="965915"/>
+                  <a:chExt cx="9000187" cy="3846491"/>
+                </a:xfrm>
+              </p:grpSpPr>
+              <p:sp>
+                <p:nvSpPr>
+                  <p:cNvPr id="2" name="圆角矩形 1"/>
+                  <p:cNvSpPr/>
+                  <p:nvPr/>
+                </p:nvSpPr>
+                <p:spPr>
+                  <a:xfrm>
+                    <a:off x="1094703" y="965915"/>
+                    <a:ext cx="1249251" cy="837127"/>
+                  </a:xfrm>
+                  <a:prstGeom prst="roundRect">
+                    <a:avLst/>
+                  </a:prstGeom>
+                </p:spPr>
+                <p:style>
+                  <a:lnRef idx="2">
+                    <a:schemeClr val="accent1">
+                      <a:shade val="50000"/>
+                    </a:schemeClr>
+                  </a:lnRef>
+                  <a:fillRef idx="1">
+                    <a:schemeClr val="accent1"/>
+                  </a:fillRef>
+                  <a:effectRef idx="0">
+                    <a:schemeClr val="accent1"/>
+                  </a:effectRef>
+                  <a:fontRef idx="minor">
+                    <a:schemeClr val="lt1"/>
+                  </a:fontRef>
+                </p:style>
+                <p:txBody>
+                  <a:bodyPr rtlCol="0" anchor="ctr"/>
+                  <a:lstStyle/>
+                  <a:p>
+                    <a:pPr algn="ctr"/>
+                    <a:r>
+                      <a:rPr lang="zh-CN" altLang="en-US" dirty="0" smtClean="0"/>
+                      <a:t>网吧主机</a:t>
+                    </a:r>
+                    <a:r>
+                      <a:rPr lang="en-US" altLang="zh-CN" dirty="0" smtClean="0"/>
+                      <a:t>1</a:t>
+                    </a:r>
+                    <a:endParaRPr lang="zh-CN" altLang="en-US" dirty="0"/>
+                  </a:p>
+                </p:txBody>
+              </p:sp>
+              <p:sp>
+                <p:nvSpPr>
+                  <p:cNvPr id="3" name="圆角矩形 2"/>
+                  <p:cNvSpPr/>
+                  <p:nvPr/>
+                </p:nvSpPr>
+                <p:spPr>
+                  <a:xfrm>
+                    <a:off x="1094703" y="2470597"/>
+                    <a:ext cx="1249251" cy="837127"/>
+                  </a:xfrm>
+                  <a:prstGeom prst="roundRect">
+                    <a:avLst/>
+                  </a:prstGeom>
+                </p:spPr>
+                <p:style>
+                  <a:lnRef idx="2">
+                    <a:schemeClr val="accent1">
+                      <a:shade val="50000"/>
+                    </a:schemeClr>
+                  </a:lnRef>
+                  <a:fillRef idx="1">
+                    <a:schemeClr val="accent1"/>
+                  </a:fillRef>
+                  <a:effectRef idx="0">
+                    <a:schemeClr val="accent1"/>
+                  </a:effectRef>
+                  <a:fontRef idx="minor">
+                    <a:schemeClr val="lt1"/>
+                  </a:fontRef>
+                </p:style>
+                <p:txBody>
+                  <a:bodyPr rtlCol="0" anchor="ctr"/>
+                  <a:lstStyle/>
+                  <a:p>
+                    <a:pPr algn="ctr"/>
+                    <a:r>
+                      <a:rPr lang="zh-CN" altLang="en-US" dirty="0" smtClean="0"/>
+                      <a:t>网吧主机</a:t>
+                    </a:r>
+                    <a:r>
+                      <a:rPr lang="en-US" altLang="zh-CN" dirty="0" smtClean="0"/>
+                      <a:t>2</a:t>
+                    </a:r>
+                    <a:endParaRPr lang="zh-CN" altLang="en-US" dirty="0"/>
+                  </a:p>
+                </p:txBody>
+              </p:sp>
+              <p:sp>
+                <p:nvSpPr>
+                  <p:cNvPr id="4" name="圆角矩形 3"/>
+                  <p:cNvSpPr/>
+                  <p:nvPr/>
+                </p:nvSpPr>
+                <p:spPr>
+                  <a:xfrm>
+                    <a:off x="1094703" y="3975279"/>
+                    <a:ext cx="1249251" cy="837127"/>
+                  </a:xfrm>
+                  <a:prstGeom prst="roundRect">
+                    <a:avLst/>
+                  </a:prstGeom>
+                </p:spPr>
+                <p:style>
+                  <a:lnRef idx="2">
+                    <a:schemeClr val="accent1">
+                      <a:shade val="50000"/>
+                    </a:schemeClr>
+                  </a:lnRef>
+                  <a:fillRef idx="1">
+                    <a:schemeClr val="accent1"/>
+                  </a:fillRef>
+                  <a:effectRef idx="0">
+                    <a:schemeClr val="accent1"/>
+                  </a:effectRef>
+                  <a:fontRef idx="minor">
+                    <a:schemeClr val="lt1"/>
+                  </a:fontRef>
+                </p:style>
+                <p:txBody>
+                  <a:bodyPr rtlCol="0" anchor="ctr"/>
+                  <a:lstStyle/>
+                  <a:p>
+                    <a:pPr algn="ctr"/>
+                    <a:r>
+                      <a:rPr lang="zh-CN" altLang="en-US" dirty="0" smtClean="0"/>
+                      <a:t>网吧主机</a:t>
+                    </a:r>
+                    <a:r>
+                      <a:rPr lang="en-US" altLang="zh-CN" dirty="0" smtClean="0"/>
+                      <a:t>3</a:t>
+                    </a:r>
+                    <a:endParaRPr lang="zh-CN" altLang="en-US" dirty="0"/>
+                  </a:p>
+                </p:txBody>
+              </p:sp>
+              <p:sp>
+                <p:nvSpPr>
+                  <p:cNvPr id="5" name="圆角矩形 4"/>
+                  <p:cNvSpPr/>
+                  <p:nvPr/>
+                </p:nvSpPr>
+                <p:spPr>
+                  <a:xfrm>
+                    <a:off x="4970171" y="2470596"/>
+                    <a:ext cx="1249251" cy="837127"/>
+                  </a:xfrm>
+                  <a:prstGeom prst="roundRect">
+                    <a:avLst/>
+                  </a:prstGeom>
+                </p:spPr>
+                <p:style>
+                  <a:lnRef idx="2">
+                    <a:schemeClr val="accent1">
+                      <a:shade val="50000"/>
+                    </a:schemeClr>
+                  </a:lnRef>
+                  <a:fillRef idx="1">
+                    <a:schemeClr val="accent1"/>
+                  </a:fillRef>
+                  <a:effectRef idx="0">
+                    <a:schemeClr val="accent1"/>
+                  </a:effectRef>
+                  <a:fontRef idx="minor">
+                    <a:schemeClr val="lt1"/>
+                  </a:fontRef>
+                </p:style>
+                <p:txBody>
+                  <a:bodyPr rot="0" spcFirstLastPara="0" vert="horz" wrap="square" lIns="91440" tIns="45720" rIns="91440" bIns="45720" numCol="1" spcCol="0" rtlCol="0" fromWordArt="0" anchor="ctr" anchorCtr="0" forceAA="0" compatLnSpc="1">
+                    <a:prstTxWarp prst="textNoShape">
+                      <a:avLst/>
+                    </a:prstTxWarp>
+                    <a:noAutofit/>
+                  </a:bodyPr>
+                  <a:lstStyle>
+                    <a:defPPr>
+                      <a:defRPr lang="zh-CN"/>
+                    </a:defPPr>
+                    <a:lvl1pPr marL="0" algn="l" defTabSz="914400" rtl="0" eaLnBrk="1" latinLnBrk="0" hangingPunct="1">
+                      <a:defRPr sz="1800" kern="1200">
+                        <a:solidFill>
+                          <a:schemeClr val="lt1"/>
+                        </a:solidFill>
+                        <a:latin typeface="+mn-lt"/>
+                        <a:ea typeface="+mn-ea"/>
+                        <a:cs typeface="+mn-cs"/>
+                      </a:defRPr>
+                    </a:lvl1pPr>
+                    <a:lvl2pPr marL="457200" algn="l" defTabSz="914400" rtl="0" eaLnBrk="1" latinLnBrk="0" hangingPunct="1">
+                      <a:defRPr sz="1800" kern="1200">
+                        <a:solidFill>
+                          <a:schemeClr val="lt1"/>
+                        </a:solidFill>
+                        <a:latin typeface="+mn-lt"/>
+                        <a:ea typeface="+mn-ea"/>
+                        <a:cs typeface="+mn-cs"/>
+                      </a:defRPr>
+                    </a:lvl2pPr>
+                    <a:lvl3pPr marL="914400" algn="l" defTabSz="914400" rtl="0" eaLnBrk="1" latinLnBrk="0" hangingPunct="1">
+                      <a:defRPr sz="1800" kern="1200">
+                        <a:solidFill>
+                          <a:schemeClr val="lt1"/>
+                        </a:solidFill>
+                        <a:latin typeface="+mn-lt"/>
+                        <a:ea typeface="+mn-ea"/>
+                        <a:cs typeface="+mn-cs"/>
+                      </a:defRPr>
+                    </a:lvl3pPr>
+                    <a:lvl4pPr marL="1371600" algn="l" defTabSz="914400" rtl="0" eaLnBrk="1" latinLnBrk="0" hangingPunct="1">
+                      <a:defRPr sz="1800" kern="1200">
+                        <a:solidFill>
+                          <a:schemeClr val="lt1"/>
+                        </a:solidFill>
+                        <a:latin typeface="+mn-lt"/>
+                        <a:ea typeface="+mn-ea"/>
+                        <a:cs typeface="+mn-cs"/>
+                      </a:defRPr>
+                    </a:lvl4pPr>
+                    <a:lvl5pPr marL="1828800" algn="l" defTabSz="914400" rtl="0" eaLnBrk="1" latinLnBrk="0" hangingPunct="1">
+                      <a:defRPr sz="1800" kern="1200">
+                        <a:solidFill>
+                          <a:schemeClr val="lt1"/>
+                        </a:solidFill>
+                        <a:latin typeface="+mn-lt"/>
+                        <a:ea typeface="+mn-ea"/>
+                        <a:cs typeface="+mn-cs"/>
+                      </a:defRPr>
+                    </a:lvl5pPr>
+                    <a:lvl6pPr marL="2286000" algn="l" defTabSz="914400" rtl="0" eaLnBrk="1" latinLnBrk="0" hangingPunct="1">
+                      <a:defRPr sz="1800" kern="1200">
+                        <a:solidFill>
+                          <a:schemeClr val="lt1"/>
+                        </a:solidFill>
+                        <a:latin typeface="+mn-lt"/>
+                        <a:ea typeface="+mn-ea"/>
+                        <a:cs typeface="+mn-cs"/>
+                      </a:defRPr>
+                    </a:lvl6pPr>
+                    <a:lvl7pPr marL="2743200" algn="l" defTabSz="914400" rtl="0" eaLnBrk="1" latinLnBrk="0" hangingPunct="1">
+                      <a:defRPr sz="1800" kern="1200">
+                        <a:solidFill>
+                          <a:schemeClr val="lt1"/>
+                        </a:solidFill>
+                        <a:latin typeface="+mn-lt"/>
+                        <a:ea typeface="+mn-ea"/>
+                        <a:cs typeface="+mn-cs"/>
+                      </a:defRPr>
+                    </a:lvl7pPr>
+                    <a:lvl8pPr marL="3200400" algn="l" defTabSz="914400" rtl="0" eaLnBrk="1" latinLnBrk="0" hangingPunct="1">
+                      <a:defRPr sz="1800" kern="1200">
+                        <a:solidFill>
+                          <a:schemeClr val="lt1"/>
+                        </a:solidFill>
+                        <a:latin typeface="+mn-lt"/>
+                        <a:ea typeface="+mn-ea"/>
+                        <a:cs typeface="+mn-cs"/>
+                      </a:defRPr>
+                    </a:lvl8pPr>
+                    <a:lvl9pPr marL="3657600" algn="l" defTabSz="914400" rtl="0" eaLnBrk="1" latinLnBrk="0" hangingPunct="1">
+                      <a:defRPr sz="1800" kern="1200">
+                        <a:solidFill>
+                          <a:schemeClr val="lt1"/>
+                        </a:solidFill>
+                        <a:latin typeface="+mn-lt"/>
+                        <a:ea typeface="+mn-ea"/>
+                        <a:cs typeface="+mn-cs"/>
+                      </a:defRPr>
+                    </a:lvl9pPr>
+                  </a:lstStyle>
+                  <a:p>
+                    <a:pPr algn="ctr"/>
+                    <a:r>
+                      <a:rPr lang="zh-CN" altLang="en-US" dirty="0" smtClean="0"/>
+                      <a:t>网管主机</a:t>
+                    </a:r>
+                    <a:endParaRPr lang="zh-CN" altLang="en-US" dirty="0"/>
+                  </a:p>
+                </p:txBody>
+              </p:sp>
+              <p:sp>
+                <p:nvSpPr>
+                  <p:cNvPr id="7" name="圆角矩形 6"/>
+                  <p:cNvSpPr/>
+                  <p:nvPr/>
+                </p:nvSpPr>
+                <p:spPr>
+                  <a:xfrm>
+                    <a:off x="8845639" y="2470597"/>
+                    <a:ext cx="1249251" cy="837127"/>
+                  </a:xfrm>
+                  <a:prstGeom prst="roundRect">
+                    <a:avLst/>
+                  </a:prstGeom>
+                </p:spPr>
+                <p:style>
+                  <a:lnRef idx="2">
+                    <a:schemeClr val="accent1">
+                      <a:shade val="50000"/>
+                    </a:schemeClr>
+                  </a:lnRef>
+                  <a:fillRef idx="1">
+                    <a:schemeClr val="accent1"/>
+                  </a:fillRef>
+                  <a:effectRef idx="0">
+                    <a:schemeClr val="accent1"/>
+                  </a:effectRef>
+                  <a:fontRef idx="minor">
+                    <a:schemeClr val="lt1"/>
+                  </a:fontRef>
+                </p:style>
+                <p:txBody>
+                  <a:bodyPr rtlCol="0" anchor="ctr"/>
+                  <a:lstStyle/>
+                  <a:p>
+                    <a:pPr algn="ctr"/>
+                    <a:r>
+                      <a:rPr lang="zh-CN" altLang="en-US" dirty="0" smtClean="0"/>
+                      <a:t>目标服务器</a:t>
+                    </a:r>
+                    <a:endParaRPr lang="zh-CN" altLang="en-US" dirty="0"/>
+                  </a:p>
+                </p:txBody>
+              </p:sp>
+              <p:cxnSp>
+                <p:nvCxnSpPr>
+                  <p:cNvPr id="9" name="直接箭头连接符 8"/>
+                  <p:cNvCxnSpPr/>
+                  <p:nvPr/>
+                </p:nvCxnSpPr>
+                <p:spPr>
+                  <a:xfrm flipV="1">
+                    <a:off x="2459864" y="3307723"/>
+                    <a:ext cx="2369713" cy="1035608"/>
+                  </a:xfrm>
+                  <a:prstGeom prst="straightConnector1">
+                    <a:avLst/>
+                  </a:prstGeom>
+                  <a:ln w="28575">
+                    <a:solidFill>
+                      <a:srgbClr val="FF0000"/>
+                    </a:solidFill>
+                    <a:tailEnd type="triangle"/>
+                  </a:ln>
+                </p:spPr>
+                <p:style>
+                  <a:lnRef idx="1">
+                    <a:schemeClr val="accent1"/>
+                  </a:lnRef>
+                  <a:fillRef idx="0">
+                    <a:schemeClr val="accent1"/>
+                  </a:fillRef>
+                  <a:effectRef idx="0">
+                    <a:schemeClr val="accent1"/>
+                  </a:effectRef>
+                  <a:fontRef idx="minor">
+                    <a:schemeClr val="tx1"/>
+                  </a:fontRef>
+                </p:style>
+              </p:cxnSp>
+              <p:cxnSp>
+                <p:nvCxnSpPr>
+                  <p:cNvPr id="10" name="直接箭头连接符 9"/>
+                  <p:cNvCxnSpPr/>
+                  <p:nvPr/>
+                </p:nvCxnSpPr>
+                <p:spPr>
+                  <a:xfrm>
+                    <a:off x="2524259" y="2912166"/>
+                    <a:ext cx="2189408" cy="53192"/>
+                  </a:xfrm>
+                  <a:prstGeom prst="straightConnector1">
+                    <a:avLst/>
+                  </a:prstGeom>
+                  <a:ln w="28575">
+                    <a:solidFill>
+                      <a:srgbClr val="FF0000"/>
+                    </a:solidFill>
+                    <a:tailEnd type="triangle"/>
+                  </a:ln>
+                </p:spPr>
+                <p:style>
+                  <a:lnRef idx="1">
+                    <a:schemeClr val="accent1"/>
+                  </a:lnRef>
+                  <a:fillRef idx="0">
+                    <a:schemeClr val="accent1"/>
+                  </a:fillRef>
+                  <a:effectRef idx="0">
+                    <a:schemeClr val="accent1"/>
+                  </a:effectRef>
+                  <a:fontRef idx="minor">
+                    <a:schemeClr val="tx1"/>
+                  </a:fontRef>
+                </p:style>
+              </p:cxnSp>
+              <p:cxnSp>
+                <p:nvCxnSpPr>
+                  <p:cNvPr id="11" name="直接箭头连接符 10"/>
+                  <p:cNvCxnSpPr/>
+                  <p:nvPr/>
+                </p:nvCxnSpPr>
+                <p:spPr>
+                  <a:xfrm>
+                    <a:off x="2524259" y="1493949"/>
+                    <a:ext cx="2215166" cy="1146219"/>
+                  </a:xfrm>
+                  <a:prstGeom prst="straightConnector1">
+                    <a:avLst/>
+                  </a:prstGeom>
+                  <a:ln w="28575">
+                    <a:solidFill>
+                      <a:srgbClr val="FF0000"/>
+                    </a:solidFill>
+                    <a:tailEnd type="triangle"/>
+                  </a:ln>
+                </p:spPr>
+                <p:style>
+                  <a:lnRef idx="1">
+                    <a:schemeClr val="accent1"/>
+                  </a:lnRef>
+                  <a:fillRef idx="0">
+                    <a:schemeClr val="accent1"/>
+                  </a:fillRef>
+                  <a:effectRef idx="0">
+                    <a:schemeClr val="accent1"/>
+                  </a:effectRef>
+                  <a:fontRef idx="minor">
+                    <a:schemeClr val="tx1"/>
+                  </a:fontRef>
+                </p:style>
+              </p:cxnSp>
+              <p:cxnSp>
+                <p:nvCxnSpPr>
+                  <p:cNvPr id="21" name="直接箭头连接符 20"/>
+                  <p:cNvCxnSpPr/>
+                  <p:nvPr/>
+                </p:nvCxnSpPr>
+                <p:spPr>
+                  <a:xfrm flipV="1">
+                    <a:off x="6360016" y="2889160"/>
+                    <a:ext cx="2369713" cy="17242"/>
+                  </a:xfrm>
+                  <a:prstGeom prst="straightConnector1">
+                    <a:avLst/>
+                  </a:prstGeom>
+                  <a:ln w="28575">
+                    <a:solidFill>
+                      <a:srgbClr val="FF0000"/>
+                    </a:solidFill>
+                    <a:tailEnd type="triangle"/>
+                  </a:ln>
+                </p:spPr>
+                <p:style>
+                  <a:lnRef idx="1">
+                    <a:schemeClr val="accent1"/>
+                  </a:lnRef>
+                  <a:fillRef idx="0">
+                    <a:schemeClr val="accent1"/>
+                  </a:fillRef>
+                  <a:effectRef idx="0">
+                    <a:schemeClr val="accent1"/>
+                  </a:effectRef>
+                  <a:fontRef idx="minor">
+                    <a:schemeClr val="tx1"/>
+                  </a:fontRef>
+                </p:style>
+              </p:cxnSp>
+            </p:grpSp>
+            <p:sp>
+              <p:nvSpPr>
+                <p:cNvPr id="25" name="文本框 24"/>
+                <p:cNvSpPr txBox="1"/>
+                <p:nvPr/>
+              </p:nvSpPr>
+              <p:spPr>
+                <a:xfrm>
+                  <a:off x="3157107" y="1478015"/>
+                  <a:ext cx="646331" cy="369332"/>
+                </a:xfrm>
+                <a:prstGeom prst="rect">
+                  <a:avLst/>
+                </a:prstGeom>
+                <a:noFill/>
+              </p:spPr>
+              <p:txBody>
+                <a:bodyPr wrap="none" rtlCol="0">
+                  <a:spAutoFit/>
+                </a:bodyPr>
+                <a:lstStyle/>
+                <a:p>
+                  <a:r>
+                    <a:rPr lang="zh-CN" altLang="en-US" dirty="0" smtClean="0"/>
+                    <a:t>请求</a:t>
+                  </a:r>
+                  <a:endParaRPr lang="zh-CN" altLang="en-US" dirty="0"/>
+                </a:p>
+              </p:txBody>
+            </p:sp>
+            <p:sp>
+              <p:nvSpPr>
+                <p:cNvPr id="26" name="文本框 25"/>
+                <p:cNvSpPr txBox="1"/>
+                <p:nvPr/>
+              </p:nvSpPr>
+              <p:spPr>
+                <a:xfrm>
+                  <a:off x="2993800" y="4009414"/>
+                  <a:ext cx="646331" cy="369332"/>
+                </a:xfrm>
+                <a:prstGeom prst="rect">
+                  <a:avLst/>
+                </a:prstGeom>
+                <a:noFill/>
+              </p:spPr>
+              <p:txBody>
+                <a:bodyPr wrap="none" rtlCol="0">
+                  <a:spAutoFit/>
+                </a:bodyPr>
+                <a:lstStyle/>
+                <a:p>
+                  <a:r>
+                    <a:rPr lang="zh-CN" altLang="en-US" dirty="0" smtClean="0"/>
+                    <a:t>请求</a:t>
+                  </a:r>
+                  <a:endParaRPr lang="zh-CN" altLang="en-US" dirty="0"/>
+                </a:p>
+              </p:txBody>
+            </p:sp>
+            <p:sp>
+              <p:nvSpPr>
+                <p:cNvPr id="27" name="文本框 26"/>
+                <p:cNvSpPr txBox="1"/>
+                <p:nvPr/>
+              </p:nvSpPr>
+              <p:spPr>
+                <a:xfrm>
+                  <a:off x="3010074" y="2804167"/>
+                  <a:ext cx="646331" cy="369332"/>
+                </a:xfrm>
+                <a:prstGeom prst="rect">
+                  <a:avLst/>
+                </a:prstGeom>
+                <a:noFill/>
+              </p:spPr>
+              <p:txBody>
+                <a:bodyPr wrap="none" rtlCol="0">
+                  <a:spAutoFit/>
+                </a:bodyPr>
+                <a:lstStyle/>
+                <a:p>
+                  <a:r>
+                    <a:rPr lang="zh-CN" altLang="en-US" dirty="0" smtClean="0"/>
+                    <a:t>请求</a:t>
+                  </a:r>
+                  <a:endParaRPr lang="zh-CN" altLang="en-US" dirty="0"/>
+                </a:p>
+              </p:txBody>
+            </p:sp>
+            <p:sp>
+              <p:nvSpPr>
+                <p:cNvPr id="28" name="文本框 27"/>
+                <p:cNvSpPr txBox="1"/>
+                <p:nvPr/>
+              </p:nvSpPr>
+              <p:spPr>
+                <a:xfrm>
+                  <a:off x="6849413" y="2793434"/>
+                  <a:ext cx="1107996" cy="369332"/>
+                </a:xfrm>
+                <a:prstGeom prst="rect">
+                  <a:avLst/>
+                </a:prstGeom>
+                <a:noFill/>
+              </p:spPr>
+              <p:txBody>
+                <a:bodyPr wrap="none" rtlCol="0">
+                  <a:spAutoFit/>
+                </a:bodyPr>
+                <a:lstStyle/>
+                <a:p>
+                  <a:r>
+                    <a:rPr lang="zh-CN" altLang="en-US" dirty="0" smtClean="0"/>
+                    <a:t>转发请求</a:t>
+                  </a:r>
+                  <a:endParaRPr lang="zh-CN" altLang="en-US" dirty="0"/>
+                </a:p>
+              </p:txBody>
+            </p:sp>
+            <p:sp>
+              <p:nvSpPr>
+                <p:cNvPr id="29" name="文本框 28"/>
+                <p:cNvSpPr txBox="1"/>
+                <p:nvPr/>
+              </p:nvSpPr>
+              <p:spPr>
+                <a:xfrm>
+                  <a:off x="5330415" y="3828172"/>
+                  <a:ext cx="1800493" cy="369332"/>
+                </a:xfrm>
+                <a:prstGeom prst="rect">
+                  <a:avLst/>
+                </a:prstGeom>
+                <a:noFill/>
+              </p:spPr>
+              <p:txBody>
+                <a:bodyPr wrap="none" rtlCol="0">
+                  <a:spAutoFit/>
+                </a:bodyPr>
+                <a:lstStyle/>
+                <a:p>
+                  <a:r>
+                    <a:rPr lang="zh-CN" altLang="en-US" dirty="0" smtClean="0"/>
+                    <a:t>正向代理服务器</a:t>
+                  </a:r>
+                  <a:endParaRPr lang="zh-CN" altLang="en-US" dirty="0"/>
+                </a:p>
+              </p:txBody>
+            </p:sp>
+          </p:grpSp>
+          <p:cxnSp>
+            <p:nvCxnSpPr>
+              <p:cNvPr id="34" name="直接箭头连接符 33"/>
+              <p:cNvCxnSpPr/>
+              <p:nvPr/>
+            </p:nvCxnSpPr>
+            <p:spPr>
+              <a:xfrm flipH="1" flipV="1">
+                <a:off x="2973945" y="1927469"/>
+                <a:ext cx="2164724" cy="1118041"/>
+              </a:xfrm>
+              <a:prstGeom prst="straightConnector1">
+                <a:avLst/>
+              </a:prstGeom>
+              <a:ln w="28575">
+                <a:solidFill>
+                  <a:srgbClr val="00B050"/>
+                </a:solidFill>
+                <a:tailEnd type="triangle"/>
+              </a:ln>
+            </p:spPr>
+            <p:style>
+              <a:lnRef idx="1">
+                <a:schemeClr val="accent1"/>
+              </a:lnRef>
+              <a:fillRef idx="0">
+                <a:schemeClr val="accent1"/>
+              </a:fillRef>
+              <a:effectRef idx="0">
+                <a:schemeClr val="accent1"/>
+              </a:effectRef>
+              <a:fontRef idx="minor">
+                <a:schemeClr val="tx1"/>
+              </a:fontRef>
+            </p:style>
+          </p:cxnSp>
+          <p:cxnSp>
+            <p:nvCxnSpPr>
+              <p:cNvPr id="38" name="直接箭头连接符 37"/>
+              <p:cNvCxnSpPr/>
+              <p:nvPr/>
+            </p:nvCxnSpPr>
+            <p:spPr>
+              <a:xfrm flipH="1">
+                <a:off x="3025097" y="3785176"/>
+                <a:ext cx="2305318" cy="1041180"/>
+              </a:xfrm>
+              <a:prstGeom prst="straightConnector1">
+                <a:avLst/>
+              </a:prstGeom>
+              <a:ln w="28575">
+                <a:solidFill>
+                  <a:srgbClr val="00B050"/>
+                </a:solidFill>
+                <a:tailEnd type="triangle"/>
+              </a:ln>
+            </p:spPr>
+            <p:style>
+              <a:lnRef idx="1">
+                <a:schemeClr val="accent1"/>
+              </a:lnRef>
+              <a:fillRef idx="0">
+                <a:schemeClr val="accent1"/>
+              </a:fillRef>
+              <a:effectRef idx="0">
+                <a:schemeClr val="accent1"/>
+              </a:effectRef>
+              <a:fontRef idx="minor">
+                <a:schemeClr val="tx1"/>
+              </a:fontRef>
+            </p:style>
+          </p:cxnSp>
+          <p:cxnSp>
+            <p:nvCxnSpPr>
+              <p:cNvPr id="39" name="直接箭头连接符 38"/>
+              <p:cNvCxnSpPr/>
+              <p:nvPr/>
+            </p:nvCxnSpPr>
+            <p:spPr>
+              <a:xfrm flipH="1">
+                <a:off x="6811313" y="3426851"/>
+                <a:ext cx="2407813" cy="10197"/>
+              </a:xfrm>
+              <a:prstGeom prst="straightConnector1">
+                <a:avLst/>
+              </a:prstGeom>
+              <a:ln w="28575">
+                <a:solidFill>
+                  <a:srgbClr val="00B050"/>
+                </a:solidFill>
+                <a:tailEnd type="triangle"/>
+              </a:ln>
+            </p:spPr>
+            <p:style>
+              <a:lnRef idx="1">
+                <a:schemeClr val="accent1"/>
+              </a:lnRef>
+              <a:fillRef idx="0">
+                <a:schemeClr val="accent1"/>
+              </a:fillRef>
+              <a:effectRef idx="0">
+                <a:schemeClr val="accent1"/>
+              </a:effectRef>
+              <a:fontRef idx="minor">
+                <a:schemeClr val="tx1"/>
+              </a:fontRef>
+            </p:style>
+          </p:cxnSp>
+          <p:cxnSp>
+            <p:nvCxnSpPr>
+              <p:cNvPr id="40" name="直接箭头连接符 39"/>
+              <p:cNvCxnSpPr/>
+              <p:nvPr/>
+            </p:nvCxnSpPr>
+            <p:spPr>
+              <a:xfrm flipH="1" flipV="1">
+                <a:off x="2993800" y="3426851"/>
+                <a:ext cx="2209264" cy="20395"/>
+              </a:xfrm>
+              <a:prstGeom prst="straightConnector1">
+                <a:avLst/>
+              </a:prstGeom>
+              <a:ln w="28575">
+                <a:solidFill>
+                  <a:srgbClr val="00B050"/>
+                </a:solidFill>
+                <a:tailEnd type="triangle"/>
+              </a:ln>
+            </p:spPr>
+            <p:style>
+              <a:lnRef idx="1">
+                <a:schemeClr val="accent1"/>
+              </a:lnRef>
+              <a:fillRef idx="0">
+                <a:schemeClr val="accent1"/>
+              </a:fillRef>
+              <a:effectRef idx="0">
+                <a:schemeClr val="accent1"/>
+              </a:effectRef>
+              <a:fontRef idx="minor">
+                <a:schemeClr val="tx1"/>
+              </a:fontRef>
+            </p:style>
+          </p:cxnSp>
+          <p:sp>
+            <p:nvSpPr>
+              <p:cNvPr id="49" name="文本框 48"/>
+              <p:cNvSpPr txBox="1"/>
+              <p:nvPr/>
+            </p:nvSpPr>
+            <p:spPr>
+              <a:xfrm>
+                <a:off x="4273039" y="3437048"/>
+                <a:ext cx="646331" cy="369332"/>
+              </a:xfrm>
+              <a:prstGeom prst="rect">
+                <a:avLst/>
+              </a:prstGeom>
+              <a:noFill/>
+            </p:spPr>
+            <p:txBody>
+              <a:bodyPr wrap="none" rtlCol="0">
+                <a:spAutoFit/>
+              </a:bodyPr>
+              <a:lstStyle/>
+              <a:p>
+                <a:r>
+                  <a:rPr lang="zh-CN" altLang="en-US" dirty="0" smtClean="0"/>
+                  <a:t>响应</a:t>
+                </a:r>
+                <a:endParaRPr lang="zh-CN" altLang="en-US" dirty="0"/>
+              </a:p>
+            </p:txBody>
+          </p:sp>
+          <p:sp>
+            <p:nvSpPr>
+              <p:cNvPr id="50" name="文本框 49"/>
+              <p:cNvSpPr txBox="1"/>
+              <p:nvPr/>
+            </p:nvSpPr>
+            <p:spPr>
+              <a:xfrm>
+                <a:off x="8572795" y="3479580"/>
+                <a:ext cx="646331" cy="369332"/>
+              </a:xfrm>
+              <a:prstGeom prst="rect">
+                <a:avLst/>
+              </a:prstGeom>
+              <a:noFill/>
+            </p:spPr>
+            <p:txBody>
+              <a:bodyPr wrap="none" rtlCol="0">
+                <a:spAutoFit/>
+              </a:bodyPr>
+              <a:lstStyle/>
+              <a:p>
+                <a:r>
+                  <a:rPr lang="zh-CN" altLang="en-US" dirty="0" smtClean="0"/>
+                  <a:t>响应</a:t>
+                </a:r>
+                <a:endParaRPr lang="zh-CN" altLang="en-US" dirty="0"/>
+              </a:p>
+            </p:txBody>
+          </p:sp>
+          <p:sp>
+            <p:nvSpPr>
+              <p:cNvPr id="51" name="文本框 50"/>
+              <p:cNvSpPr txBox="1"/>
+              <p:nvPr/>
+            </p:nvSpPr>
+            <p:spPr>
+              <a:xfrm>
+                <a:off x="4259325" y="2828047"/>
+                <a:ext cx="646331" cy="369332"/>
+              </a:xfrm>
+              <a:prstGeom prst="rect">
+                <a:avLst/>
+              </a:prstGeom>
+              <a:noFill/>
+            </p:spPr>
+            <p:txBody>
+              <a:bodyPr wrap="none" rtlCol="0">
+                <a:spAutoFit/>
+              </a:bodyPr>
+              <a:lstStyle/>
+              <a:p>
+                <a:r>
+                  <a:rPr lang="zh-CN" altLang="en-US" dirty="0" smtClean="0"/>
+                  <a:t>响应</a:t>
+                </a:r>
+                <a:endParaRPr lang="zh-CN" altLang="en-US" dirty="0"/>
+              </a:p>
+            </p:txBody>
+          </p:sp>
+          <p:sp>
+            <p:nvSpPr>
+              <p:cNvPr id="52" name="文本框 51"/>
+              <p:cNvSpPr txBox="1"/>
+              <p:nvPr/>
+            </p:nvSpPr>
+            <p:spPr>
+              <a:xfrm>
+                <a:off x="4582491" y="4028689"/>
+                <a:ext cx="646331" cy="369332"/>
+              </a:xfrm>
+              <a:prstGeom prst="rect">
+                <a:avLst/>
+              </a:prstGeom>
+              <a:noFill/>
+            </p:spPr>
+            <p:txBody>
+              <a:bodyPr wrap="none" rtlCol="0">
+                <a:spAutoFit/>
+              </a:bodyPr>
+              <a:lstStyle/>
+              <a:p>
+                <a:r>
+                  <a:rPr lang="zh-CN" altLang="en-US" dirty="0" smtClean="0"/>
+                  <a:t>响应</a:t>
+                </a:r>
+                <a:endParaRPr lang="zh-CN" altLang="en-US" dirty="0"/>
+              </a:p>
+            </p:txBody>
+          </p:sp>
+        </p:grpSp>
+        <p:sp>
+          <p:nvSpPr>
+            <p:cNvPr id="54" name="文本框 53"/>
+            <p:cNvSpPr txBox="1"/>
+            <p:nvPr/>
+          </p:nvSpPr>
+          <p:spPr>
+            <a:xfrm>
+              <a:off x="1741289" y="5357611"/>
+              <a:ext cx="934871" cy="646331"/>
+            </a:xfrm>
+            <a:prstGeom prst="rect">
+              <a:avLst/>
+            </a:prstGeom>
+            <a:noFill/>
+          </p:spPr>
+          <p:txBody>
+            <a:bodyPr wrap="none" rtlCol="0">
+              <a:spAutoFit/>
+            </a:bodyPr>
+            <a:lstStyle/>
+            <a:p>
+              <a:r>
+                <a:rPr lang="en-US" altLang="zh-CN" sz="3600" b="1" dirty="0" smtClean="0"/>
+                <a:t>……</a:t>
+              </a:r>
+              <a:endParaRPr lang="zh-CN" altLang="en-US" sz="3600" b="1" dirty="0"/>
+            </a:p>
+          </p:txBody>
+        </p:sp>
+      </p:grpSp>
+    </p:spTree>
+    <p:extLst>
+      <p:ext uri="{BB962C8B-B14F-4D97-AF65-F5344CB8AC3E}">
+        <p14:creationId xmlns:p14="http://schemas.microsoft.com/office/powerpoint/2010/main" val="1990078466"/>
+      </p:ext>
+    </p:extLst>
+  </p:cSld>
+  <p:clrMapOvr>
+    <a:masterClrMapping/>
+  </p:clrMapOvr>
+</p:sld>
+</file>
+
+<file path=ppt/slides/slide7.xml><?xml version="1.0" encoding="utf-8"?>
+<p:sld xmlns:a="http://schemas.openxmlformats.org/drawingml/2006/main" xmlns:r="http://schemas.openxmlformats.org/officeDocument/2006/relationships" xmlns:p="http://schemas.openxmlformats.org/presentationml/2006/main">
+  <p:cSld>
+    <p:spTree>
+      <p:nvGrpSpPr>
+        <p:cNvPr id="1" name=""/>
+        <p:cNvGrpSpPr/>
+        <p:nvPr/>
+      </p:nvGrpSpPr>
+      <p:grpSpPr>
+        <a:xfrm>
+          <a:off x="0" y="0"/>
+          <a:ext cx="0" cy="0"/>
+          <a:chOff x="0" y="0"/>
+          <a:chExt cx="0" cy="0"/>
+        </a:xfrm>
+      </p:grpSpPr>
+      <p:grpSp>
+        <p:nvGrpSpPr>
+          <p:cNvPr id="8" name="组合 7"/>
+          <p:cNvGrpSpPr/>
+          <p:nvPr/>
+        </p:nvGrpSpPr>
+        <p:grpSpPr>
+          <a:xfrm>
+            <a:off x="1116973" y="601015"/>
+            <a:ext cx="9467314" cy="5563673"/>
+            <a:chOff x="1116973" y="601015"/>
+            <a:chExt cx="9467314" cy="5563673"/>
+          </a:xfrm>
+        </p:grpSpPr>
+        <p:grpSp>
+          <p:nvGrpSpPr>
+            <p:cNvPr id="55" name="组合 54"/>
+            <p:cNvGrpSpPr/>
+            <p:nvPr/>
+          </p:nvGrpSpPr>
+          <p:grpSpPr>
+            <a:xfrm>
+              <a:off x="1584100" y="1210614"/>
+              <a:ext cx="9000187" cy="4728934"/>
+              <a:chOff x="1584100" y="1275008"/>
+              <a:chExt cx="9000187" cy="4728934"/>
+            </a:xfrm>
+          </p:grpSpPr>
+          <p:grpSp>
+            <p:nvGrpSpPr>
+              <p:cNvPr id="53" name="组合 52"/>
+              <p:cNvGrpSpPr/>
+              <p:nvPr/>
+            </p:nvGrpSpPr>
+            <p:grpSpPr>
+              <a:xfrm>
+                <a:off x="1584100" y="1275008"/>
+                <a:ext cx="9000187" cy="3846491"/>
+                <a:chOff x="1584100" y="1275008"/>
+                <a:chExt cx="9000187" cy="3846491"/>
+              </a:xfrm>
+            </p:grpSpPr>
+            <p:grpSp>
+              <p:nvGrpSpPr>
+                <p:cNvPr id="30" name="组合 29"/>
+                <p:cNvGrpSpPr/>
+                <p:nvPr/>
+              </p:nvGrpSpPr>
+              <p:grpSpPr>
+                <a:xfrm>
+                  <a:off x="1584100" y="1275008"/>
+                  <a:ext cx="9000187" cy="3846491"/>
+                  <a:chOff x="1584100" y="1275008"/>
+                  <a:chExt cx="9000187" cy="3846491"/>
+                </a:xfrm>
+              </p:grpSpPr>
+              <p:grpSp>
+                <p:nvGrpSpPr>
+                  <p:cNvPr id="24" name="组合 23"/>
+                  <p:cNvGrpSpPr/>
+                  <p:nvPr/>
+                </p:nvGrpSpPr>
+                <p:grpSpPr>
+                  <a:xfrm>
+                    <a:off x="1584100" y="1275008"/>
+                    <a:ext cx="9000187" cy="3846491"/>
+                    <a:chOff x="1094703" y="965915"/>
+                    <a:chExt cx="9000187" cy="3846491"/>
+                  </a:xfrm>
+                </p:grpSpPr>
+                <p:sp>
+                  <p:nvSpPr>
+                    <p:cNvPr id="2" name="圆角矩形 1"/>
+                    <p:cNvSpPr/>
+                    <p:nvPr/>
+                  </p:nvSpPr>
+                  <p:spPr>
+                    <a:xfrm>
+                      <a:off x="1094703" y="965915"/>
+                      <a:ext cx="1249251" cy="837127"/>
+                    </a:xfrm>
+                    <a:prstGeom prst="roundRect">
+                      <a:avLst/>
+                    </a:prstGeom>
+                  </p:spPr>
+                  <p:style>
+                    <a:lnRef idx="2">
+                      <a:schemeClr val="accent1">
+                        <a:shade val="50000"/>
+                      </a:schemeClr>
+                    </a:lnRef>
+                    <a:fillRef idx="1">
+                      <a:schemeClr val="accent1"/>
+                    </a:fillRef>
+                    <a:effectRef idx="0">
+                      <a:schemeClr val="accent1"/>
+                    </a:effectRef>
+                    <a:fontRef idx="minor">
+                      <a:schemeClr val="lt1"/>
+                    </a:fontRef>
+                  </p:style>
+                  <p:txBody>
+                    <a:bodyPr rtlCol="0" anchor="ctr"/>
+                    <a:lstStyle/>
+                    <a:p>
+                      <a:pPr algn="ctr"/>
+                      <a:r>
+                        <a:rPr lang="zh-CN" altLang="en-US" dirty="0" smtClean="0"/>
+                        <a:t>网吧主机</a:t>
+                      </a:r>
+                      <a:r>
+                        <a:rPr lang="en-US" altLang="zh-CN" dirty="0" smtClean="0"/>
+                        <a:t>1</a:t>
+                      </a:r>
+                      <a:endParaRPr lang="zh-CN" altLang="en-US" dirty="0"/>
+                    </a:p>
+                  </p:txBody>
+                </p:sp>
+                <p:sp>
+                  <p:nvSpPr>
+                    <p:cNvPr id="3" name="圆角矩形 2"/>
+                    <p:cNvSpPr/>
+                    <p:nvPr/>
+                  </p:nvSpPr>
+                  <p:spPr>
+                    <a:xfrm>
+                      <a:off x="1094703" y="2470597"/>
+                      <a:ext cx="1249251" cy="837127"/>
+                    </a:xfrm>
+                    <a:prstGeom prst="roundRect">
+                      <a:avLst/>
+                    </a:prstGeom>
+                  </p:spPr>
+                  <p:style>
+                    <a:lnRef idx="2">
+                      <a:schemeClr val="accent1">
+                        <a:shade val="50000"/>
+                      </a:schemeClr>
+                    </a:lnRef>
+                    <a:fillRef idx="1">
+                      <a:schemeClr val="accent1"/>
+                    </a:fillRef>
+                    <a:effectRef idx="0">
+                      <a:schemeClr val="accent1"/>
+                    </a:effectRef>
+                    <a:fontRef idx="minor">
+                      <a:schemeClr val="lt1"/>
+                    </a:fontRef>
+                  </p:style>
+                  <p:txBody>
+                    <a:bodyPr rtlCol="0" anchor="ctr"/>
+                    <a:lstStyle/>
+                    <a:p>
+                      <a:pPr algn="ctr"/>
+                      <a:r>
+                        <a:rPr lang="zh-CN" altLang="en-US" dirty="0" smtClean="0"/>
+                        <a:t>网吧主机</a:t>
+                      </a:r>
+                      <a:r>
+                        <a:rPr lang="en-US" altLang="zh-CN" dirty="0" smtClean="0"/>
+                        <a:t>2</a:t>
+                      </a:r>
+                      <a:endParaRPr lang="zh-CN" altLang="en-US" dirty="0"/>
+                    </a:p>
+                  </p:txBody>
+                </p:sp>
+                <p:sp>
+                  <p:nvSpPr>
+                    <p:cNvPr id="4" name="圆角矩形 3"/>
+                    <p:cNvSpPr/>
+                    <p:nvPr/>
+                  </p:nvSpPr>
+                  <p:spPr>
+                    <a:xfrm>
+                      <a:off x="1094703" y="3975279"/>
+                      <a:ext cx="1249251" cy="837127"/>
+                    </a:xfrm>
+                    <a:prstGeom prst="roundRect">
+                      <a:avLst/>
+                    </a:prstGeom>
+                  </p:spPr>
+                  <p:style>
+                    <a:lnRef idx="2">
+                      <a:schemeClr val="accent1">
+                        <a:shade val="50000"/>
+                      </a:schemeClr>
+                    </a:lnRef>
+                    <a:fillRef idx="1">
+                      <a:schemeClr val="accent1"/>
+                    </a:fillRef>
+                    <a:effectRef idx="0">
+                      <a:schemeClr val="accent1"/>
+                    </a:effectRef>
+                    <a:fontRef idx="minor">
+                      <a:schemeClr val="lt1"/>
+                    </a:fontRef>
+                  </p:style>
+                  <p:txBody>
+                    <a:bodyPr rtlCol="0" anchor="ctr"/>
+                    <a:lstStyle/>
+                    <a:p>
+                      <a:pPr algn="ctr"/>
+                      <a:r>
+                        <a:rPr lang="zh-CN" altLang="en-US" dirty="0" smtClean="0"/>
+                        <a:t>网吧主机</a:t>
+                      </a:r>
+                      <a:r>
+                        <a:rPr lang="en-US" altLang="zh-CN" dirty="0" smtClean="0"/>
+                        <a:t>3</a:t>
+                      </a:r>
+                      <a:endParaRPr lang="zh-CN" altLang="en-US" dirty="0"/>
+                    </a:p>
+                  </p:txBody>
+                </p:sp>
+                <p:sp>
+                  <p:nvSpPr>
+                    <p:cNvPr id="5" name="圆角矩形 4"/>
+                    <p:cNvSpPr/>
+                    <p:nvPr/>
+                  </p:nvSpPr>
+                  <p:spPr>
+                    <a:xfrm>
+                      <a:off x="4970171" y="2470596"/>
+                      <a:ext cx="1249251" cy="837127"/>
+                    </a:xfrm>
+                    <a:prstGeom prst="roundRect">
+                      <a:avLst/>
+                    </a:prstGeom>
+                  </p:spPr>
+                  <p:style>
+                    <a:lnRef idx="2">
+                      <a:schemeClr val="accent1">
+                        <a:shade val="50000"/>
+                      </a:schemeClr>
+                    </a:lnRef>
+                    <a:fillRef idx="1">
+                      <a:schemeClr val="accent1"/>
+                    </a:fillRef>
+                    <a:effectRef idx="0">
+                      <a:schemeClr val="accent1"/>
+                    </a:effectRef>
+                    <a:fontRef idx="minor">
+                      <a:schemeClr val="lt1"/>
+                    </a:fontRef>
+                  </p:style>
+                  <p:txBody>
+                    <a:bodyPr rot="0" spcFirstLastPara="0" vert="horz" wrap="square" lIns="91440" tIns="45720" rIns="91440" bIns="45720" numCol="1" spcCol="0" rtlCol="0" fromWordArt="0" anchor="ctr" anchorCtr="0" forceAA="0" compatLnSpc="1">
+                      <a:prstTxWarp prst="textNoShape">
+                        <a:avLst/>
+                      </a:prstTxWarp>
+                      <a:noAutofit/>
+                    </a:bodyPr>
+                    <a:lstStyle>
+                      <a:defPPr>
+                        <a:defRPr lang="zh-CN"/>
+                      </a:defPPr>
+                      <a:lvl1pPr marL="0" algn="l" defTabSz="914400" rtl="0" eaLnBrk="1" latinLnBrk="0" hangingPunct="1">
+                        <a:defRPr sz="1800" kern="1200">
+                          <a:solidFill>
+                            <a:schemeClr val="lt1"/>
+                          </a:solidFill>
+                          <a:latin typeface="+mn-lt"/>
+                          <a:ea typeface="+mn-ea"/>
+                          <a:cs typeface="+mn-cs"/>
+                        </a:defRPr>
+                      </a:lvl1pPr>
+                      <a:lvl2pPr marL="457200" algn="l" defTabSz="914400" rtl="0" eaLnBrk="1" latinLnBrk="0" hangingPunct="1">
+                        <a:defRPr sz="1800" kern="1200">
+                          <a:solidFill>
+                            <a:schemeClr val="lt1"/>
+                          </a:solidFill>
+                          <a:latin typeface="+mn-lt"/>
+                          <a:ea typeface="+mn-ea"/>
+                          <a:cs typeface="+mn-cs"/>
+                        </a:defRPr>
+                      </a:lvl2pPr>
+                      <a:lvl3pPr marL="914400" algn="l" defTabSz="914400" rtl="0" eaLnBrk="1" latinLnBrk="0" hangingPunct="1">
+                        <a:defRPr sz="1800" kern="1200">
+                          <a:solidFill>
+                            <a:schemeClr val="lt1"/>
+                          </a:solidFill>
+                          <a:latin typeface="+mn-lt"/>
+                          <a:ea typeface="+mn-ea"/>
+                          <a:cs typeface="+mn-cs"/>
+                        </a:defRPr>
+                      </a:lvl3pPr>
+                      <a:lvl4pPr marL="1371600" algn="l" defTabSz="914400" rtl="0" eaLnBrk="1" latinLnBrk="0" hangingPunct="1">
+                        <a:defRPr sz="1800" kern="1200">
+                          <a:solidFill>
+                            <a:schemeClr val="lt1"/>
+                          </a:solidFill>
+                          <a:latin typeface="+mn-lt"/>
+                          <a:ea typeface="+mn-ea"/>
+                          <a:cs typeface="+mn-cs"/>
+                        </a:defRPr>
+                      </a:lvl4pPr>
+                      <a:lvl5pPr marL="1828800" algn="l" defTabSz="914400" rtl="0" eaLnBrk="1" latinLnBrk="0" hangingPunct="1">
+                        <a:defRPr sz="1800" kern="1200">
+                          <a:solidFill>
+                            <a:schemeClr val="lt1"/>
+                          </a:solidFill>
+                          <a:latin typeface="+mn-lt"/>
+                          <a:ea typeface="+mn-ea"/>
+                          <a:cs typeface="+mn-cs"/>
+                        </a:defRPr>
+                      </a:lvl5pPr>
+                      <a:lvl6pPr marL="2286000" algn="l" defTabSz="914400" rtl="0" eaLnBrk="1" latinLnBrk="0" hangingPunct="1">
+                        <a:defRPr sz="1800" kern="1200">
+                          <a:solidFill>
+                            <a:schemeClr val="lt1"/>
+                          </a:solidFill>
+                          <a:latin typeface="+mn-lt"/>
+                          <a:ea typeface="+mn-ea"/>
+                          <a:cs typeface="+mn-cs"/>
+                        </a:defRPr>
+                      </a:lvl6pPr>
+                      <a:lvl7pPr marL="2743200" algn="l" defTabSz="914400" rtl="0" eaLnBrk="1" latinLnBrk="0" hangingPunct="1">
+                        <a:defRPr sz="1800" kern="1200">
+                          <a:solidFill>
+                            <a:schemeClr val="lt1"/>
+                          </a:solidFill>
+                          <a:latin typeface="+mn-lt"/>
+                          <a:ea typeface="+mn-ea"/>
+                          <a:cs typeface="+mn-cs"/>
+                        </a:defRPr>
+                      </a:lvl7pPr>
+                      <a:lvl8pPr marL="3200400" algn="l" defTabSz="914400" rtl="0" eaLnBrk="1" latinLnBrk="0" hangingPunct="1">
+                        <a:defRPr sz="1800" kern="1200">
+                          <a:solidFill>
+                            <a:schemeClr val="lt1"/>
+                          </a:solidFill>
+                          <a:latin typeface="+mn-lt"/>
+                          <a:ea typeface="+mn-ea"/>
+                          <a:cs typeface="+mn-cs"/>
+                        </a:defRPr>
+                      </a:lvl8pPr>
+                      <a:lvl9pPr marL="3657600" algn="l" defTabSz="914400" rtl="0" eaLnBrk="1" latinLnBrk="0" hangingPunct="1">
+                        <a:defRPr sz="1800" kern="1200">
+                          <a:solidFill>
+                            <a:schemeClr val="lt1"/>
+                          </a:solidFill>
+                          <a:latin typeface="+mn-lt"/>
+                          <a:ea typeface="+mn-ea"/>
+                          <a:cs typeface="+mn-cs"/>
+                        </a:defRPr>
+                      </a:lvl9pPr>
+                    </a:lstStyle>
+                    <a:p>
+                      <a:pPr algn="ctr"/>
+                      <a:r>
+                        <a:rPr lang="zh-CN" altLang="en-US" dirty="0" smtClean="0"/>
+                        <a:t>网管主机</a:t>
+                      </a:r>
+                      <a:endParaRPr lang="zh-CN" altLang="en-US" dirty="0"/>
+                    </a:p>
+                  </p:txBody>
+                </p:sp>
+                <p:sp>
+                  <p:nvSpPr>
+                    <p:cNvPr id="7" name="圆角矩形 6"/>
+                    <p:cNvSpPr/>
+                    <p:nvPr/>
+                  </p:nvSpPr>
+                  <p:spPr>
+                    <a:xfrm>
+                      <a:off x="8845639" y="2470597"/>
+                      <a:ext cx="1249251" cy="837127"/>
+                    </a:xfrm>
+                    <a:prstGeom prst="roundRect">
+                      <a:avLst/>
+                    </a:prstGeom>
+                  </p:spPr>
+                  <p:style>
+                    <a:lnRef idx="2">
+                      <a:schemeClr val="accent1">
+                        <a:shade val="50000"/>
+                      </a:schemeClr>
+                    </a:lnRef>
+                    <a:fillRef idx="1">
+                      <a:schemeClr val="accent1"/>
+                    </a:fillRef>
+                    <a:effectRef idx="0">
+                      <a:schemeClr val="accent1"/>
+                    </a:effectRef>
+                    <a:fontRef idx="minor">
+                      <a:schemeClr val="lt1"/>
+                    </a:fontRef>
+                  </p:style>
+                  <p:txBody>
+                    <a:bodyPr rtlCol="0" anchor="ctr"/>
+                    <a:lstStyle/>
+                    <a:p>
+                      <a:pPr algn="ctr"/>
+                      <a:r>
+                        <a:rPr lang="zh-CN" altLang="en-US" dirty="0" smtClean="0"/>
+                        <a:t>目标服务器</a:t>
+                      </a:r>
+                      <a:endParaRPr lang="zh-CN" altLang="en-US" dirty="0"/>
+                    </a:p>
+                  </p:txBody>
+                </p:sp>
+                <p:cxnSp>
+                  <p:nvCxnSpPr>
+                    <p:cNvPr id="9" name="直接箭头连接符 8"/>
+                    <p:cNvCxnSpPr/>
+                    <p:nvPr/>
+                  </p:nvCxnSpPr>
+                  <p:spPr>
+                    <a:xfrm flipV="1">
+                      <a:off x="2459864" y="3307723"/>
+                      <a:ext cx="2369713" cy="1035608"/>
+                    </a:xfrm>
+                    <a:prstGeom prst="straightConnector1">
+                      <a:avLst/>
+                    </a:prstGeom>
+                    <a:ln w="28575">
+                      <a:solidFill>
+                        <a:srgbClr val="FF0000"/>
+                      </a:solidFill>
+                      <a:tailEnd type="triangle"/>
+                    </a:ln>
+                  </p:spPr>
+                  <p:style>
+                    <a:lnRef idx="1">
+                      <a:schemeClr val="accent1"/>
+                    </a:lnRef>
+                    <a:fillRef idx="0">
+                      <a:schemeClr val="accent1"/>
+                    </a:fillRef>
+                    <a:effectRef idx="0">
+                      <a:schemeClr val="accent1"/>
+                    </a:effectRef>
+                    <a:fontRef idx="minor">
+                      <a:schemeClr val="tx1"/>
+                    </a:fontRef>
+                  </p:style>
+                </p:cxnSp>
+                <p:cxnSp>
+                  <p:nvCxnSpPr>
+                    <p:cNvPr id="10" name="直接箭头连接符 9"/>
+                    <p:cNvCxnSpPr/>
+                    <p:nvPr/>
+                  </p:nvCxnSpPr>
+                  <p:spPr>
+                    <a:xfrm>
+                      <a:off x="2524259" y="2912166"/>
+                      <a:ext cx="2189408" cy="53192"/>
+                    </a:xfrm>
+                    <a:prstGeom prst="straightConnector1">
+                      <a:avLst/>
+                    </a:prstGeom>
+                    <a:ln w="28575">
+                      <a:solidFill>
+                        <a:srgbClr val="FF0000"/>
+                      </a:solidFill>
+                      <a:tailEnd type="triangle"/>
+                    </a:ln>
+                  </p:spPr>
+                  <p:style>
+                    <a:lnRef idx="1">
+                      <a:schemeClr val="accent1"/>
+                    </a:lnRef>
+                    <a:fillRef idx="0">
+                      <a:schemeClr val="accent1"/>
+                    </a:fillRef>
+                    <a:effectRef idx="0">
+                      <a:schemeClr val="accent1"/>
+                    </a:effectRef>
+                    <a:fontRef idx="minor">
+                      <a:schemeClr val="tx1"/>
+                    </a:fontRef>
+                  </p:style>
+                </p:cxnSp>
+                <p:cxnSp>
+                  <p:nvCxnSpPr>
+                    <p:cNvPr id="11" name="直接箭头连接符 10"/>
+                    <p:cNvCxnSpPr/>
+                    <p:nvPr/>
+                  </p:nvCxnSpPr>
+                  <p:spPr>
+                    <a:xfrm>
+                      <a:off x="2524259" y="1493949"/>
+                      <a:ext cx="2215166" cy="1146219"/>
+                    </a:xfrm>
+                    <a:prstGeom prst="straightConnector1">
+                      <a:avLst/>
+                    </a:prstGeom>
+                    <a:ln w="28575">
+                      <a:solidFill>
+                        <a:srgbClr val="FF0000"/>
+                      </a:solidFill>
+                      <a:tailEnd type="triangle"/>
+                    </a:ln>
+                  </p:spPr>
+                  <p:style>
+                    <a:lnRef idx="1">
+                      <a:schemeClr val="accent1"/>
+                    </a:lnRef>
+                    <a:fillRef idx="0">
+                      <a:schemeClr val="accent1"/>
+                    </a:fillRef>
+                    <a:effectRef idx="0">
+                      <a:schemeClr val="accent1"/>
+                    </a:effectRef>
+                    <a:fontRef idx="minor">
+                      <a:schemeClr val="tx1"/>
+                    </a:fontRef>
+                  </p:style>
+                </p:cxnSp>
+                <p:cxnSp>
+                  <p:nvCxnSpPr>
+                    <p:cNvPr id="21" name="直接箭头连接符 20"/>
+                    <p:cNvCxnSpPr/>
+                    <p:nvPr/>
+                  </p:nvCxnSpPr>
+                  <p:spPr>
+                    <a:xfrm flipV="1">
+                      <a:off x="6360016" y="2889160"/>
+                      <a:ext cx="2369713" cy="17242"/>
+                    </a:xfrm>
+                    <a:prstGeom prst="straightConnector1">
+                      <a:avLst/>
+                    </a:prstGeom>
+                    <a:ln w="28575">
+                      <a:solidFill>
+                        <a:srgbClr val="FF0000"/>
+                      </a:solidFill>
+                      <a:tailEnd type="triangle"/>
+                    </a:ln>
+                  </p:spPr>
+                  <p:style>
+                    <a:lnRef idx="1">
+                      <a:schemeClr val="accent1"/>
+                    </a:lnRef>
+                    <a:fillRef idx="0">
+                      <a:schemeClr val="accent1"/>
+                    </a:fillRef>
+                    <a:effectRef idx="0">
+                      <a:schemeClr val="accent1"/>
+                    </a:effectRef>
+                    <a:fontRef idx="minor">
+                      <a:schemeClr val="tx1"/>
+                    </a:fontRef>
+                  </p:style>
+                </p:cxnSp>
+              </p:grpSp>
+              <p:sp>
+                <p:nvSpPr>
+                  <p:cNvPr id="25" name="文本框 24"/>
+                  <p:cNvSpPr txBox="1"/>
+                  <p:nvPr/>
+                </p:nvSpPr>
+                <p:spPr>
+                  <a:xfrm>
+                    <a:off x="3157107" y="1478015"/>
+                    <a:ext cx="646331" cy="369332"/>
+                  </a:xfrm>
+                  <a:prstGeom prst="rect">
+                    <a:avLst/>
+                  </a:prstGeom>
+                  <a:noFill/>
+                </p:spPr>
+                <p:txBody>
+                  <a:bodyPr wrap="none" rtlCol="0">
+                    <a:spAutoFit/>
+                  </a:bodyPr>
+                  <a:lstStyle/>
+                  <a:p>
+                    <a:r>
+                      <a:rPr lang="zh-CN" altLang="en-US" dirty="0" smtClean="0"/>
+                      <a:t>请求</a:t>
+                    </a:r>
+                    <a:endParaRPr lang="zh-CN" altLang="en-US" dirty="0"/>
+                  </a:p>
+                </p:txBody>
+              </p:sp>
+              <p:sp>
+                <p:nvSpPr>
+                  <p:cNvPr id="26" name="文本框 25"/>
+                  <p:cNvSpPr txBox="1"/>
+                  <p:nvPr/>
+                </p:nvSpPr>
+                <p:spPr>
+                  <a:xfrm>
+                    <a:off x="2993800" y="4009414"/>
+                    <a:ext cx="646331" cy="369332"/>
+                  </a:xfrm>
+                  <a:prstGeom prst="rect">
+                    <a:avLst/>
+                  </a:prstGeom>
+                  <a:noFill/>
+                </p:spPr>
+                <p:txBody>
+                  <a:bodyPr wrap="none" rtlCol="0">
+                    <a:spAutoFit/>
+                  </a:bodyPr>
+                  <a:lstStyle/>
+                  <a:p>
+                    <a:r>
+                      <a:rPr lang="zh-CN" altLang="en-US" dirty="0" smtClean="0"/>
+                      <a:t>请求</a:t>
+                    </a:r>
+                    <a:endParaRPr lang="zh-CN" altLang="en-US" dirty="0"/>
+                  </a:p>
+                </p:txBody>
+              </p:sp>
+              <p:sp>
+                <p:nvSpPr>
+                  <p:cNvPr id="27" name="文本框 26"/>
+                  <p:cNvSpPr txBox="1"/>
+                  <p:nvPr/>
+                </p:nvSpPr>
+                <p:spPr>
+                  <a:xfrm>
+                    <a:off x="3010074" y="2804167"/>
+                    <a:ext cx="646331" cy="369332"/>
+                  </a:xfrm>
+                  <a:prstGeom prst="rect">
+                    <a:avLst/>
+                  </a:prstGeom>
+                  <a:noFill/>
+                </p:spPr>
+                <p:txBody>
+                  <a:bodyPr wrap="none" rtlCol="0">
+                    <a:spAutoFit/>
+                  </a:bodyPr>
+                  <a:lstStyle/>
+                  <a:p>
+                    <a:r>
+                      <a:rPr lang="zh-CN" altLang="en-US" dirty="0" smtClean="0"/>
+                      <a:t>请求</a:t>
+                    </a:r>
+                    <a:endParaRPr lang="zh-CN" altLang="en-US" dirty="0"/>
+                  </a:p>
+                </p:txBody>
+              </p:sp>
+              <p:sp>
+                <p:nvSpPr>
+                  <p:cNvPr id="28" name="文本框 27"/>
+                  <p:cNvSpPr txBox="1"/>
+                  <p:nvPr/>
+                </p:nvSpPr>
+                <p:spPr>
+                  <a:xfrm>
+                    <a:off x="7106991" y="2790785"/>
+                    <a:ext cx="1107996" cy="369332"/>
+                  </a:xfrm>
+                  <a:prstGeom prst="rect">
+                    <a:avLst/>
+                  </a:prstGeom>
+                  <a:noFill/>
+                </p:spPr>
+                <p:txBody>
+                  <a:bodyPr wrap="none" rtlCol="0">
+                    <a:spAutoFit/>
+                  </a:bodyPr>
+                  <a:lstStyle/>
+                  <a:p>
+                    <a:r>
+                      <a:rPr lang="zh-CN" altLang="en-US" dirty="0" smtClean="0"/>
+                      <a:t>转发请求</a:t>
+                    </a:r>
+                    <a:endParaRPr lang="zh-CN" altLang="en-US" dirty="0"/>
+                  </a:p>
+                </p:txBody>
+              </p:sp>
+              <p:sp>
+                <p:nvSpPr>
+                  <p:cNvPr id="29" name="文本框 28"/>
+                  <p:cNvSpPr txBox="1"/>
+                  <p:nvPr/>
+                </p:nvSpPr>
+                <p:spPr>
+                  <a:xfrm>
+                    <a:off x="5330415" y="3828172"/>
+                    <a:ext cx="1800493" cy="369332"/>
+                  </a:xfrm>
+                  <a:prstGeom prst="rect">
+                    <a:avLst/>
+                  </a:prstGeom>
+                  <a:noFill/>
+                </p:spPr>
+                <p:txBody>
+                  <a:bodyPr wrap="none" rtlCol="0">
+                    <a:spAutoFit/>
+                  </a:bodyPr>
+                  <a:lstStyle/>
+                  <a:p>
+                    <a:r>
+                      <a:rPr lang="zh-CN" altLang="en-US" dirty="0" smtClean="0"/>
+                      <a:t>正向代理服务器</a:t>
+                    </a:r>
+                    <a:endParaRPr lang="zh-CN" altLang="en-US" dirty="0"/>
+                  </a:p>
+                </p:txBody>
+              </p:sp>
+            </p:grpSp>
+            <p:cxnSp>
+              <p:nvCxnSpPr>
+                <p:cNvPr id="34" name="直接箭头连接符 33"/>
+                <p:cNvCxnSpPr/>
+                <p:nvPr/>
+              </p:nvCxnSpPr>
+              <p:spPr>
+                <a:xfrm flipH="1" flipV="1">
+                  <a:off x="2973945" y="1927469"/>
+                  <a:ext cx="2164724" cy="1118041"/>
+                </a:xfrm>
+                <a:prstGeom prst="straightConnector1">
+                  <a:avLst/>
+                </a:prstGeom>
+                <a:ln w="28575">
+                  <a:solidFill>
+                    <a:srgbClr val="00B050"/>
+                  </a:solidFill>
+                  <a:tailEnd type="triangle"/>
+                </a:ln>
+              </p:spPr>
+              <p:style>
+                <a:lnRef idx="1">
+                  <a:schemeClr val="accent1"/>
+                </a:lnRef>
+                <a:fillRef idx="0">
+                  <a:schemeClr val="accent1"/>
+                </a:fillRef>
+                <a:effectRef idx="0">
+                  <a:schemeClr val="accent1"/>
+                </a:effectRef>
+                <a:fontRef idx="minor">
+                  <a:schemeClr val="tx1"/>
+                </a:fontRef>
+              </p:style>
+            </p:cxnSp>
+            <p:cxnSp>
+              <p:nvCxnSpPr>
+                <p:cNvPr id="38" name="直接箭头连接符 37"/>
+                <p:cNvCxnSpPr/>
+                <p:nvPr/>
+              </p:nvCxnSpPr>
+              <p:spPr>
+                <a:xfrm flipH="1">
+                  <a:off x="3025097" y="3785176"/>
+                  <a:ext cx="2305318" cy="1041180"/>
+                </a:xfrm>
+                <a:prstGeom prst="straightConnector1">
+                  <a:avLst/>
+                </a:prstGeom>
+                <a:ln w="28575">
+                  <a:solidFill>
+                    <a:srgbClr val="00B050"/>
+                  </a:solidFill>
+                  <a:tailEnd type="triangle"/>
+                </a:ln>
+              </p:spPr>
+              <p:style>
+                <a:lnRef idx="1">
+                  <a:schemeClr val="accent1"/>
+                </a:lnRef>
+                <a:fillRef idx="0">
+                  <a:schemeClr val="accent1"/>
+                </a:fillRef>
+                <a:effectRef idx="0">
+                  <a:schemeClr val="accent1"/>
+                </a:effectRef>
+                <a:fontRef idx="minor">
+                  <a:schemeClr val="tx1"/>
+                </a:fontRef>
+              </p:style>
+            </p:cxnSp>
+            <p:cxnSp>
+              <p:nvCxnSpPr>
+                <p:cNvPr id="39" name="直接箭头连接符 38"/>
+                <p:cNvCxnSpPr/>
+                <p:nvPr/>
+              </p:nvCxnSpPr>
+              <p:spPr>
+                <a:xfrm flipH="1">
+                  <a:off x="6811313" y="3426851"/>
+                  <a:ext cx="2407813" cy="10197"/>
+                </a:xfrm>
+                <a:prstGeom prst="straightConnector1">
+                  <a:avLst/>
+                </a:prstGeom>
+                <a:ln w="28575">
+                  <a:solidFill>
+                    <a:srgbClr val="00B050"/>
+                  </a:solidFill>
+                  <a:tailEnd type="triangle"/>
+                </a:ln>
+              </p:spPr>
+              <p:style>
+                <a:lnRef idx="1">
+                  <a:schemeClr val="accent1"/>
+                </a:lnRef>
+                <a:fillRef idx="0">
+                  <a:schemeClr val="accent1"/>
+                </a:fillRef>
+                <a:effectRef idx="0">
+                  <a:schemeClr val="accent1"/>
+                </a:effectRef>
+                <a:fontRef idx="minor">
+                  <a:schemeClr val="tx1"/>
+                </a:fontRef>
+              </p:style>
+            </p:cxnSp>
+            <p:cxnSp>
+              <p:nvCxnSpPr>
+                <p:cNvPr id="40" name="直接箭头连接符 39"/>
+                <p:cNvCxnSpPr/>
+                <p:nvPr/>
+              </p:nvCxnSpPr>
+              <p:spPr>
+                <a:xfrm flipH="1" flipV="1">
+                  <a:off x="2993800" y="3426851"/>
+                  <a:ext cx="2209264" cy="20395"/>
+                </a:xfrm>
+                <a:prstGeom prst="straightConnector1">
+                  <a:avLst/>
+                </a:prstGeom>
+                <a:ln w="28575">
+                  <a:solidFill>
+                    <a:srgbClr val="00B050"/>
+                  </a:solidFill>
+                  <a:tailEnd type="triangle"/>
+                </a:ln>
+              </p:spPr>
+              <p:style>
+                <a:lnRef idx="1">
+                  <a:schemeClr val="accent1"/>
+                </a:lnRef>
+                <a:fillRef idx="0">
+                  <a:schemeClr val="accent1"/>
+                </a:fillRef>
+                <a:effectRef idx="0">
+                  <a:schemeClr val="accent1"/>
+                </a:effectRef>
+                <a:fontRef idx="minor">
+                  <a:schemeClr val="tx1"/>
+                </a:fontRef>
+              </p:style>
+            </p:cxnSp>
+            <p:sp>
+              <p:nvSpPr>
+                <p:cNvPr id="49" name="文本框 48"/>
+                <p:cNvSpPr txBox="1"/>
+                <p:nvPr/>
+              </p:nvSpPr>
+              <p:spPr>
+                <a:xfrm>
+                  <a:off x="4273039" y="3437048"/>
+                  <a:ext cx="646331" cy="369332"/>
+                </a:xfrm>
+                <a:prstGeom prst="rect">
+                  <a:avLst/>
+                </a:prstGeom>
+                <a:noFill/>
+              </p:spPr>
+              <p:txBody>
+                <a:bodyPr wrap="none" rtlCol="0">
+                  <a:spAutoFit/>
+                </a:bodyPr>
+                <a:lstStyle/>
+                <a:p>
+                  <a:r>
+                    <a:rPr lang="zh-CN" altLang="en-US" dirty="0" smtClean="0"/>
+                    <a:t>响应</a:t>
+                  </a:r>
+                  <a:endParaRPr lang="zh-CN" altLang="en-US" dirty="0"/>
+                </a:p>
+              </p:txBody>
+            </p:sp>
+            <p:sp>
+              <p:nvSpPr>
+                <p:cNvPr id="50" name="文本框 49"/>
+                <p:cNvSpPr txBox="1"/>
+                <p:nvPr/>
+              </p:nvSpPr>
+              <p:spPr>
+                <a:xfrm>
+                  <a:off x="8572795" y="3479580"/>
+                  <a:ext cx="646331" cy="369332"/>
+                </a:xfrm>
+                <a:prstGeom prst="rect">
+                  <a:avLst/>
+                </a:prstGeom>
+                <a:noFill/>
+              </p:spPr>
+              <p:txBody>
+                <a:bodyPr wrap="none" rtlCol="0">
+                  <a:spAutoFit/>
+                </a:bodyPr>
+                <a:lstStyle/>
+                <a:p>
+                  <a:r>
+                    <a:rPr lang="zh-CN" altLang="en-US" dirty="0" smtClean="0"/>
+                    <a:t>响应</a:t>
+                  </a:r>
+                  <a:endParaRPr lang="zh-CN" altLang="en-US" dirty="0"/>
+                </a:p>
+              </p:txBody>
+            </p:sp>
+            <p:sp>
+              <p:nvSpPr>
+                <p:cNvPr id="51" name="文本框 50"/>
+                <p:cNvSpPr txBox="1"/>
+                <p:nvPr/>
+              </p:nvSpPr>
+              <p:spPr>
+                <a:xfrm>
+                  <a:off x="4259325" y="2828047"/>
+                  <a:ext cx="646331" cy="369332"/>
+                </a:xfrm>
+                <a:prstGeom prst="rect">
+                  <a:avLst/>
+                </a:prstGeom>
+                <a:noFill/>
+              </p:spPr>
+              <p:txBody>
+                <a:bodyPr wrap="none" rtlCol="0">
+                  <a:spAutoFit/>
+                </a:bodyPr>
+                <a:lstStyle/>
+                <a:p>
+                  <a:r>
+                    <a:rPr lang="zh-CN" altLang="en-US" dirty="0" smtClean="0"/>
+                    <a:t>响应</a:t>
+                  </a:r>
+                  <a:endParaRPr lang="zh-CN" altLang="en-US" dirty="0"/>
+                </a:p>
+              </p:txBody>
+            </p:sp>
+            <p:sp>
+              <p:nvSpPr>
+                <p:cNvPr id="52" name="文本框 51"/>
+                <p:cNvSpPr txBox="1"/>
+                <p:nvPr/>
+              </p:nvSpPr>
+              <p:spPr>
+                <a:xfrm>
+                  <a:off x="4582491" y="4028689"/>
+                  <a:ext cx="646331" cy="369332"/>
+                </a:xfrm>
+                <a:prstGeom prst="rect">
+                  <a:avLst/>
+                </a:prstGeom>
+                <a:noFill/>
+              </p:spPr>
+              <p:txBody>
+                <a:bodyPr wrap="none" rtlCol="0">
+                  <a:spAutoFit/>
+                </a:bodyPr>
+                <a:lstStyle/>
+                <a:p>
+                  <a:r>
+                    <a:rPr lang="zh-CN" altLang="en-US" dirty="0" smtClean="0"/>
+                    <a:t>响应</a:t>
+                  </a:r>
+                  <a:endParaRPr lang="zh-CN" altLang="en-US" dirty="0"/>
+                </a:p>
+              </p:txBody>
+            </p:sp>
+          </p:grpSp>
+          <p:sp>
+            <p:nvSpPr>
+              <p:cNvPr id="54" name="文本框 53"/>
+              <p:cNvSpPr txBox="1"/>
+              <p:nvPr/>
+            </p:nvSpPr>
+            <p:spPr>
+              <a:xfrm>
+                <a:off x="1741289" y="5357611"/>
+                <a:ext cx="934871" cy="646331"/>
+              </a:xfrm>
+              <a:prstGeom prst="rect">
+                <a:avLst/>
+              </a:prstGeom>
+              <a:noFill/>
+            </p:spPr>
+            <p:txBody>
+              <a:bodyPr wrap="none" rtlCol="0">
+                <a:spAutoFit/>
+              </a:bodyPr>
+              <a:lstStyle/>
+              <a:p>
+                <a:r>
+                  <a:rPr lang="en-US" altLang="zh-CN" sz="3600" b="1" dirty="0" smtClean="0"/>
+                  <a:t>……</a:t>
+                </a:r>
+                <a:endParaRPr lang="zh-CN" altLang="en-US" sz="3600" b="1" dirty="0"/>
+              </a:p>
+            </p:txBody>
+          </p:sp>
+        </p:grpSp>
+        <p:sp>
+          <p:nvSpPr>
+            <p:cNvPr id="6" name="圆角矩形 5"/>
+            <p:cNvSpPr/>
+            <p:nvPr/>
+          </p:nvSpPr>
+          <p:spPr>
+            <a:xfrm>
+              <a:off x="1116973" y="601015"/>
+              <a:ext cx="5962918" cy="5563673"/>
+            </a:xfrm>
+            <a:prstGeom prst="roundRect">
+              <a:avLst/>
+            </a:prstGeom>
+            <a:solidFill>
+              <a:srgbClr val="FF0000">
+                <a:alpha val="10196"/>
+              </a:srgbClr>
+            </a:solidFill>
+          </p:spPr>
+          <p:style>
+            <a:lnRef idx="2">
+              <a:schemeClr val="accent1">
+                <a:shade val="50000"/>
+              </a:schemeClr>
+            </a:lnRef>
+            <a:fillRef idx="1">
+              <a:schemeClr val="accent1"/>
+            </a:fillRef>
+            <a:effectRef idx="0">
+              <a:schemeClr val="accent1"/>
+            </a:effectRef>
+            <a:fontRef idx="minor">
+              <a:schemeClr val="lt1"/>
+            </a:fontRef>
+          </p:style>
+          <p:txBody>
+            <a:bodyPr rtlCol="0" anchor="ctr"/>
+            <a:lstStyle/>
+            <a:p>
+              <a:pPr algn="ctr"/>
+              <a:endParaRPr lang="zh-CN" altLang="en-US"/>
+            </a:p>
+          </p:txBody>
+        </p:sp>
+      </p:grpSp>
+    </p:spTree>
+    <p:extLst>
+      <p:ext uri="{BB962C8B-B14F-4D97-AF65-F5344CB8AC3E}">
+        <p14:creationId xmlns:p14="http://schemas.microsoft.com/office/powerpoint/2010/main" val="2634273659"/>
+      </p:ext>
+    </p:extLst>
+  </p:cSld>
+  <p:clrMapOvr>
+    <a:masterClrMapping/>
+  </p:clrMapOvr>
+</p:sld>
+</file>
+
+<file path=ppt/slides/slide8.xml><?xml version="1.0" encoding="utf-8"?>
+<p:sld xmlns:a="http://schemas.openxmlformats.org/drawingml/2006/main" xmlns:r="http://schemas.openxmlformats.org/officeDocument/2006/relationships" xmlns:p="http://schemas.openxmlformats.org/presentationml/2006/main">
+  <p:cSld>
+    <p:spTree>
+      <p:nvGrpSpPr>
+        <p:cNvPr id="1" name=""/>
+        <p:cNvGrpSpPr/>
+        <p:nvPr/>
+      </p:nvGrpSpPr>
+      <p:grpSpPr>
+        <a:xfrm>
+          <a:off x="0" y="0"/>
+          <a:ext cx="0" cy="0"/>
+          <a:chOff x="0" y="0"/>
+          <a:chExt cx="0" cy="0"/>
+        </a:xfrm>
+      </p:grpSpPr>
+      <p:grpSp>
+        <p:nvGrpSpPr>
+          <p:cNvPr id="23" name="组合 22"/>
+          <p:cNvGrpSpPr/>
+          <p:nvPr/>
+        </p:nvGrpSpPr>
+        <p:grpSpPr>
+          <a:xfrm>
+            <a:off x="1170490" y="1250253"/>
+            <a:ext cx="10356101" cy="3846491"/>
+            <a:chOff x="1170490" y="1250253"/>
+            <a:chExt cx="10356101" cy="3846491"/>
+          </a:xfrm>
+        </p:grpSpPr>
+        <p:grpSp>
+          <p:nvGrpSpPr>
+            <p:cNvPr id="6" name="组合 5"/>
+            <p:cNvGrpSpPr/>
+            <p:nvPr/>
+          </p:nvGrpSpPr>
+          <p:grpSpPr>
+            <a:xfrm>
+              <a:off x="10277340" y="1250253"/>
+              <a:ext cx="1249251" cy="3846491"/>
+              <a:chOff x="1584100" y="1275008"/>
+              <a:chExt cx="1249251" cy="3846491"/>
+            </a:xfrm>
+          </p:grpSpPr>
+          <p:sp>
+            <p:nvSpPr>
+              <p:cNvPr id="2" name="圆角矩形 1"/>
+              <p:cNvSpPr/>
+              <p:nvPr/>
+            </p:nvSpPr>
+            <p:spPr>
+              <a:xfrm>
+                <a:off x="1584100" y="1275008"/>
+                <a:ext cx="1249251" cy="837127"/>
+              </a:xfrm>
+              <a:prstGeom prst="roundRect">
+                <a:avLst/>
+              </a:prstGeom>
+            </p:spPr>
+            <p:style>
+              <a:lnRef idx="2">
+                <a:schemeClr val="accent1">
+                  <a:shade val="50000"/>
+                </a:schemeClr>
+              </a:lnRef>
+              <a:fillRef idx="1">
+                <a:schemeClr val="accent1"/>
+              </a:fillRef>
+              <a:effectRef idx="0">
+                <a:schemeClr val="accent1"/>
+              </a:effectRef>
+              <a:fontRef idx="minor">
+                <a:schemeClr val="lt1"/>
+              </a:fontRef>
+            </p:style>
+            <p:txBody>
+              <a:bodyPr rtlCol="0" anchor="ctr"/>
+              <a:lstStyle/>
+              <a:p>
+                <a:pPr algn="ctr"/>
+                <a:r>
+                  <a:rPr lang="zh-CN" altLang="en-US" dirty="0" smtClean="0"/>
+                  <a:t>目标服务器</a:t>
+                </a:r>
+                <a:endParaRPr lang="zh-CN" altLang="en-US" dirty="0"/>
+              </a:p>
+            </p:txBody>
+          </p:sp>
+          <p:sp>
+            <p:nvSpPr>
+              <p:cNvPr id="3" name="圆角矩形 2"/>
+              <p:cNvSpPr/>
+              <p:nvPr/>
+            </p:nvSpPr>
+            <p:spPr>
+              <a:xfrm>
+                <a:off x="1584100" y="2779690"/>
+                <a:ext cx="1249251" cy="837127"/>
+              </a:xfrm>
+              <a:prstGeom prst="roundRect">
+                <a:avLst/>
+              </a:prstGeom>
+            </p:spPr>
+            <p:style>
+              <a:lnRef idx="2">
+                <a:schemeClr val="accent1">
+                  <a:shade val="50000"/>
+                </a:schemeClr>
+              </a:lnRef>
+              <a:fillRef idx="1">
+                <a:schemeClr val="accent1"/>
+              </a:fillRef>
+              <a:effectRef idx="0">
+                <a:schemeClr val="accent1"/>
+              </a:effectRef>
+              <a:fontRef idx="minor">
+                <a:schemeClr val="lt1"/>
+              </a:fontRef>
+            </p:style>
+            <p:txBody>
+              <a:bodyPr rtlCol="0" anchor="ctr"/>
+              <a:lstStyle/>
+              <a:p>
+                <a:pPr algn="ctr"/>
+                <a:r>
+                  <a:rPr lang="zh-CN" altLang="en-US" dirty="0"/>
+                  <a:t>目标服务器</a:t>
+                </a:r>
+                <a:endParaRPr lang="zh-CN" altLang="en-US" dirty="0"/>
+              </a:p>
+            </p:txBody>
+          </p:sp>
+          <p:sp>
+            <p:nvSpPr>
+              <p:cNvPr id="4" name="圆角矩形 3"/>
+              <p:cNvSpPr/>
+              <p:nvPr/>
+            </p:nvSpPr>
+            <p:spPr>
+              <a:xfrm>
+                <a:off x="1584100" y="4284372"/>
+                <a:ext cx="1249251" cy="837127"/>
+              </a:xfrm>
+              <a:prstGeom prst="roundRect">
+                <a:avLst/>
+              </a:prstGeom>
+            </p:spPr>
+            <p:style>
+              <a:lnRef idx="2">
+                <a:schemeClr val="accent1">
+                  <a:shade val="50000"/>
+                </a:schemeClr>
+              </a:lnRef>
+              <a:fillRef idx="1">
+                <a:schemeClr val="accent1"/>
+              </a:fillRef>
+              <a:effectRef idx="0">
+                <a:schemeClr val="accent1"/>
+              </a:effectRef>
+              <a:fontRef idx="minor">
+                <a:schemeClr val="lt1"/>
+              </a:fontRef>
+            </p:style>
+            <p:txBody>
+              <a:bodyPr rtlCol="0" anchor="ctr"/>
+              <a:lstStyle/>
+              <a:p>
+                <a:pPr algn="ctr"/>
+                <a:r>
+                  <a:rPr lang="zh-CN" altLang="en-US" dirty="0"/>
+                  <a:t>目标服务器</a:t>
+                </a:r>
+                <a:endParaRPr lang="zh-CN" altLang="en-US" dirty="0"/>
+              </a:p>
+            </p:txBody>
+          </p:sp>
+        </p:grpSp>
+        <p:sp>
+          <p:nvSpPr>
+            <p:cNvPr id="5" name="圆角矩形 4"/>
+            <p:cNvSpPr/>
+            <p:nvPr/>
+          </p:nvSpPr>
+          <p:spPr>
+            <a:xfrm>
+              <a:off x="5367633" y="2801001"/>
+              <a:ext cx="1249251" cy="837127"/>
+            </a:xfrm>
+            <a:prstGeom prst="roundRect">
+              <a:avLst/>
+            </a:prstGeom>
+          </p:spPr>
+          <p:style>
+            <a:lnRef idx="2">
+              <a:schemeClr val="accent1">
+                <a:shade val="50000"/>
+              </a:schemeClr>
+            </a:lnRef>
+            <a:fillRef idx="1">
+              <a:schemeClr val="accent1"/>
+            </a:fillRef>
+            <a:effectRef idx="0">
+              <a:schemeClr val="accent1"/>
+            </a:effectRef>
+            <a:fontRef idx="minor">
+              <a:schemeClr val="lt1"/>
+            </a:fontRef>
+          </p:style>
+          <p:txBody>
+            <a:bodyPr rot="0" spcFirstLastPara="0" vert="horz" wrap="square" lIns="91440" tIns="45720" rIns="91440" bIns="45720" numCol="1" spcCol="0" rtlCol="0" fromWordArt="0" anchor="ctr" anchorCtr="0" forceAA="0" compatLnSpc="1">
+              <a:prstTxWarp prst="textNoShape">
+                <a:avLst/>
+              </a:prstTxWarp>
+              <a:noAutofit/>
+            </a:bodyPr>
+            <a:lstStyle>
+              <a:defPPr>
+                <a:defRPr lang="zh-CN"/>
+              </a:defPPr>
+              <a:lvl1pPr marL="0" algn="l" defTabSz="914400" rtl="0" eaLnBrk="1" latinLnBrk="0" hangingPunct="1">
+                <a:defRPr sz="1800" kern="1200">
+                  <a:solidFill>
+                    <a:schemeClr val="lt1"/>
+                  </a:solidFill>
+                  <a:latin typeface="+mn-lt"/>
+                  <a:ea typeface="+mn-ea"/>
+                  <a:cs typeface="+mn-cs"/>
+                </a:defRPr>
+              </a:lvl1pPr>
+              <a:lvl2pPr marL="457200" algn="l" defTabSz="914400" rtl="0" eaLnBrk="1" latinLnBrk="0" hangingPunct="1">
+                <a:defRPr sz="1800" kern="1200">
+                  <a:solidFill>
+                    <a:schemeClr val="lt1"/>
+                  </a:solidFill>
+                  <a:latin typeface="+mn-lt"/>
+                  <a:ea typeface="+mn-ea"/>
+                  <a:cs typeface="+mn-cs"/>
+                </a:defRPr>
+              </a:lvl2pPr>
+              <a:lvl3pPr marL="914400" algn="l" defTabSz="914400" rtl="0" eaLnBrk="1" latinLnBrk="0" hangingPunct="1">
+                <a:defRPr sz="1800" kern="1200">
+                  <a:solidFill>
+                    <a:schemeClr val="lt1"/>
+                  </a:solidFill>
+                  <a:latin typeface="+mn-lt"/>
+                  <a:ea typeface="+mn-ea"/>
+                  <a:cs typeface="+mn-cs"/>
+                </a:defRPr>
+              </a:lvl3pPr>
+              <a:lvl4pPr marL="1371600" algn="l" defTabSz="914400" rtl="0" eaLnBrk="1" latinLnBrk="0" hangingPunct="1">
+                <a:defRPr sz="1800" kern="1200">
+                  <a:solidFill>
+                    <a:schemeClr val="lt1"/>
+                  </a:solidFill>
+                  <a:latin typeface="+mn-lt"/>
+                  <a:ea typeface="+mn-ea"/>
+                  <a:cs typeface="+mn-cs"/>
+                </a:defRPr>
+              </a:lvl4pPr>
+              <a:lvl5pPr marL="1828800" algn="l" defTabSz="914400" rtl="0" eaLnBrk="1" latinLnBrk="0" hangingPunct="1">
+                <a:defRPr sz="1800" kern="1200">
+                  <a:solidFill>
+                    <a:schemeClr val="lt1"/>
+                  </a:solidFill>
+                  <a:latin typeface="+mn-lt"/>
+                  <a:ea typeface="+mn-ea"/>
+                  <a:cs typeface="+mn-cs"/>
+                </a:defRPr>
+              </a:lvl5pPr>
+              <a:lvl6pPr marL="2286000" algn="l" defTabSz="914400" rtl="0" eaLnBrk="1" latinLnBrk="0" hangingPunct="1">
+                <a:defRPr sz="1800" kern="1200">
+                  <a:solidFill>
+                    <a:schemeClr val="lt1"/>
+                  </a:solidFill>
+                  <a:latin typeface="+mn-lt"/>
+                  <a:ea typeface="+mn-ea"/>
+                  <a:cs typeface="+mn-cs"/>
+                </a:defRPr>
+              </a:lvl6pPr>
+              <a:lvl7pPr marL="2743200" algn="l" defTabSz="914400" rtl="0" eaLnBrk="1" latinLnBrk="0" hangingPunct="1">
+                <a:defRPr sz="1800" kern="1200">
+                  <a:solidFill>
+                    <a:schemeClr val="lt1"/>
+                  </a:solidFill>
+                  <a:latin typeface="+mn-lt"/>
+                  <a:ea typeface="+mn-ea"/>
+                  <a:cs typeface="+mn-cs"/>
+                </a:defRPr>
+              </a:lvl7pPr>
+              <a:lvl8pPr marL="3200400" algn="l" defTabSz="914400" rtl="0" eaLnBrk="1" latinLnBrk="0" hangingPunct="1">
+                <a:defRPr sz="1800" kern="1200">
+                  <a:solidFill>
+                    <a:schemeClr val="lt1"/>
+                  </a:solidFill>
+                  <a:latin typeface="+mn-lt"/>
+                  <a:ea typeface="+mn-ea"/>
+                  <a:cs typeface="+mn-cs"/>
+                </a:defRPr>
+              </a:lvl8pPr>
+              <a:lvl9pPr marL="3657600" algn="l" defTabSz="914400" rtl="0" eaLnBrk="1" latinLnBrk="0" hangingPunct="1">
+                <a:defRPr sz="1800" kern="1200">
+                  <a:solidFill>
+                    <a:schemeClr val="lt1"/>
+                  </a:solidFill>
+                  <a:latin typeface="+mn-lt"/>
+                  <a:ea typeface="+mn-ea"/>
+                  <a:cs typeface="+mn-cs"/>
+                </a:defRPr>
+              </a:lvl9pPr>
+            </a:lstStyle>
+            <a:p>
+              <a:pPr algn="ctr"/>
+              <a:r>
+                <a:rPr lang="en-US" altLang="zh-CN" dirty="0" smtClean="0"/>
+                <a:t>Nginx</a:t>
+              </a:r>
+              <a:endParaRPr lang="zh-CN" altLang="en-US" dirty="0"/>
+            </a:p>
+          </p:txBody>
+        </p:sp>
+        <p:sp>
+          <p:nvSpPr>
+            <p:cNvPr id="7" name="圆角矩形 6"/>
+            <p:cNvSpPr/>
+            <p:nvPr/>
+          </p:nvSpPr>
+          <p:spPr>
+            <a:xfrm>
+              <a:off x="1170490" y="2744202"/>
+              <a:ext cx="1249251" cy="837127"/>
+            </a:xfrm>
+            <a:prstGeom prst="roundRect">
+              <a:avLst/>
+            </a:prstGeom>
+          </p:spPr>
+          <p:style>
+            <a:lnRef idx="2">
+              <a:schemeClr val="accent1">
+                <a:shade val="50000"/>
+              </a:schemeClr>
+            </a:lnRef>
+            <a:fillRef idx="1">
+              <a:schemeClr val="accent1"/>
+            </a:fillRef>
+            <a:effectRef idx="0">
+              <a:schemeClr val="accent1"/>
+            </a:effectRef>
+            <a:fontRef idx="minor">
+              <a:schemeClr val="lt1"/>
+            </a:fontRef>
+          </p:style>
+          <p:txBody>
+            <a:bodyPr rtlCol="0" anchor="ctr"/>
+            <a:lstStyle/>
+            <a:p>
+              <a:pPr algn="ctr"/>
+              <a:r>
+                <a:rPr lang="zh-CN" altLang="en-US" dirty="0" smtClean="0"/>
+                <a:t>客户端</a:t>
+              </a:r>
+              <a:endParaRPr lang="zh-CN" altLang="en-US" dirty="0"/>
+            </a:p>
+          </p:txBody>
+        </p:sp>
+        <p:sp>
+          <p:nvSpPr>
+            <p:cNvPr id="29" name="文本框 28"/>
+            <p:cNvSpPr txBox="1"/>
+            <p:nvPr/>
+          </p:nvSpPr>
+          <p:spPr>
+            <a:xfrm>
+              <a:off x="5218315" y="3831242"/>
+              <a:ext cx="1800493" cy="369332"/>
+            </a:xfrm>
+            <a:prstGeom prst="rect">
+              <a:avLst/>
+            </a:prstGeom>
+            <a:noFill/>
+          </p:spPr>
+          <p:txBody>
+            <a:bodyPr wrap="none" rtlCol="0">
+              <a:spAutoFit/>
+            </a:bodyPr>
+            <a:lstStyle/>
+            <a:p>
+              <a:r>
+                <a:rPr lang="zh-CN" altLang="en-US" dirty="0" smtClean="0"/>
+                <a:t>反向代理服务器</a:t>
+              </a:r>
+              <a:endParaRPr lang="zh-CN" altLang="en-US" dirty="0"/>
+            </a:p>
+          </p:txBody>
+        </p:sp>
+        <p:grpSp>
+          <p:nvGrpSpPr>
+            <p:cNvPr id="12" name="组合 11"/>
+            <p:cNvGrpSpPr/>
+            <p:nvPr/>
+          </p:nvGrpSpPr>
+          <p:grpSpPr>
+            <a:xfrm>
+              <a:off x="2575775" y="2743058"/>
+              <a:ext cx="2567786" cy="419707"/>
+              <a:chOff x="6651340" y="2792290"/>
+              <a:chExt cx="2567786" cy="419707"/>
+            </a:xfrm>
+          </p:grpSpPr>
+          <p:cxnSp>
+            <p:nvCxnSpPr>
+              <p:cNvPr id="21" name="直接箭头连接符 20"/>
+              <p:cNvCxnSpPr/>
+              <p:nvPr/>
+            </p:nvCxnSpPr>
+            <p:spPr>
+              <a:xfrm flipV="1">
+                <a:off x="6651340" y="3198253"/>
+                <a:ext cx="2567786" cy="13744"/>
+              </a:xfrm>
+              <a:prstGeom prst="straightConnector1">
+                <a:avLst/>
+              </a:prstGeom>
+              <a:ln w="28575">
+                <a:solidFill>
+                  <a:srgbClr val="FF0000"/>
+                </a:solidFill>
+                <a:tailEnd type="triangle"/>
+              </a:ln>
+            </p:spPr>
+            <p:style>
+              <a:lnRef idx="1">
+                <a:schemeClr val="accent1"/>
+              </a:lnRef>
+              <a:fillRef idx="0">
+                <a:schemeClr val="accent1"/>
+              </a:fillRef>
+              <a:effectRef idx="0">
+                <a:schemeClr val="accent1"/>
+              </a:effectRef>
+              <a:fontRef idx="minor">
+                <a:schemeClr val="tx1"/>
+              </a:fontRef>
+            </p:style>
+          </p:cxnSp>
+          <p:sp>
+            <p:nvSpPr>
+              <p:cNvPr id="28" name="文本框 27"/>
+              <p:cNvSpPr txBox="1"/>
+              <p:nvPr/>
+            </p:nvSpPr>
+            <p:spPr>
+              <a:xfrm>
+                <a:off x="6881671" y="2792290"/>
+                <a:ext cx="646331" cy="369332"/>
+              </a:xfrm>
+              <a:prstGeom prst="rect">
+                <a:avLst/>
+              </a:prstGeom>
+              <a:noFill/>
+            </p:spPr>
+            <p:txBody>
+              <a:bodyPr wrap="none" rtlCol="0">
+                <a:spAutoFit/>
+              </a:bodyPr>
+              <a:lstStyle/>
+              <a:p>
+                <a:r>
+                  <a:rPr lang="zh-CN" altLang="en-US" dirty="0" smtClean="0"/>
+                  <a:t>请求</a:t>
+                </a:r>
+                <a:endParaRPr lang="zh-CN" altLang="en-US" dirty="0"/>
+              </a:p>
+            </p:txBody>
+          </p:sp>
+        </p:grpSp>
+        <p:cxnSp>
+          <p:nvCxnSpPr>
+            <p:cNvPr id="9" name="直接箭头连接符 8"/>
+            <p:cNvCxnSpPr/>
+            <p:nvPr/>
+          </p:nvCxnSpPr>
+          <p:spPr>
+            <a:xfrm>
+              <a:off x="6864439" y="3527856"/>
+              <a:ext cx="3129567" cy="1031265"/>
+            </a:xfrm>
+            <a:prstGeom prst="straightConnector1">
+              <a:avLst/>
+            </a:prstGeom>
+            <a:ln w="28575">
+              <a:solidFill>
+                <a:srgbClr val="FF0000"/>
+              </a:solidFill>
+              <a:tailEnd type="triangle"/>
+            </a:ln>
+          </p:spPr>
+          <p:style>
+            <a:lnRef idx="1">
+              <a:schemeClr val="accent1"/>
+            </a:lnRef>
+            <a:fillRef idx="0">
+              <a:schemeClr val="accent1"/>
+            </a:fillRef>
+            <a:effectRef idx="0">
+              <a:schemeClr val="accent1"/>
+            </a:effectRef>
+            <a:fontRef idx="minor">
+              <a:schemeClr val="tx1"/>
+            </a:fontRef>
+          </p:style>
+        </p:cxnSp>
+        <p:cxnSp>
+          <p:nvCxnSpPr>
+            <p:cNvPr id="10" name="直接箭头连接符 9"/>
+            <p:cNvCxnSpPr/>
+            <p:nvPr/>
+          </p:nvCxnSpPr>
+          <p:spPr>
+            <a:xfrm>
+              <a:off x="6864439" y="3309870"/>
+              <a:ext cx="3129567" cy="0"/>
+            </a:xfrm>
+            <a:prstGeom prst="straightConnector1">
+              <a:avLst/>
+            </a:prstGeom>
+            <a:ln w="28575">
+              <a:solidFill>
+                <a:srgbClr val="FF0000"/>
+              </a:solidFill>
+              <a:tailEnd type="triangle"/>
+            </a:ln>
+          </p:spPr>
+          <p:style>
+            <a:lnRef idx="1">
+              <a:schemeClr val="accent1"/>
+            </a:lnRef>
+            <a:fillRef idx="0">
+              <a:schemeClr val="accent1"/>
+            </a:fillRef>
+            <a:effectRef idx="0">
+              <a:schemeClr val="accent1"/>
+            </a:effectRef>
+            <a:fontRef idx="minor">
+              <a:schemeClr val="tx1"/>
+            </a:fontRef>
+          </p:style>
+        </p:cxnSp>
+        <p:cxnSp>
+          <p:nvCxnSpPr>
+            <p:cNvPr id="11" name="直接箭头连接符 10"/>
+            <p:cNvCxnSpPr/>
+            <p:nvPr/>
+          </p:nvCxnSpPr>
+          <p:spPr>
+            <a:xfrm flipV="1">
+              <a:off x="6840956" y="1708747"/>
+              <a:ext cx="3050019" cy="1064785"/>
+            </a:xfrm>
+            <a:prstGeom prst="straightConnector1">
+              <a:avLst/>
+            </a:prstGeom>
+            <a:ln w="28575">
+              <a:solidFill>
+                <a:srgbClr val="FF0000"/>
+              </a:solidFill>
+              <a:tailEnd type="triangle"/>
+            </a:ln>
+          </p:spPr>
+          <p:style>
+            <a:lnRef idx="1">
+              <a:schemeClr val="accent1"/>
+            </a:lnRef>
+            <a:fillRef idx="0">
+              <a:schemeClr val="accent1"/>
+            </a:fillRef>
+            <a:effectRef idx="0">
+              <a:schemeClr val="accent1"/>
+            </a:effectRef>
+            <a:fontRef idx="minor">
+              <a:schemeClr val="tx1"/>
+            </a:fontRef>
+          </p:style>
+        </p:cxnSp>
+        <p:sp>
+          <p:nvSpPr>
+            <p:cNvPr id="25" name="文本框 24"/>
+            <p:cNvSpPr txBox="1"/>
+            <p:nvPr/>
+          </p:nvSpPr>
+          <p:spPr>
+            <a:xfrm>
+              <a:off x="7510348" y="1678113"/>
+              <a:ext cx="1107996" cy="369332"/>
+            </a:xfrm>
+            <a:prstGeom prst="rect">
+              <a:avLst/>
+            </a:prstGeom>
+            <a:noFill/>
+          </p:spPr>
+          <p:txBody>
+            <a:bodyPr wrap="none" rtlCol="0">
+              <a:spAutoFit/>
+            </a:bodyPr>
+            <a:lstStyle/>
+            <a:p>
+              <a:r>
+                <a:rPr lang="zh-CN" altLang="en-US" dirty="0" smtClean="0"/>
+                <a:t>分发请求</a:t>
+              </a:r>
+              <a:endParaRPr lang="zh-CN" altLang="en-US" dirty="0"/>
+            </a:p>
+          </p:txBody>
+        </p:sp>
+        <p:sp>
+          <p:nvSpPr>
+            <p:cNvPr id="26" name="文本框 25"/>
+            <p:cNvSpPr txBox="1"/>
+            <p:nvPr/>
+          </p:nvSpPr>
+          <p:spPr>
+            <a:xfrm>
+              <a:off x="7510348" y="4146578"/>
+              <a:ext cx="1107996" cy="369332"/>
+            </a:xfrm>
+            <a:prstGeom prst="rect">
+              <a:avLst/>
+            </a:prstGeom>
+            <a:noFill/>
+          </p:spPr>
+          <p:txBody>
+            <a:bodyPr wrap="none" rtlCol="0">
+              <a:spAutoFit/>
+            </a:bodyPr>
+            <a:lstStyle/>
+            <a:p>
+              <a:r>
+                <a:rPr lang="zh-CN" altLang="en-US" dirty="0" smtClean="0"/>
+                <a:t>分发请求</a:t>
+              </a:r>
+              <a:endParaRPr lang="zh-CN" altLang="en-US" dirty="0"/>
+            </a:p>
+          </p:txBody>
+        </p:sp>
+        <p:sp>
+          <p:nvSpPr>
+            <p:cNvPr id="27" name="文本框 26"/>
+            <p:cNvSpPr txBox="1"/>
+            <p:nvPr/>
+          </p:nvSpPr>
+          <p:spPr>
+            <a:xfrm>
+              <a:off x="7510348" y="2804166"/>
+              <a:ext cx="1107996" cy="369332"/>
+            </a:xfrm>
+            <a:prstGeom prst="rect">
+              <a:avLst/>
+            </a:prstGeom>
+            <a:noFill/>
+          </p:spPr>
+          <p:txBody>
+            <a:bodyPr wrap="none" rtlCol="0">
+              <a:spAutoFit/>
+            </a:bodyPr>
+            <a:lstStyle/>
+            <a:p>
+              <a:r>
+                <a:rPr lang="zh-CN" altLang="en-US" dirty="0" smtClean="0"/>
+                <a:t>分发请求</a:t>
+              </a:r>
+              <a:endParaRPr lang="zh-CN" altLang="en-US" dirty="0"/>
+            </a:p>
+          </p:txBody>
+        </p:sp>
+        <p:sp>
+          <p:nvSpPr>
+            <p:cNvPr id="20" name="文本框 19"/>
+            <p:cNvSpPr txBox="1"/>
+            <p:nvPr/>
+          </p:nvSpPr>
+          <p:spPr>
+            <a:xfrm>
+              <a:off x="1327679" y="3936451"/>
+              <a:ext cx="934871" cy="646331"/>
+            </a:xfrm>
+            <a:prstGeom prst="rect">
+              <a:avLst/>
+            </a:prstGeom>
+            <a:noFill/>
+          </p:spPr>
+          <p:txBody>
+            <a:bodyPr wrap="none" rtlCol="0">
+              <a:spAutoFit/>
+            </a:bodyPr>
+            <a:lstStyle/>
+            <a:p>
+              <a:r>
+                <a:rPr lang="en-US" altLang="zh-CN" sz="3600" b="1" dirty="0" smtClean="0"/>
+                <a:t>……</a:t>
+              </a:r>
+              <a:endParaRPr lang="zh-CN" altLang="en-US" sz="3600" b="1" dirty="0"/>
+            </a:p>
+          </p:txBody>
+        </p:sp>
+      </p:grpSp>
+    </p:spTree>
+    <p:extLst>
+      <p:ext uri="{BB962C8B-B14F-4D97-AF65-F5344CB8AC3E}">
+        <p14:creationId xmlns:p14="http://schemas.microsoft.com/office/powerpoint/2010/main" val="620121019"/>
+      </p:ext>
+    </p:extLst>
+  </p:cSld>
+  <p:clrMapOvr>
+    <a:masterClrMapping/>
+  </p:clrMapOvr>
+</p:sld>
+</file>
+
+<file path=ppt/slides/slide9.xml><?xml version="1.0" encoding="utf-8"?>
+<p:sld xmlns:a="http://schemas.openxmlformats.org/drawingml/2006/main" xmlns:r="http://schemas.openxmlformats.org/officeDocument/2006/relationships" xmlns:p="http://schemas.openxmlformats.org/presentationml/2006/main">
+  <p:cSld>
+    <p:spTree>
+      <p:nvGrpSpPr>
+        <p:cNvPr id="1" name=""/>
+        <p:cNvGrpSpPr/>
+        <p:nvPr/>
+      </p:nvGrpSpPr>
+      <p:grpSpPr>
+        <a:xfrm>
+          <a:off x="0" y="0"/>
+          <a:ext cx="0" cy="0"/>
+          <a:chOff x="0" y="0"/>
+          <a:chExt cx="0" cy="0"/>
+        </a:xfrm>
+      </p:grpSpPr>
+      <p:grpSp>
+        <p:nvGrpSpPr>
+          <p:cNvPr id="8" name="组合 7"/>
+          <p:cNvGrpSpPr/>
+          <p:nvPr/>
+        </p:nvGrpSpPr>
+        <p:grpSpPr>
+          <a:xfrm>
+            <a:off x="1170490" y="418562"/>
+            <a:ext cx="10622551" cy="5782615"/>
+            <a:chOff x="1170490" y="418562"/>
+            <a:chExt cx="10622551" cy="5782615"/>
+          </a:xfrm>
+        </p:grpSpPr>
+        <p:grpSp>
+          <p:nvGrpSpPr>
+            <p:cNvPr id="23" name="组合 22"/>
+            <p:cNvGrpSpPr/>
+            <p:nvPr/>
+          </p:nvGrpSpPr>
+          <p:grpSpPr>
+            <a:xfrm>
+              <a:off x="1170490" y="1250253"/>
+              <a:ext cx="10356101" cy="3846491"/>
+              <a:chOff x="1170490" y="1250253"/>
+              <a:chExt cx="10356101" cy="3846491"/>
+            </a:xfrm>
+          </p:grpSpPr>
+          <p:grpSp>
+            <p:nvGrpSpPr>
+              <p:cNvPr id="6" name="组合 5"/>
+              <p:cNvGrpSpPr/>
+              <p:nvPr/>
+            </p:nvGrpSpPr>
+            <p:grpSpPr>
+              <a:xfrm>
+                <a:off x="10277340" y="1250253"/>
+                <a:ext cx="1249251" cy="3846491"/>
+                <a:chOff x="1584100" y="1275008"/>
+                <a:chExt cx="1249251" cy="3846491"/>
+              </a:xfrm>
+            </p:grpSpPr>
+            <p:sp>
+              <p:nvSpPr>
+                <p:cNvPr id="2" name="圆角矩形 1"/>
+                <p:cNvSpPr/>
+                <p:nvPr/>
+              </p:nvSpPr>
+              <p:spPr>
+                <a:xfrm>
+                  <a:off x="1584100" y="1275008"/>
+                  <a:ext cx="1249251" cy="837127"/>
+                </a:xfrm>
+                <a:prstGeom prst="roundRect">
+                  <a:avLst/>
+                </a:prstGeom>
+              </p:spPr>
+              <p:style>
+                <a:lnRef idx="2">
+                  <a:schemeClr val="accent1">
+                    <a:shade val="50000"/>
+                  </a:schemeClr>
+                </a:lnRef>
+                <a:fillRef idx="1">
+                  <a:schemeClr val="accent1"/>
+                </a:fillRef>
+                <a:effectRef idx="0">
+                  <a:schemeClr val="accent1"/>
+                </a:effectRef>
+                <a:fontRef idx="minor">
+                  <a:schemeClr val="lt1"/>
+                </a:fontRef>
+              </p:style>
+              <p:txBody>
+                <a:bodyPr rtlCol="0" anchor="ctr"/>
+                <a:lstStyle/>
+                <a:p>
+                  <a:pPr algn="ctr"/>
+                  <a:r>
+                    <a:rPr lang="zh-CN" altLang="en-US" dirty="0" smtClean="0"/>
+                    <a:t>目标服务器</a:t>
+                  </a:r>
+                  <a:endParaRPr lang="zh-CN" altLang="en-US" dirty="0"/>
+                </a:p>
+              </p:txBody>
+            </p:sp>
+            <p:sp>
+              <p:nvSpPr>
+                <p:cNvPr id="3" name="圆角矩形 2"/>
+                <p:cNvSpPr/>
+                <p:nvPr/>
+              </p:nvSpPr>
+              <p:spPr>
+                <a:xfrm>
+                  <a:off x="1584100" y="2779690"/>
+                  <a:ext cx="1249251" cy="837127"/>
+                </a:xfrm>
+                <a:prstGeom prst="roundRect">
+                  <a:avLst/>
+                </a:prstGeom>
+              </p:spPr>
+              <p:style>
+                <a:lnRef idx="2">
+                  <a:schemeClr val="accent1">
+                    <a:shade val="50000"/>
+                  </a:schemeClr>
+                </a:lnRef>
+                <a:fillRef idx="1">
+                  <a:schemeClr val="accent1"/>
+                </a:fillRef>
+                <a:effectRef idx="0">
+                  <a:schemeClr val="accent1"/>
+                </a:effectRef>
+                <a:fontRef idx="minor">
+                  <a:schemeClr val="lt1"/>
+                </a:fontRef>
+              </p:style>
+              <p:txBody>
+                <a:bodyPr rtlCol="0" anchor="ctr"/>
+                <a:lstStyle/>
+                <a:p>
+                  <a:pPr algn="ctr"/>
+                  <a:r>
+                    <a:rPr lang="zh-CN" altLang="en-US" dirty="0"/>
+                    <a:t>目标服务器</a:t>
+                  </a:r>
+                  <a:endParaRPr lang="zh-CN" altLang="en-US" dirty="0"/>
+                </a:p>
+              </p:txBody>
+            </p:sp>
+            <p:sp>
+              <p:nvSpPr>
+                <p:cNvPr id="4" name="圆角矩形 3"/>
+                <p:cNvSpPr/>
+                <p:nvPr/>
+              </p:nvSpPr>
+              <p:spPr>
+                <a:xfrm>
+                  <a:off x="1584100" y="4284372"/>
+                  <a:ext cx="1249251" cy="837127"/>
+                </a:xfrm>
+                <a:prstGeom prst="roundRect">
+                  <a:avLst/>
+                </a:prstGeom>
+              </p:spPr>
+              <p:style>
+                <a:lnRef idx="2">
+                  <a:schemeClr val="accent1">
+                    <a:shade val="50000"/>
+                  </a:schemeClr>
+                </a:lnRef>
+                <a:fillRef idx="1">
+                  <a:schemeClr val="accent1"/>
+                </a:fillRef>
+                <a:effectRef idx="0">
+                  <a:schemeClr val="accent1"/>
+                </a:effectRef>
+                <a:fontRef idx="minor">
+                  <a:schemeClr val="lt1"/>
+                </a:fontRef>
+              </p:style>
+              <p:txBody>
+                <a:bodyPr rtlCol="0" anchor="ctr"/>
+                <a:lstStyle/>
+                <a:p>
+                  <a:pPr algn="ctr"/>
+                  <a:r>
+                    <a:rPr lang="zh-CN" altLang="en-US" dirty="0"/>
+                    <a:t>目标服务器</a:t>
+                  </a:r>
+                  <a:endParaRPr lang="zh-CN" altLang="en-US" dirty="0"/>
+                </a:p>
+              </p:txBody>
+            </p:sp>
+          </p:grpSp>
+          <p:sp>
+            <p:nvSpPr>
+              <p:cNvPr id="5" name="圆角矩形 4"/>
+              <p:cNvSpPr/>
+              <p:nvPr/>
+            </p:nvSpPr>
+            <p:spPr>
+              <a:xfrm>
+                <a:off x="5367633" y="2801001"/>
+                <a:ext cx="1249251" cy="837127"/>
+              </a:xfrm>
+              <a:prstGeom prst="roundRect">
+                <a:avLst/>
+              </a:prstGeom>
+            </p:spPr>
+            <p:style>
+              <a:lnRef idx="2">
+                <a:schemeClr val="accent1">
+                  <a:shade val="50000"/>
+                </a:schemeClr>
+              </a:lnRef>
+              <a:fillRef idx="1">
+                <a:schemeClr val="accent1"/>
+              </a:fillRef>
+              <a:effectRef idx="0">
+                <a:schemeClr val="accent1"/>
+              </a:effectRef>
+              <a:fontRef idx="minor">
+                <a:schemeClr val="lt1"/>
+              </a:fontRef>
+            </p:style>
+            <p:txBody>
+              <a:bodyPr rot="0" spcFirstLastPara="0" vert="horz" wrap="square" lIns="91440" tIns="45720" rIns="91440" bIns="45720" numCol="1" spcCol="0" rtlCol="0" fromWordArt="0" anchor="ctr" anchorCtr="0" forceAA="0" compatLnSpc="1">
+                <a:prstTxWarp prst="textNoShape">
+                  <a:avLst/>
+                </a:prstTxWarp>
+                <a:noAutofit/>
+              </a:bodyPr>
+              <a:lstStyle>
+                <a:defPPr>
+                  <a:defRPr lang="zh-CN"/>
+                </a:defPPr>
+                <a:lvl1pPr marL="0" algn="l" defTabSz="914400" rtl="0" eaLnBrk="1" latinLnBrk="0" hangingPunct="1">
+                  <a:defRPr sz="1800" kern="1200">
+                    <a:solidFill>
+                      <a:schemeClr val="lt1"/>
+                    </a:solidFill>
+                    <a:latin typeface="+mn-lt"/>
+                    <a:ea typeface="+mn-ea"/>
+                    <a:cs typeface="+mn-cs"/>
+                  </a:defRPr>
+                </a:lvl1pPr>
+                <a:lvl2pPr marL="457200" algn="l" defTabSz="914400" rtl="0" eaLnBrk="1" latinLnBrk="0" hangingPunct="1">
+                  <a:defRPr sz="1800" kern="1200">
+                    <a:solidFill>
+                      <a:schemeClr val="lt1"/>
+                    </a:solidFill>
+                    <a:latin typeface="+mn-lt"/>
+                    <a:ea typeface="+mn-ea"/>
+                    <a:cs typeface="+mn-cs"/>
+                  </a:defRPr>
+                </a:lvl2pPr>
+                <a:lvl3pPr marL="914400" algn="l" defTabSz="914400" rtl="0" eaLnBrk="1" latinLnBrk="0" hangingPunct="1">
+                  <a:defRPr sz="1800" kern="1200">
+                    <a:solidFill>
+                      <a:schemeClr val="lt1"/>
+                    </a:solidFill>
+                    <a:latin typeface="+mn-lt"/>
+                    <a:ea typeface="+mn-ea"/>
+                    <a:cs typeface="+mn-cs"/>
+                  </a:defRPr>
+                </a:lvl3pPr>
+                <a:lvl4pPr marL="1371600" algn="l" defTabSz="914400" rtl="0" eaLnBrk="1" latinLnBrk="0" hangingPunct="1">
+                  <a:defRPr sz="1800" kern="1200">
+                    <a:solidFill>
+                      <a:schemeClr val="lt1"/>
+                    </a:solidFill>
+                    <a:latin typeface="+mn-lt"/>
+                    <a:ea typeface="+mn-ea"/>
+                    <a:cs typeface="+mn-cs"/>
+                  </a:defRPr>
+                </a:lvl4pPr>
+                <a:lvl5pPr marL="1828800" algn="l" defTabSz="914400" rtl="0" eaLnBrk="1" latinLnBrk="0" hangingPunct="1">
+                  <a:defRPr sz="1800" kern="1200">
+                    <a:solidFill>
+                      <a:schemeClr val="lt1"/>
+                    </a:solidFill>
+                    <a:latin typeface="+mn-lt"/>
+                    <a:ea typeface="+mn-ea"/>
+                    <a:cs typeface="+mn-cs"/>
+                  </a:defRPr>
+                </a:lvl5pPr>
+                <a:lvl6pPr marL="2286000" algn="l" defTabSz="914400" rtl="0" eaLnBrk="1" latinLnBrk="0" hangingPunct="1">
+                  <a:defRPr sz="1800" kern="1200">
+                    <a:solidFill>
+                      <a:schemeClr val="lt1"/>
+                    </a:solidFill>
+                    <a:latin typeface="+mn-lt"/>
+                    <a:ea typeface="+mn-ea"/>
+                    <a:cs typeface="+mn-cs"/>
+                  </a:defRPr>
+                </a:lvl6pPr>
+                <a:lvl7pPr marL="2743200" algn="l" defTabSz="914400" rtl="0" eaLnBrk="1" latinLnBrk="0" hangingPunct="1">
+                  <a:defRPr sz="1800" kern="1200">
+                    <a:solidFill>
+                      <a:schemeClr val="lt1"/>
+                    </a:solidFill>
+                    <a:latin typeface="+mn-lt"/>
+                    <a:ea typeface="+mn-ea"/>
+                    <a:cs typeface="+mn-cs"/>
+                  </a:defRPr>
+                </a:lvl7pPr>
+                <a:lvl8pPr marL="3200400" algn="l" defTabSz="914400" rtl="0" eaLnBrk="1" latinLnBrk="0" hangingPunct="1">
+                  <a:defRPr sz="1800" kern="1200">
+                    <a:solidFill>
+                      <a:schemeClr val="lt1"/>
+                    </a:solidFill>
+                    <a:latin typeface="+mn-lt"/>
+                    <a:ea typeface="+mn-ea"/>
+                    <a:cs typeface="+mn-cs"/>
+                  </a:defRPr>
+                </a:lvl8pPr>
+                <a:lvl9pPr marL="3657600" algn="l" defTabSz="914400" rtl="0" eaLnBrk="1" latinLnBrk="0" hangingPunct="1">
+                  <a:defRPr sz="1800" kern="1200">
+                    <a:solidFill>
+                      <a:schemeClr val="lt1"/>
+                    </a:solidFill>
+                    <a:latin typeface="+mn-lt"/>
+                    <a:ea typeface="+mn-ea"/>
+                    <a:cs typeface="+mn-cs"/>
+                  </a:defRPr>
+                </a:lvl9pPr>
+              </a:lstStyle>
+              <a:p>
+                <a:pPr algn="ctr"/>
+                <a:r>
+                  <a:rPr lang="en-US" altLang="zh-CN" dirty="0" smtClean="0"/>
+                  <a:t>Nginx</a:t>
+                </a:r>
+                <a:endParaRPr lang="zh-CN" altLang="en-US" dirty="0"/>
+              </a:p>
+            </p:txBody>
+          </p:sp>
+          <p:sp>
+            <p:nvSpPr>
+              <p:cNvPr id="7" name="圆角矩形 6"/>
+              <p:cNvSpPr/>
+              <p:nvPr/>
+            </p:nvSpPr>
+            <p:spPr>
+              <a:xfrm>
+                <a:off x="1170490" y="2744202"/>
+                <a:ext cx="1249251" cy="837127"/>
+              </a:xfrm>
+              <a:prstGeom prst="roundRect">
+                <a:avLst/>
+              </a:prstGeom>
+            </p:spPr>
+            <p:style>
+              <a:lnRef idx="2">
+                <a:schemeClr val="accent1">
+                  <a:shade val="50000"/>
+                </a:schemeClr>
+              </a:lnRef>
+              <a:fillRef idx="1">
+                <a:schemeClr val="accent1"/>
+              </a:fillRef>
+              <a:effectRef idx="0">
+                <a:schemeClr val="accent1"/>
+              </a:effectRef>
+              <a:fontRef idx="minor">
+                <a:schemeClr val="lt1"/>
+              </a:fontRef>
+            </p:style>
+            <p:txBody>
+              <a:bodyPr rtlCol="0" anchor="ctr"/>
+              <a:lstStyle/>
+              <a:p>
+                <a:pPr algn="ctr"/>
+                <a:r>
+                  <a:rPr lang="zh-CN" altLang="en-US" dirty="0" smtClean="0"/>
+                  <a:t>客户端</a:t>
+                </a:r>
+                <a:endParaRPr lang="zh-CN" altLang="en-US" dirty="0"/>
+              </a:p>
+            </p:txBody>
+          </p:sp>
+          <p:sp>
+            <p:nvSpPr>
+              <p:cNvPr id="29" name="文本框 28"/>
+              <p:cNvSpPr txBox="1"/>
+              <p:nvPr/>
+            </p:nvSpPr>
+            <p:spPr>
+              <a:xfrm>
+                <a:off x="5218315" y="3831242"/>
+                <a:ext cx="1800493" cy="369332"/>
+              </a:xfrm>
+              <a:prstGeom prst="rect">
+                <a:avLst/>
+              </a:prstGeom>
+              <a:noFill/>
+            </p:spPr>
+            <p:txBody>
+              <a:bodyPr wrap="none" rtlCol="0">
+                <a:spAutoFit/>
+              </a:bodyPr>
+              <a:lstStyle/>
+              <a:p>
+                <a:r>
+                  <a:rPr lang="zh-CN" altLang="en-US" dirty="0" smtClean="0"/>
+                  <a:t>反向代理服务器</a:t>
+                </a:r>
+                <a:endParaRPr lang="zh-CN" altLang="en-US" dirty="0"/>
+              </a:p>
+            </p:txBody>
+          </p:sp>
+          <p:grpSp>
+            <p:nvGrpSpPr>
+              <p:cNvPr id="12" name="组合 11"/>
+              <p:cNvGrpSpPr/>
+              <p:nvPr/>
+            </p:nvGrpSpPr>
+            <p:grpSpPr>
+              <a:xfrm>
+                <a:off x="2575775" y="2743058"/>
+                <a:ext cx="2567786" cy="419707"/>
+                <a:chOff x="6651340" y="2792290"/>
+                <a:chExt cx="2567786" cy="419707"/>
+              </a:xfrm>
+            </p:grpSpPr>
+            <p:cxnSp>
+              <p:nvCxnSpPr>
+                <p:cNvPr id="21" name="直接箭头连接符 20"/>
+                <p:cNvCxnSpPr/>
+                <p:nvPr/>
+              </p:nvCxnSpPr>
+              <p:spPr>
+                <a:xfrm flipV="1">
+                  <a:off x="6651340" y="3198253"/>
+                  <a:ext cx="2567786" cy="13744"/>
+                </a:xfrm>
+                <a:prstGeom prst="straightConnector1">
+                  <a:avLst/>
+                </a:prstGeom>
+                <a:ln w="28575">
+                  <a:solidFill>
+                    <a:srgbClr val="FF0000"/>
+                  </a:solidFill>
+                  <a:tailEnd type="triangle"/>
+                </a:ln>
+              </p:spPr>
+              <p:style>
+                <a:lnRef idx="1">
+                  <a:schemeClr val="accent1"/>
+                </a:lnRef>
+                <a:fillRef idx="0">
+                  <a:schemeClr val="accent1"/>
+                </a:fillRef>
+                <a:effectRef idx="0">
+                  <a:schemeClr val="accent1"/>
+                </a:effectRef>
+                <a:fontRef idx="minor">
+                  <a:schemeClr val="tx1"/>
+                </a:fontRef>
+              </p:style>
+            </p:cxnSp>
+            <p:sp>
+              <p:nvSpPr>
+                <p:cNvPr id="28" name="文本框 27"/>
+                <p:cNvSpPr txBox="1"/>
+                <p:nvPr/>
+              </p:nvSpPr>
+              <p:spPr>
+                <a:xfrm>
+                  <a:off x="6881671" y="2792290"/>
+                  <a:ext cx="646331" cy="369332"/>
+                </a:xfrm>
+                <a:prstGeom prst="rect">
+                  <a:avLst/>
+                </a:prstGeom>
+                <a:noFill/>
+              </p:spPr>
+              <p:txBody>
+                <a:bodyPr wrap="none" rtlCol="0">
+                  <a:spAutoFit/>
+                </a:bodyPr>
+                <a:lstStyle/>
+                <a:p>
+                  <a:r>
+                    <a:rPr lang="zh-CN" altLang="en-US" dirty="0" smtClean="0"/>
+                    <a:t>请求</a:t>
+                  </a:r>
+                  <a:endParaRPr lang="zh-CN" altLang="en-US" dirty="0"/>
+                </a:p>
+              </p:txBody>
+            </p:sp>
+          </p:grpSp>
+          <p:cxnSp>
+            <p:nvCxnSpPr>
+              <p:cNvPr id="9" name="直接箭头连接符 8"/>
+              <p:cNvCxnSpPr/>
+              <p:nvPr/>
+            </p:nvCxnSpPr>
+            <p:spPr>
+              <a:xfrm>
+                <a:off x="6864439" y="3527856"/>
+                <a:ext cx="3129567" cy="1031265"/>
+              </a:xfrm>
+              <a:prstGeom prst="straightConnector1">
+                <a:avLst/>
+              </a:prstGeom>
+              <a:ln w="28575">
+                <a:solidFill>
+                  <a:srgbClr val="FF0000"/>
+                </a:solidFill>
+                <a:tailEnd type="triangle"/>
+              </a:ln>
+            </p:spPr>
+            <p:style>
+              <a:lnRef idx="1">
+                <a:schemeClr val="accent1"/>
+              </a:lnRef>
+              <a:fillRef idx="0">
+                <a:schemeClr val="accent1"/>
+              </a:fillRef>
+              <a:effectRef idx="0">
+                <a:schemeClr val="accent1"/>
+              </a:effectRef>
+              <a:fontRef idx="minor">
+                <a:schemeClr val="tx1"/>
+              </a:fontRef>
+            </p:style>
+          </p:cxnSp>
+          <p:cxnSp>
+            <p:nvCxnSpPr>
+              <p:cNvPr id="10" name="直接箭头连接符 9"/>
+              <p:cNvCxnSpPr/>
+              <p:nvPr/>
+            </p:nvCxnSpPr>
+            <p:spPr>
+              <a:xfrm>
+                <a:off x="6864439" y="3309870"/>
+                <a:ext cx="3129567" cy="0"/>
+              </a:xfrm>
+              <a:prstGeom prst="straightConnector1">
+                <a:avLst/>
+              </a:prstGeom>
+              <a:ln w="28575">
+                <a:solidFill>
+                  <a:srgbClr val="FF0000"/>
+                </a:solidFill>
+                <a:tailEnd type="triangle"/>
+              </a:ln>
+            </p:spPr>
+            <p:style>
+              <a:lnRef idx="1">
+                <a:schemeClr val="accent1"/>
+              </a:lnRef>
+              <a:fillRef idx="0">
+                <a:schemeClr val="accent1"/>
+              </a:fillRef>
+              <a:effectRef idx="0">
+                <a:schemeClr val="accent1"/>
+              </a:effectRef>
+              <a:fontRef idx="minor">
+                <a:schemeClr val="tx1"/>
+              </a:fontRef>
+            </p:style>
+          </p:cxnSp>
+          <p:cxnSp>
+            <p:nvCxnSpPr>
+              <p:cNvPr id="11" name="直接箭头连接符 10"/>
+              <p:cNvCxnSpPr/>
+              <p:nvPr/>
+            </p:nvCxnSpPr>
+            <p:spPr>
+              <a:xfrm flipV="1">
+                <a:off x="6840956" y="1708747"/>
+                <a:ext cx="3050019" cy="1064785"/>
+              </a:xfrm>
+              <a:prstGeom prst="straightConnector1">
+                <a:avLst/>
+              </a:prstGeom>
+              <a:ln w="28575">
+                <a:solidFill>
+                  <a:srgbClr val="FF0000"/>
+                </a:solidFill>
+                <a:tailEnd type="triangle"/>
+              </a:ln>
+            </p:spPr>
+            <p:style>
+              <a:lnRef idx="1">
+                <a:schemeClr val="accent1"/>
+              </a:lnRef>
+              <a:fillRef idx="0">
+                <a:schemeClr val="accent1"/>
+              </a:fillRef>
+              <a:effectRef idx="0">
+                <a:schemeClr val="accent1"/>
+              </a:effectRef>
+              <a:fontRef idx="minor">
+                <a:schemeClr val="tx1"/>
+              </a:fontRef>
+            </p:style>
+          </p:cxnSp>
+          <p:sp>
+            <p:nvSpPr>
+              <p:cNvPr id="25" name="文本框 24"/>
+              <p:cNvSpPr txBox="1"/>
+              <p:nvPr/>
+            </p:nvSpPr>
+            <p:spPr>
+              <a:xfrm>
+                <a:off x="7510348" y="1678113"/>
+                <a:ext cx="1107996" cy="369332"/>
+              </a:xfrm>
+              <a:prstGeom prst="rect">
+                <a:avLst/>
+              </a:prstGeom>
+              <a:noFill/>
+            </p:spPr>
+            <p:txBody>
+              <a:bodyPr wrap="none" rtlCol="0">
+                <a:spAutoFit/>
+              </a:bodyPr>
+              <a:lstStyle/>
+              <a:p>
+                <a:r>
+                  <a:rPr lang="zh-CN" altLang="en-US" dirty="0" smtClean="0"/>
+                  <a:t>分发请求</a:t>
+                </a:r>
+                <a:endParaRPr lang="zh-CN" altLang="en-US" dirty="0"/>
+              </a:p>
+            </p:txBody>
+          </p:sp>
+          <p:sp>
+            <p:nvSpPr>
+              <p:cNvPr id="26" name="文本框 25"/>
+              <p:cNvSpPr txBox="1"/>
+              <p:nvPr/>
+            </p:nvSpPr>
+            <p:spPr>
+              <a:xfrm>
+                <a:off x="7510348" y="4146578"/>
+                <a:ext cx="1107996" cy="369332"/>
+              </a:xfrm>
+              <a:prstGeom prst="rect">
+                <a:avLst/>
+              </a:prstGeom>
+              <a:noFill/>
+            </p:spPr>
+            <p:txBody>
+              <a:bodyPr wrap="none" rtlCol="0">
+                <a:spAutoFit/>
+              </a:bodyPr>
+              <a:lstStyle/>
+              <a:p>
+                <a:r>
+                  <a:rPr lang="zh-CN" altLang="en-US" dirty="0" smtClean="0"/>
+                  <a:t>分发请求</a:t>
+                </a:r>
+                <a:endParaRPr lang="zh-CN" altLang="en-US" dirty="0"/>
+              </a:p>
+            </p:txBody>
+          </p:sp>
+          <p:sp>
+            <p:nvSpPr>
+              <p:cNvPr id="27" name="文本框 26"/>
+              <p:cNvSpPr txBox="1"/>
+              <p:nvPr/>
+            </p:nvSpPr>
+            <p:spPr>
+              <a:xfrm>
+                <a:off x="7510348" y="2804166"/>
+                <a:ext cx="1107996" cy="369332"/>
+              </a:xfrm>
+              <a:prstGeom prst="rect">
+                <a:avLst/>
+              </a:prstGeom>
+              <a:noFill/>
+            </p:spPr>
+            <p:txBody>
+              <a:bodyPr wrap="none" rtlCol="0">
+                <a:spAutoFit/>
+              </a:bodyPr>
+              <a:lstStyle/>
+              <a:p>
+                <a:r>
+                  <a:rPr lang="zh-CN" altLang="en-US" dirty="0" smtClean="0"/>
+                  <a:t>分发请求</a:t>
+                </a:r>
+                <a:endParaRPr lang="zh-CN" altLang="en-US" dirty="0"/>
+              </a:p>
+            </p:txBody>
+          </p:sp>
+          <p:sp>
+            <p:nvSpPr>
+              <p:cNvPr id="20" name="文本框 19"/>
+              <p:cNvSpPr txBox="1"/>
+              <p:nvPr/>
+            </p:nvSpPr>
+            <p:spPr>
+              <a:xfrm>
+                <a:off x="1327679" y="3936451"/>
+                <a:ext cx="934871" cy="646331"/>
+              </a:xfrm>
+              <a:prstGeom prst="rect">
+                <a:avLst/>
+              </a:prstGeom>
+              <a:noFill/>
+            </p:spPr>
+            <p:txBody>
+              <a:bodyPr wrap="none" rtlCol="0">
+                <a:spAutoFit/>
+              </a:bodyPr>
+              <a:lstStyle/>
+              <a:p>
+                <a:r>
+                  <a:rPr lang="en-US" altLang="zh-CN" sz="3600" b="1" dirty="0" smtClean="0"/>
+                  <a:t>……</a:t>
+                </a:r>
+                <a:endParaRPr lang="zh-CN" altLang="en-US" sz="3600" b="1" dirty="0"/>
+              </a:p>
+            </p:txBody>
+          </p:sp>
+        </p:grpSp>
+        <p:sp>
+          <p:nvSpPr>
+            <p:cNvPr id="22" name="圆角矩形 21"/>
+            <p:cNvSpPr/>
+            <p:nvPr/>
+          </p:nvSpPr>
+          <p:spPr>
+            <a:xfrm>
+              <a:off x="5218315" y="418562"/>
+              <a:ext cx="6574726" cy="5782615"/>
+            </a:xfrm>
+            <a:prstGeom prst="roundRect">
+              <a:avLst/>
+            </a:prstGeom>
+            <a:solidFill>
+              <a:srgbClr val="92D050">
+                <a:alpha val="10196"/>
+              </a:srgbClr>
+            </a:solidFill>
+          </p:spPr>
+          <p:style>
+            <a:lnRef idx="2">
+              <a:schemeClr val="accent1">
+                <a:shade val="50000"/>
+              </a:schemeClr>
+            </a:lnRef>
+            <a:fillRef idx="1">
+              <a:schemeClr val="accent1"/>
+            </a:fillRef>
+            <a:effectRef idx="0">
+              <a:schemeClr val="accent1"/>
+            </a:effectRef>
+            <a:fontRef idx="minor">
+              <a:schemeClr val="lt1"/>
+            </a:fontRef>
+          </p:style>
+          <p:txBody>
+            <a:bodyPr rtlCol="0" anchor="ctr"/>
+            <a:lstStyle/>
+            <a:p>
+              <a:pPr algn="ctr"/>
+              <a:endParaRPr lang="zh-CN" altLang="en-US"/>
+            </a:p>
+          </p:txBody>
+        </p:sp>
+      </p:grpSp>
+    </p:spTree>
+    <p:extLst>
+      <p:ext uri="{BB962C8B-B14F-4D97-AF65-F5344CB8AC3E}">
+        <p14:creationId xmlns:p14="http://schemas.microsoft.com/office/powerpoint/2010/main" val="2881023062"/>
+      </p:ext>
+    </p:extLst>
+  </p:cSld>
+  <p:clrMapOvr>
+    <a:masterClrMapping/>
+  </p:clrMapOvr>
+</p:sld>
+</file>
+
 <file path=ppt/theme/theme1.xml><?xml version="1.0" encoding="utf-8"?>
 <a:theme xmlns:a="http://schemas.openxmlformats.org/drawingml/2006/main" name="Office 主题​​">
   <a:themeElements>
